--- a/docs/presentations/20230117/slides.pptx
+++ b/docs/presentations/20230117/slides.pptx
@@ -5103,18 +5103,18 @@
   <pc:docChgLst>
     <pc:chgData name="Matthew Suderman" userId="2709995e-3ea8-4fb0-9b62-eb8034dec529" providerId="ADAL" clId="{A19D1F1F-7EF2-4A02-B570-9E34D0957D91}"/>
     <pc:docChg chg="undo custSel addSld delSld modSld modMainMaster">
-      <pc:chgData name="Matthew Suderman" userId="2709995e-3ea8-4fb0-9b62-eb8034dec529" providerId="ADAL" clId="{A19D1F1F-7EF2-4A02-B570-9E34D0957D91}" dt="2023-01-15T02:41:49.679" v="8872"/>
+      <pc:chgData name="Matthew Suderman" userId="2709995e-3ea8-4fb0-9b62-eb8034dec529" providerId="ADAL" clId="{A19D1F1F-7EF2-4A02-B570-9E34D0957D91}" dt="2023-01-15T19:37:38.900" v="8874" actId="1076"/>
       <pc:docMkLst>
         <pc:docMk/>
       </pc:docMkLst>
       <pc:sldChg chg="addSp modSp mod">
-        <pc:chgData name="Matthew Suderman" userId="2709995e-3ea8-4fb0-9b62-eb8034dec529" providerId="ADAL" clId="{A19D1F1F-7EF2-4A02-B570-9E34D0957D91}" dt="2023-01-14T16:58:31.101" v="175" actId="20577"/>
+        <pc:chgData name="Matthew Suderman" userId="2709995e-3ea8-4fb0-9b62-eb8034dec529" providerId="ADAL" clId="{A19D1F1F-7EF2-4A02-B570-9E34D0957D91}" dt="2023-01-15T19:37:32.606" v="8873" actId="20577"/>
         <pc:sldMkLst>
           <pc:docMk/>
           <pc:sldMk cId="0" sldId="288"/>
         </pc:sldMkLst>
         <pc:spChg chg="mod">
-          <ac:chgData name="Matthew Suderman" userId="2709995e-3ea8-4fb0-9b62-eb8034dec529" providerId="ADAL" clId="{A19D1F1F-7EF2-4A02-B570-9E34D0957D91}" dt="2023-01-14T16:58:31.101" v="175" actId="20577"/>
+          <ac:chgData name="Matthew Suderman" userId="2709995e-3ea8-4fb0-9b62-eb8034dec529" providerId="ADAL" clId="{A19D1F1F-7EF2-4A02-B570-9E34D0957D91}" dt="2023-01-15T19:37:32.606" v="8873" actId="20577"/>
           <ac:spMkLst>
             <pc:docMk/>
             <pc:sldMk cId="0" sldId="288"/>
@@ -5131,7 +5131,7 @@
         </pc:spChg>
       </pc:sldChg>
       <pc:sldChg chg="addSp modSp new mod modClrScheme chgLayout">
-        <pc:chgData name="Matthew Suderman" userId="2709995e-3ea8-4fb0-9b62-eb8034dec529" providerId="ADAL" clId="{A19D1F1F-7EF2-4A02-B570-9E34D0957D91}" dt="2023-01-15T01:41:50.590" v="7181" actId="20577"/>
+        <pc:chgData name="Matthew Suderman" userId="2709995e-3ea8-4fb0-9b62-eb8034dec529" providerId="ADAL" clId="{A19D1F1F-7EF2-4A02-B570-9E34D0957D91}" dt="2023-01-15T19:37:38.900" v="8874" actId="1076"/>
         <pc:sldMkLst>
           <pc:docMk/>
           <pc:sldMk cId="1104153273" sldId="289"/>
@@ -5145,7 +5145,7 @@
           </ac:spMkLst>
         </pc:spChg>
         <pc:spChg chg="add mod">
-          <ac:chgData name="Matthew Suderman" userId="2709995e-3ea8-4fb0-9b62-eb8034dec529" providerId="ADAL" clId="{A19D1F1F-7EF2-4A02-B570-9E34D0957D91}" dt="2023-01-15T01:41:50.590" v="7181" actId="20577"/>
+          <ac:chgData name="Matthew Suderman" userId="2709995e-3ea8-4fb0-9b62-eb8034dec529" providerId="ADAL" clId="{A19D1F1F-7EF2-4A02-B570-9E34D0957D91}" dt="2023-01-15T19:37:38.900" v="8874" actId="1076"/>
           <ac:spMkLst>
             <pc:docMk/>
             <pc:sldMk cId="1104153273" sldId="289"/>
@@ -9539,7 +9539,7 @@
         <p:spPr bwMode="auto">
           <a:xfrm>
             <a:off x="2044700" y="2060848"/>
-            <a:ext cx="8102600" cy="2312877"/>
+            <a:ext cx="8102600" cy="1938992"/>
           </a:xfrm>
           <a:prstGeom prst="rect">
             <a:avLst/>
@@ -9608,23 +9608,6 @@
               </a:solidFill>
               <a:latin typeface="Verdana" pitchFamily="-1" charset="0"/>
             </a:endParaRPr>
-          </a:p>
-          <a:p>
-            <a:pPr algn="l">
-              <a:lnSpc>
-                <a:spcPct val="70000"/>
-              </a:lnSpc>
-              <a:spcBef>
-                <a:spcPct val="50000"/>
-              </a:spcBef>
-            </a:pPr>
-            <a:r>
-              <a:rPr lang="en-US" sz="2000" dirty="0">
-                <a:latin typeface="Arial"/>
-                <a:cs typeface="Arial"/>
-              </a:rPr>
-              <a:t>Matthew Suderman</a:t>
-            </a:r>
           </a:p>
         </p:txBody>
       </p:sp>
@@ -10437,7 +10420,12 @@
             <p:ph idx="1"/>
           </p:nvPr>
         </p:nvSpPr>
-        <p:spPr/>
+        <p:spPr>
+          <a:xfrm>
+            <a:off x="609600" y="1340768"/>
+            <a:ext cx="10871200" cy="4572000"/>
+          </a:xfrm>
+        </p:spPr>
         <p:txBody>
           <a:bodyPr/>
           <a:lstStyle/>
@@ -16082,6 +16070,21 @@
 </file>
 
 <file path=customXml/item1.xml><?xml version="1.0" encoding="utf-8"?>
+<p:properties xmlns:p="http://schemas.microsoft.com/office/2006/metadata/properties" xmlns:xsi="http://www.w3.org/2001/XMLSchema-instance" xmlns:pc="http://schemas.microsoft.com/office/infopath/2007/PartnerControls">
+  <documentManagement/>
+</p:properties>
+</file>
+
+<file path=customXml/item2.xml><?xml version="1.0" encoding="utf-8"?>
+<?mso-contentType ?>
+<FormTemplates xmlns="http://schemas.microsoft.com/sharepoint/v3/contenttype/forms">
+  <Display>DocumentLibraryForm</Display>
+  <Edit>DocumentLibraryForm</Edit>
+  <New>DocumentLibraryForm</New>
+</FormTemplates>
+</file>
+
+<file path=customXml/item3.xml><?xml version="1.0" encoding="utf-8"?>
 <ct:contentTypeSchema xmlns:ct="http://schemas.microsoft.com/office/2006/metadata/contentType" xmlns:ma="http://schemas.microsoft.com/office/2006/metadata/properties/metaAttributes" ct:_="" ma:_="" ma:contentTypeName="Document" ma:contentTypeID="0x010100A793F08E06F4AA448AC00C0C02C94845" ma:contentTypeVersion="4" ma:contentTypeDescription="Create a new document." ma:contentTypeScope="" ma:versionID="8ae8c0bcb362956bfd30c2611ca3a1f1">
   <xsd:schema xmlns:xsd="http://www.w3.org/2001/XMLSchema" xmlns:xs="http://www.w3.org/2001/XMLSchema" xmlns:p="http://schemas.microsoft.com/office/2006/metadata/properties" xmlns:ns2="2335683b-688a-4d49-ab37-bd32983a32ac" targetNamespace="http://schemas.microsoft.com/office/2006/metadata/properties" ma:root="true" ma:fieldsID="3c27dae60892398fbb9ade460898c2bd" ns2:_="">
     <xsd:import namespace="2335683b-688a-4d49-ab37-bd32983a32ac"/>
@@ -16227,22 +16230,24 @@
 </ct:contentTypeSchema>
 </file>
 
-<file path=customXml/item2.xml><?xml version="1.0" encoding="utf-8"?>
-<?mso-contentType ?>
-<FormTemplates xmlns="http://schemas.microsoft.com/sharepoint/v3/contenttype/forms">
-  <Display>DocumentLibraryForm</Display>
-  <Edit>DocumentLibraryForm</Edit>
-  <New>DocumentLibraryForm</New>
-</FormTemplates>
+<file path=customXml/itemProps1.xml><?xml version="1.0" encoding="utf-8"?>
+<ds:datastoreItem xmlns:ds="http://schemas.openxmlformats.org/officeDocument/2006/customXml" ds:itemID="{958A2EA8-4641-42F6-A17F-431287DED999}">
+  <ds:schemaRefs>
+    <ds:schemaRef ds:uri="http://schemas.microsoft.com/office/2006/metadata/properties"/>
+    <ds:schemaRef ds:uri="http://schemas.microsoft.com/office/infopath/2007/PartnerControls"/>
+  </ds:schemaRefs>
+</ds:datastoreItem>
 </file>
 
-<file path=customXml/item3.xml><?xml version="1.0" encoding="utf-8"?>
-<p:properties xmlns:p="http://schemas.microsoft.com/office/2006/metadata/properties" xmlns:xsi="http://www.w3.org/2001/XMLSchema-instance" xmlns:pc="http://schemas.microsoft.com/office/infopath/2007/PartnerControls">
-  <documentManagement/>
-</p:properties>
+<file path=customXml/itemProps2.xml><?xml version="1.0" encoding="utf-8"?>
+<ds:datastoreItem xmlns:ds="http://schemas.openxmlformats.org/officeDocument/2006/customXml" ds:itemID="{3AA12886-63C9-4300-8B68-1ADB4934159B}">
+  <ds:schemaRefs>
+    <ds:schemaRef ds:uri="http://schemas.microsoft.com/sharepoint/v3/contenttype/forms"/>
+  </ds:schemaRefs>
+</ds:datastoreItem>
 </file>
 
-<file path=customXml/itemProps1.xml><?xml version="1.0" encoding="utf-8"?>
+<file path=customXml/itemProps3.xml><?xml version="1.0" encoding="utf-8"?>
 <ds:datastoreItem xmlns:ds="http://schemas.openxmlformats.org/officeDocument/2006/customXml" ds:itemID="{741BB8E0-F7E5-448E-9DB1-27528C7937F6}">
   <ds:schemaRefs>
     <ds:schemaRef ds:uri="http://schemas.microsoft.com/office/2006/metadata/contentType"/>
@@ -16258,21 +16263,4 @@
     <ds:schemaRef ds:uri="http://schemas.microsoft.com/internal/obd"/>
   </ds:schemaRefs>
 </ds:datastoreItem>
-</file>
-
-<file path=customXml/itemProps2.xml><?xml version="1.0" encoding="utf-8"?>
-<ds:datastoreItem xmlns:ds="http://schemas.openxmlformats.org/officeDocument/2006/customXml" ds:itemID="{3AA12886-63C9-4300-8B68-1ADB4934159B}">
-  <ds:schemaRefs>
-    <ds:schemaRef ds:uri="http://schemas.microsoft.com/sharepoint/v3/contenttype/forms"/>
-  </ds:schemaRefs>
-</ds:datastoreItem>
-</file>
-
-<file path=customXml/itemProps3.xml><?xml version="1.0" encoding="utf-8"?>
-<ds:datastoreItem xmlns:ds="http://schemas.openxmlformats.org/officeDocument/2006/customXml" ds:itemID="{958A2EA8-4641-42F6-A17F-431287DED999}">
-  <ds:schemaRefs>
-    <ds:schemaRef ds:uri="http://schemas.microsoft.com/office/2006/metadata/properties"/>
-    <ds:schemaRef ds:uri="http://schemas.microsoft.com/office/infopath/2007/PartnerControls"/>
-  </ds:schemaRefs>
-</ds:datastoreItem>
 </file>
--- a/docs/presentations/20230117/slides.pptx
+++ b/docs/presentations/20230117/slides.pptx
@@ -6,23 +6,28 @@
     <p:sldMasterId id="2147483654" r:id="rId5"/>
   </p:sldMasterIdLst>
   <p:notesMasterIdLst>
-    <p:notesMasterId r:id="rId17"/>
+    <p:notesMasterId r:id="rId22"/>
   </p:notesMasterIdLst>
   <p:handoutMasterIdLst>
-    <p:handoutMasterId r:id="rId18"/>
+    <p:handoutMasterId r:id="rId23"/>
   </p:handoutMasterIdLst>
   <p:sldIdLst>
     <p:sldId id="288" r:id="rId6"/>
-    <p:sldId id="289" r:id="rId7"/>
-    <p:sldId id="290" r:id="rId8"/>
-    <p:sldId id="302" r:id="rId9"/>
-    <p:sldId id="292" r:id="rId10"/>
-    <p:sldId id="293" r:id="rId11"/>
-    <p:sldId id="294" r:id="rId12"/>
-    <p:sldId id="296" r:id="rId13"/>
-    <p:sldId id="297" r:id="rId14"/>
-    <p:sldId id="298" r:id="rId15"/>
-    <p:sldId id="301" r:id="rId16"/>
+    <p:sldId id="302" r:id="rId7"/>
+    <p:sldId id="304" r:id="rId8"/>
+    <p:sldId id="305" r:id="rId9"/>
+    <p:sldId id="306" r:id="rId10"/>
+    <p:sldId id="308" r:id="rId11"/>
+    <p:sldId id="309" r:id="rId12"/>
+    <p:sldId id="311" r:id="rId13"/>
+    <p:sldId id="307" r:id="rId14"/>
+    <p:sldId id="310" r:id="rId15"/>
+    <p:sldId id="312" r:id="rId16"/>
+    <p:sldId id="313" r:id="rId17"/>
+    <p:sldId id="314" r:id="rId18"/>
+    <p:sldId id="315" r:id="rId19"/>
+    <p:sldId id="303" r:id="rId20"/>
+    <p:sldId id="301" r:id="rId21"/>
   </p:sldIdLst>
   <p:sldSz cx="12192000" cy="6858000"/>
   <p:notesSz cx="6794500" cy="9931400"/>
@@ -182,7 +187,7 @@
 <file path=ppt/revisionInfo.xml><?xml version="1.0" encoding="utf-8"?>
 <p1510:revInfo xmlns:a="http://schemas.openxmlformats.org/drawingml/2006/main" xmlns:r="http://schemas.openxmlformats.org/officeDocument/2006/relationships" xmlns:p1510="http://schemas.microsoft.com/office/powerpoint/2015/10/main">
   <p1510:revLst>
-    <p1510:client id="{A19D1F1F-7EF2-4A02-B570-9E34D0957D91}" v="426" dt="2023-01-15T02:41:49.679"/>
+    <p1510:client id="{A19D1F1F-7EF2-4A02-B570-9E34D0957D91}" v="444" dt="2023-01-23T17:23:39.970"/>
   </p1510:revLst>
 </p1510:revInfo>
 </file>
@@ -5102,19 +5107,19 @@
   </pc:docChgLst>
   <pc:docChgLst>
     <pc:chgData name="Matthew Suderman" userId="2709995e-3ea8-4fb0-9b62-eb8034dec529" providerId="ADAL" clId="{A19D1F1F-7EF2-4A02-B570-9E34D0957D91}"/>
-    <pc:docChg chg="undo custSel addSld delSld modSld modMainMaster">
-      <pc:chgData name="Matthew Suderman" userId="2709995e-3ea8-4fb0-9b62-eb8034dec529" providerId="ADAL" clId="{A19D1F1F-7EF2-4A02-B570-9E34D0957D91}" dt="2023-01-15T19:37:38.900" v="8874" actId="1076"/>
+    <pc:docChg chg="undo custSel addSld delSld modSld sldOrd modMainMaster">
+      <pc:chgData name="Matthew Suderman" userId="2709995e-3ea8-4fb0-9b62-eb8034dec529" providerId="ADAL" clId="{A19D1F1F-7EF2-4A02-B570-9E34D0957D91}" dt="2023-01-23T17:38:21.310" v="11163" actId="20577"/>
       <pc:docMkLst>
         <pc:docMk/>
       </pc:docMkLst>
       <pc:sldChg chg="addSp modSp mod">
-        <pc:chgData name="Matthew Suderman" userId="2709995e-3ea8-4fb0-9b62-eb8034dec529" providerId="ADAL" clId="{A19D1F1F-7EF2-4A02-B570-9E34D0957D91}" dt="2023-01-15T19:37:32.606" v="8873" actId="20577"/>
+        <pc:chgData name="Matthew Suderman" userId="2709995e-3ea8-4fb0-9b62-eb8034dec529" providerId="ADAL" clId="{A19D1F1F-7EF2-4A02-B570-9E34D0957D91}" dt="2023-01-23T16:58:28.430" v="8991" actId="14100"/>
         <pc:sldMkLst>
           <pc:docMk/>
           <pc:sldMk cId="0" sldId="288"/>
         </pc:sldMkLst>
         <pc:spChg chg="mod">
-          <ac:chgData name="Matthew Suderman" userId="2709995e-3ea8-4fb0-9b62-eb8034dec529" providerId="ADAL" clId="{A19D1F1F-7EF2-4A02-B570-9E34D0957D91}" dt="2023-01-15T19:37:32.606" v="8873" actId="20577"/>
+          <ac:chgData name="Matthew Suderman" userId="2709995e-3ea8-4fb0-9b62-eb8034dec529" providerId="ADAL" clId="{A19D1F1F-7EF2-4A02-B570-9E34D0957D91}" dt="2023-01-23T16:57:47.081" v="8950" actId="20577"/>
           <ac:spMkLst>
             <pc:docMk/>
             <pc:sldMk cId="0" sldId="288"/>
@@ -5122,7 +5127,7 @@
           </ac:spMkLst>
         </pc:spChg>
         <pc:spChg chg="add mod">
-          <ac:chgData name="Matthew Suderman" userId="2709995e-3ea8-4fb0-9b62-eb8034dec529" providerId="ADAL" clId="{A19D1F1F-7EF2-4A02-B570-9E34D0957D91}" dt="2023-01-14T16:57:54.514" v="69" actId="207"/>
+          <ac:chgData name="Matthew Suderman" userId="2709995e-3ea8-4fb0-9b62-eb8034dec529" providerId="ADAL" clId="{A19D1F1F-7EF2-4A02-B570-9E34D0957D91}" dt="2023-01-23T16:58:28.430" v="8991" actId="14100"/>
           <ac:spMkLst>
             <pc:docMk/>
             <pc:sldMk cId="0" sldId="288"/>
@@ -5130,8 +5135,8 @@
           </ac:spMkLst>
         </pc:spChg>
       </pc:sldChg>
-      <pc:sldChg chg="addSp modSp new mod modClrScheme chgLayout">
-        <pc:chgData name="Matthew Suderman" userId="2709995e-3ea8-4fb0-9b62-eb8034dec529" providerId="ADAL" clId="{A19D1F1F-7EF2-4A02-B570-9E34D0957D91}" dt="2023-01-15T19:37:38.900" v="8874" actId="1076"/>
+      <pc:sldChg chg="addSp modSp new del mod modClrScheme chgLayout">
+        <pc:chgData name="Matthew Suderman" userId="2709995e-3ea8-4fb0-9b62-eb8034dec529" providerId="ADAL" clId="{A19D1F1F-7EF2-4A02-B570-9E34D0957D91}" dt="2023-01-23T16:55:25.122" v="8875" actId="47"/>
         <pc:sldMkLst>
           <pc:docMk/>
           <pc:sldMk cId="1104153273" sldId="289"/>
@@ -5153,8 +5158,8 @@
           </ac:spMkLst>
         </pc:spChg>
       </pc:sldChg>
-      <pc:sldChg chg="addSp delSp modSp new mod modAnim">
-        <pc:chgData name="Matthew Suderman" userId="2709995e-3ea8-4fb0-9b62-eb8034dec529" providerId="ADAL" clId="{A19D1F1F-7EF2-4A02-B570-9E34D0957D91}" dt="2023-01-14T17:33:23.760" v="2511"/>
+      <pc:sldChg chg="addSp delSp modSp new del mod modAnim">
+        <pc:chgData name="Matthew Suderman" userId="2709995e-3ea8-4fb0-9b62-eb8034dec529" providerId="ADAL" clId="{A19D1F1F-7EF2-4A02-B570-9E34D0957D91}" dt="2023-01-23T16:55:27.604" v="8876" actId="47"/>
         <pc:sldMkLst>
           <pc:docMk/>
           <pc:sldMk cId="2245850496" sldId="290"/>
@@ -5341,8 +5346,8 @@
           </ac:spMkLst>
         </pc:spChg>
       </pc:sldChg>
-      <pc:sldChg chg="addSp delSp modSp new mod modAnim">
-        <pc:chgData name="Matthew Suderman" userId="2709995e-3ea8-4fb0-9b62-eb8034dec529" providerId="ADAL" clId="{A19D1F1F-7EF2-4A02-B570-9E34D0957D91}" dt="2023-01-14T18:32:11.209" v="4436" actId="167"/>
+      <pc:sldChg chg="addSp delSp modSp new del mod modAnim">
+        <pc:chgData name="Matthew Suderman" userId="2709995e-3ea8-4fb0-9b62-eb8034dec529" providerId="ADAL" clId="{A19D1F1F-7EF2-4A02-B570-9E34D0957D91}" dt="2023-01-23T16:55:28.405" v="8878" actId="47"/>
         <pc:sldMkLst>
           <pc:docMk/>
           <pc:sldMk cId="2540697478" sldId="292"/>
@@ -5459,8 +5464,8 @@
           </ac:spMkLst>
         </pc:spChg>
       </pc:sldChg>
-      <pc:sldChg chg="addSp delSp modSp new mod">
-        <pc:chgData name="Matthew Suderman" userId="2709995e-3ea8-4fb0-9b62-eb8034dec529" providerId="ADAL" clId="{A19D1F1F-7EF2-4A02-B570-9E34D0957D91}" dt="2023-01-14T18:32:56.017" v="4443" actId="1076"/>
+      <pc:sldChg chg="addSp delSp modSp new del mod">
+        <pc:chgData name="Matthew Suderman" userId="2709995e-3ea8-4fb0-9b62-eb8034dec529" providerId="ADAL" clId="{A19D1F1F-7EF2-4A02-B570-9E34D0957D91}" dt="2023-01-23T16:55:28.627" v="8879" actId="47"/>
         <pc:sldMkLst>
           <pc:docMk/>
           <pc:sldMk cId="2072415" sldId="293"/>
@@ -5536,8 +5541,8 @@
           <pc:sldMk cId="2594997046" sldId="293"/>
         </pc:sldMkLst>
       </pc:sldChg>
-      <pc:sldChg chg="addSp delSp modSp new mod">
-        <pc:chgData name="Matthew Suderman" userId="2709995e-3ea8-4fb0-9b62-eb8034dec529" providerId="ADAL" clId="{A19D1F1F-7EF2-4A02-B570-9E34D0957D91}" dt="2023-01-14T18:44:41.938" v="5183" actId="20577"/>
+      <pc:sldChg chg="addSp delSp modSp new del mod">
+        <pc:chgData name="Matthew Suderman" userId="2709995e-3ea8-4fb0-9b62-eb8034dec529" providerId="ADAL" clId="{A19D1F1F-7EF2-4A02-B570-9E34D0957D91}" dt="2023-01-23T16:55:28.807" v="8880" actId="47"/>
         <pc:sldMkLst>
           <pc:docMk/>
           <pc:sldMk cId="880862359" sldId="294"/>
@@ -5621,8 +5626,8 @@
           </ac:picMkLst>
         </pc:picChg>
       </pc:sldChg>
-      <pc:sldChg chg="addSp modSp new mod modAnim">
-        <pc:chgData name="Matthew Suderman" userId="2709995e-3ea8-4fb0-9b62-eb8034dec529" providerId="ADAL" clId="{A19D1F1F-7EF2-4A02-B570-9E34D0957D91}" dt="2023-01-15T01:09:00.091" v="6082" actId="14100"/>
+      <pc:sldChg chg="addSp modSp new del mod modAnim">
+        <pc:chgData name="Matthew Suderman" userId="2709995e-3ea8-4fb0-9b62-eb8034dec529" providerId="ADAL" clId="{A19D1F1F-7EF2-4A02-B570-9E34D0957D91}" dt="2023-01-23T16:55:29.360" v="8881" actId="47"/>
         <pc:sldMkLst>
           <pc:docMk/>
           <pc:sldMk cId="2862832578" sldId="296"/>
@@ -5674,8 +5679,8 @@
           <pc:sldMk cId="2285562532" sldId="297"/>
         </pc:sldMkLst>
       </pc:sldChg>
-      <pc:sldChg chg="addSp modSp new mod">
-        <pc:chgData name="Matthew Suderman" userId="2709995e-3ea8-4fb0-9b62-eb8034dec529" providerId="ADAL" clId="{A19D1F1F-7EF2-4A02-B570-9E34D0957D91}" dt="2023-01-15T01:20:28.955" v="6506" actId="14100"/>
+      <pc:sldChg chg="addSp modSp new del mod">
+        <pc:chgData name="Matthew Suderman" userId="2709995e-3ea8-4fb0-9b62-eb8034dec529" providerId="ADAL" clId="{A19D1F1F-7EF2-4A02-B570-9E34D0957D91}" dt="2023-01-23T16:55:29.553" v="8882" actId="47"/>
         <pc:sldMkLst>
           <pc:docMk/>
           <pc:sldMk cId="4009602319" sldId="297"/>
@@ -5712,8 +5717,8 @@
           <pc:sldMk cId="517282719" sldId="298"/>
         </pc:sldMkLst>
       </pc:sldChg>
-      <pc:sldChg chg="addSp modSp new mod">
-        <pc:chgData name="Matthew Suderman" userId="2709995e-3ea8-4fb0-9b62-eb8034dec529" providerId="ADAL" clId="{A19D1F1F-7EF2-4A02-B570-9E34D0957D91}" dt="2023-01-15T01:35:17.821" v="7068" actId="14100"/>
+      <pc:sldChg chg="addSp modSp new del mod">
+        <pc:chgData name="Matthew Suderman" userId="2709995e-3ea8-4fb0-9b62-eb8034dec529" providerId="ADAL" clId="{A19D1F1F-7EF2-4A02-B570-9E34D0957D91}" dt="2023-01-23T16:55:29.702" v="8883" actId="47"/>
         <pc:sldMkLst>
           <pc:docMk/>
           <pc:sldMk cId="3155473422" sldId="298"/>
@@ -5803,8 +5808,8 @@
           </ac:spMkLst>
         </pc:spChg>
       </pc:sldChg>
-      <pc:sldChg chg="modSp new mod modAnim">
-        <pc:chgData name="Matthew Suderman" userId="2709995e-3ea8-4fb0-9b62-eb8034dec529" providerId="ADAL" clId="{A19D1F1F-7EF2-4A02-B570-9E34D0957D91}" dt="2023-01-15T02:41:49.679" v="8872"/>
+      <pc:sldChg chg="modSp new add del mod modAnim">
+        <pc:chgData name="Matthew Suderman" userId="2709995e-3ea8-4fb0-9b62-eb8034dec529" providerId="ADAL" clId="{A19D1F1F-7EF2-4A02-B570-9E34D0957D91}" dt="2023-01-23T16:57:12.054" v="8906" actId="20577"/>
         <pc:sldMkLst>
           <pc:docMk/>
           <pc:sldMk cId="2351452027" sldId="301"/>
@@ -5818,7 +5823,7 @@
           </ac:spMkLst>
         </pc:spChg>
         <pc:spChg chg="mod">
-          <ac:chgData name="Matthew Suderman" userId="2709995e-3ea8-4fb0-9b62-eb8034dec529" providerId="ADAL" clId="{A19D1F1F-7EF2-4A02-B570-9E34D0957D91}" dt="2023-01-15T01:49:52.884" v="8865" actId="20577"/>
+          <ac:chgData name="Matthew Suderman" userId="2709995e-3ea8-4fb0-9b62-eb8034dec529" providerId="ADAL" clId="{A19D1F1F-7EF2-4A02-B570-9E34D0957D91}" dt="2023-01-23T16:57:12.054" v="8906" actId="20577"/>
           <ac:spMkLst>
             <pc:docMk/>
             <pc:sldMk cId="2351452027" sldId="301"/>
@@ -5826,8 +5831,31 @@
           </ac:spMkLst>
         </pc:spChg>
       </pc:sldChg>
-      <pc:sldChg chg="addSp delSp modSp add mod modAnim">
-        <pc:chgData name="Matthew Suderman" userId="2709995e-3ea8-4fb0-9b62-eb8034dec529" providerId="ADAL" clId="{A19D1F1F-7EF2-4A02-B570-9E34D0957D91}" dt="2023-01-14T18:34:50.532" v="4467" actId="1036"/>
+      <pc:sldChg chg="modSp new mod ord modAnim">
+        <pc:chgData name="Matthew Suderman" userId="2709995e-3ea8-4fb0-9b62-eb8034dec529" providerId="ADAL" clId="{A19D1F1F-7EF2-4A02-B570-9E34D0957D91}" dt="2023-01-23T17:23:44.678" v="10563" actId="14100"/>
+        <pc:sldMkLst>
+          <pc:docMk/>
+          <pc:sldMk cId="545411195" sldId="302"/>
+        </pc:sldMkLst>
+        <pc:spChg chg="mod">
+          <ac:chgData name="Matthew Suderman" userId="2709995e-3ea8-4fb0-9b62-eb8034dec529" providerId="ADAL" clId="{A19D1F1F-7EF2-4A02-B570-9E34D0957D91}" dt="2023-01-23T17:02:14.996" v="9072" actId="403"/>
+          <ac:spMkLst>
+            <pc:docMk/>
+            <pc:sldMk cId="545411195" sldId="302"/>
+            <ac:spMk id="2" creationId="{BB1414B2-CED9-8FF7-C445-4F488D34424D}"/>
+          </ac:spMkLst>
+        </pc:spChg>
+        <pc:spChg chg="mod">
+          <ac:chgData name="Matthew Suderman" userId="2709995e-3ea8-4fb0-9b62-eb8034dec529" providerId="ADAL" clId="{A19D1F1F-7EF2-4A02-B570-9E34D0957D91}" dt="2023-01-23T17:23:44.678" v="10563" actId="14100"/>
+          <ac:spMkLst>
+            <pc:docMk/>
+            <pc:sldMk cId="545411195" sldId="302"/>
+            <ac:spMk id="3" creationId="{B71EE27D-3AE9-6B27-9F9C-E0CD9BD3F091}"/>
+          </ac:spMkLst>
+        </pc:spChg>
+      </pc:sldChg>
+      <pc:sldChg chg="addSp delSp modSp add del mod modAnim">
+        <pc:chgData name="Matthew Suderman" userId="2709995e-3ea8-4fb0-9b62-eb8034dec529" providerId="ADAL" clId="{A19D1F1F-7EF2-4A02-B570-9E34D0957D91}" dt="2023-01-23T16:55:28.051" v="8877" actId="47"/>
         <pc:sldMkLst>
           <pc:docMk/>
           <pc:sldMk cId="997923916" sldId="302"/>
@@ -5942,14 +5970,240 @@
           <pc:sldMk cId="2226909434" sldId="303"/>
         </pc:sldMkLst>
       </pc:sldChg>
-      <pc:sldMasterChg chg="addSp modSp mod">
-        <pc:chgData name="Matthew Suderman" userId="2709995e-3ea8-4fb0-9b62-eb8034dec529" providerId="ADAL" clId="{A19D1F1F-7EF2-4A02-B570-9E34D0957D91}" dt="2023-01-14T18:43:28.013" v="5041"/>
+      <pc:sldChg chg="modSp new mod">
+        <pc:chgData name="Matthew Suderman" userId="2709995e-3ea8-4fb0-9b62-eb8034dec529" providerId="ADAL" clId="{A19D1F1F-7EF2-4A02-B570-9E34D0957D91}" dt="2023-01-23T17:01:47.808" v="9065" actId="403"/>
+        <pc:sldMkLst>
+          <pc:docMk/>
+          <pc:sldMk cId="2275108716" sldId="303"/>
+        </pc:sldMkLst>
+        <pc:spChg chg="mod">
+          <ac:chgData name="Matthew Suderman" userId="2709995e-3ea8-4fb0-9b62-eb8034dec529" providerId="ADAL" clId="{A19D1F1F-7EF2-4A02-B570-9E34D0957D91}" dt="2023-01-23T17:01:47.808" v="9065" actId="403"/>
+          <ac:spMkLst>
+            <pc:docMk/>
+            <pc:sldMk cId="2275108716" sldId="303"/>
+            <ac:spMk id="2" creationId="{1F403CDC-4411-475D-F90E-70606E25B8FA}"/>
+          </ac:spMkLst>
+        </pc:spChg>
+        <pc:spChg chg="mod">
+          <ac:chgData name="Matthew Suderman" userId="2709995e-3ea8-4fb0-9b62-eb8034dec529" providerId="ADAL" clId="{A19D1F1F-7EF2-4A02-B570-9E34D0957D91}" dt="2023-01-23T17:01:28.276" v="9060" actId="255"/>
+          <ac:spMkLst>
+            <pc:docMk/>
+            <pc:sldMk cId="2275108716" sldId="303"/>
+            <ac:spMk id="3" creationId="{FE3B9618-35FF-93FF-1AAC-6E84E13DD690}"/>
+          </ac:spMkLst>
+        </pc:spChg>
+      </pc:sldChg>
+      <pc:sldChg chg="modSp new mod">
+        <pc:chgData name="Matthew Suderman" userId="2709995e-3ea8-4fb0-9b62-eb8034dec529" providerId="ADAL" clId="{A19D1F1F-7EF2-4A02-B570-9E34D0957D91}" dt="2023-01-23T17:22:46.039" v="10519" actId="20577"/>
+        <pc:sldMkLst>
+          <pc:docMk/>
+          <pc:sldMk cId="3534151775" sldId="304"/>
+        </pc:sldMkLst>
+        <pc:spChg chg="mod">
+          <ac:chgData name="Matthew Suderman" userId="2709995e-3ea8-4fb0-9b62-eb8034dec529" providerId="ADAL" clId="{A19D1F1F-7EF2-4A02-B570-9E34D0957D91}" dt="2023-01-23T17:22:11.291" v="10454" actId="20577"/>
+          <ac:spMkLst>
+            <pc:docMk/>
+            <pc:sldMk cId="3534151775" sldId="304"/>
+            <ac:spMk id="2" creationId="{054B19E3-FA56-49B4-C538-19FB598384FE}"/>
+          </ac:spMkLst>
+        </pc:spChg>
+        <pc:spChg chg="mod">
+          <ac:chgData name="Matthew Suderman" userId="2709995e-3ea8-4fb0-9b62-eb8034dec529" providerId="ADAL" clId="{A19D1F1F-7EF2-4A02-B570-9E34D0957D91}" dt="2023-01-23T17:22:46.039" v="10519" actId="20577"/>
+          <ac:spMkLst>
+            <pc:docMk/>
+            <pc:sldMk cId="3534151775" sldId="304"/>
+            <ac:spMk id="3" creationId="{E1967D00-8367-C010-516E-E435B8C12523}"/>
+          </ac:spMkLst>
+        </pc:spChg>
+      </pc:sldChg>
+      <pc:sldChg chg="modSp new mod">
+        <pc:chgData name="Matthew Suderman" userId="2709995e-3ea8-4fb0-9b62-eb8034dec529" providerId="ADAL" clId="{A19D1F1F-7EF2-4A02-B570-9E34D0957D91}" dt="2023-01-23T17:23:15.327" v="10560" actId="403"/>
+        <pc:sldMkLst>
+          <pc:docMk/>
+          <pc:sldMk cId="1762328264" sldId="305"/>
+        </pc:sldMkLst>
+        <pc:spChg chg="mod">
+          <ac:chgData name="Matthew Suderman" userId="2709995e-3ea8-4fb0-9b62-eb8034dec529" providerId="ADAL" clId="{A19D1F1F-7EF2-4A02-B570-9E34D0957D91}" dt="2023-01-23T17:23:15.327" v="10560" actId="403"/>
+          <ac:spMkLst>
+            <pc:docMk/>
+            <pc:sldMk cId="1762328264" sldId="305"/>
+            <ac:spMk id="2" creationId="{7707CA8E-644B-FF8C-B973-54551AFD1A3A}"/>
+          </ac:spMkLst>
+        </pc:spChg>
+      </pc:sldChg>
+      <pc:sldChg chg="add">
+        <pc:chgData name="Matthew Suderman" userId="2709995e-3ea8-4fb0-9b62-eb8034dec529" providerId="ADAL" clId="{A19D1F1F-7EF2-4A02-B570-9E34D0957D91}" dt="2023-01-23T17:23:50.908" v="10564" actId="2890"/>
+        <pc:sldMkLst>
+          <pc:docMk/>
+          <pc:sldMk cId="2293746631" sldId="306"/>
+        </pc:sldMkLst>
+      </pc:sldChg>
+      <pc:sldChg chg="modSp add mod">
+        <pc:chgData name="Matthew Suderman" userId="2709995e-3ea8-4fb0-9b62-eb8034dec529" providerId="ADAL" clId="{A19D1F1F-7EF2-4A02-B570-9E34D0957D91}" dt="2023-01-23T17:26:32.834" v="10604" actId="20577"/>
+        <pc:sldMkLst>
+          <pc:docMk/>
+          <pc:sldMk cId="2486425964" sldId="307"/>
+        </pc:sldMkLst>
+        <pc:spChg chg="mod">
+          <ac:chgData name="Matthew Suderman" userId="2709995e-3ea8-4fb0-9b62-eb8034dec529" providerId="ADAL" clId="{A19D1F1F-7EF2-4A02-B570-9E34D0957D91}" dt="2023-01-23T17:26:32.834" v="10604" actId="20577"/>
+          <ac:spMkLst>
+            <pc:docMk/>
+            <pc:sldMk cId="2486425964" sldId="307"/>
+            <ac:spMk id="2" creationId="{7707CA8E-644B-FF8C-B973-54551AFD1A3A}"/>
+          </ac:spMkLst>
+        </pc:spChg>
+      </pc:sldChg>
+      <pc:sldChg chg="modSp add mod ord">
+        <pc:chgData name="Matthew Suderman" userId="2709995e-3ea8-4fb0-9b62-eb8034dec529" providerId="ADAL" clId="{A19D1F1F-7EF2-4A02-B570-9E34D0957D91}" dt="2023-01-23T17:25:07.222" v="10584" actId="20577"/>
+        <pc:sldMkLst>
+          <pc:docMk/>
+          <pc:sldMk cId="998158061" sldId="308"/>
+        </pc:sldMkLst>
+        <pc:spChg chg="mod">
+          <ac:chgData name="Matthew Suderman" userId="2709995e-3ea8-4fb0-9b62-eb8034dec529" providerId="ADAL" clId="{A19D1F1F-7EF2-4A02-B570-9E34D0957D91}" dt="2023-01-23T17:25:07.222" v="10584" actId="20577"/>
+          <ac:spMkLst>
+            <pc:docMk/>
+            <pc:sldMk cId="998158061" sldId="308"/>
+            <ac:spMk id="2" creationId="{7707CA8E-644B-FF8C-B973-54551AFD1A3A}"/>
+          </ac:spMkLst>
+        </pc:spChg>
+      </pc:sldChg>
+      <pc:sldChg chg="modSp add mod">
+        <pc:chgData name="Matthew Suderman" userId="2709995e-3ea8-4fb0-9b62-eb8034dec529" providerId="ADAL" clId="{A19D1F1F-7EF2-4A02-B570-9E34D0957D91}" dt="2023-01-23T17:26:00.633" v="10588"/>
+        <pc:sldMkLst>
+          <pc:docMk/>
+          <pc:sldMk cId="2868874922" sldId="309"/>
+        </pc:sldMkLst>
+        <pc:spChg chg="mod">
+          <ac:chgData name="Matthew Suderman" userId="2709995e-3ea8-4fb0-9b62-eb8034dec529" providerId="ADAL" clId="{A19D1F1F-7EF2-4A02-B570-9E34D0957D91}" dt="2023-01-23T17:26:00.633" v="10588"/>
+          <ac:spMkLst>
+            <pc:docMk/>
+            <pc:sldMk cId="2868874922" sldId="309"/>
+            <ac:spMk id="2" creationId="{7707CA8E-644B-FF8C-B973-54551AFD1A3A}"/>
+          </ac:spMkLst>
+        </pc:spChg>
+      </pc:sldChg>
+      <pc:sldChg chg="modSp add mod">
+        <pc:chgData name="Matthew Suderman" userId="2709995e-3ea8-4fb0-9b62-eb8034dec529" providerId="ADAL" clId="{A19D1F1F-7EF2-4A02-B570-9E34D0957D91}" dt="2023-01-23T17:27:16.630" v="10627" actId="20577"/>
+        <pc:sldMkLst>
+          <pc:docMk/>
+          <pc:sldMk cId="849736942" sldId="310"/>
+        </pc:sldMkLst>
+        <pc:spChg chg="mod">
+          <ac:chgData name="Matthew Suderman" userId="2709995e-3ea8-4fb0-9b62-eb8034dec529" providerId="ADAL" clId="{A19D1F1F-7EF2-4A02-B570-9E34D0957D91}" dt="2023-01-23T17:27:16.630" v="10627" actId="20577"/>
+          <ac:spMkLst>
+            <pc:docMk/>
+            <pc:sldMk cId="849736942" sldId="310"/>
+            <ac:spMk id="2" creationId="{7707CA8E-644B-FF8C-B973-54551AFD1A3A}"/>
+          </ac:spMkLst>
+        </pc:spChg>
+      </pc:sldChg>
+      <pc:sldChg chg="add">
+        <pc:chgData name="Matthew Suderman" userId="2709995e-3ea8-4fb0-9b62-eb8034dec529" providerId="ADAL" clId="{A19D1F1F-7EF2-4A02-B570-9E34D0957D91}" dt="2023-01-23T17:25:56.912" v="10587" actId="2890"/>
+        <pc:sldMkLst>
+          <pc:docMk/>
+          <pc:sldMk cId="2454155836" sldId="311"/>
+        </pc:sldMkLst>
+      </pc:sldChg>
+      <pc:sldChg chg="modSp add mod">
+        <pc:chgData name="Matthew Suderman" userId="2709995e-3ea8-4fb0-9b62-eb8034dec529" providerId="ADAL" clId="{A19D1F1F-7EF2-4A02-B570-9E34D0957D91}" dt="2023-01-23T17:28:32.486" v="10638" actId="20577"/>
+        <pc:sldMkLst>
+          <pc:docMk/>
+          <pc:sldMk cId="2604440301" sldId="312"/>
+        </pc:sldMkLst>
+        <pc:spChg chg="mod">
+          <ac:chgData name="Matthew Suderman" userId="2709995e-3ea8-4fb0-9b62-eb8034dec529" providerId="ADAL" clId="{A19D1F1F-7EF2-4A02-B570-9E34D0957D91}" dt="2023-01-23T17:28:32.486" v="10638" actId="20577"/>
+          <ac:spMkLst>
+            <pc:docMk/>
+            <pc:sldMk cId="2604440301" sldId="312"/>
+            <ac:spMk id="2" creationId="{7707CA8E-644B-FF8C-B973-54551AFD1A3A}"/>
+          </ac:spMkLst>
+        </pc:spChg>
+      </pc:sldChg>
+      <pc:sldChg chg="modSp add mod">
+        <pc:chgData name="Matthew Suderman" userId="2709995e-3ea8-4fb0-9b62-eb8034dec529" providerId="ADAL" clId="{A19D1F1F-7EF2-4A02-B570-9E34D0957D91}" dt="2023-01-23T17:28:51.072" v="10640"/>
+        <pc:sldMkLst>
+          <pc:docMk/>
+          <pc:sldMk cId="1127696601" sldId="313"/>
+        </pc:sldMkLst>
+        <pc:spChg chg="mod">
+          <ac:chgData name="Matthew Suderman" userId="2709995e-3ea8-4fb0-9b62-eb8034dec529" providerId="ADAL" clId="{A19D1F1F-7EF2-4A02-B570-9E34D0957D91}" dt="2023-01-23T17:28:51.072" v="10640"/>
+          <ac:spMkLst>
+            <pc:docMk/>
+            <pc:sldMk cId="1127696601" sldId="313"/>
+            <ac:spMk id="2" creationId="{7707CA8E-644B-FF8C-B973-54551AFD1A3A}"/>
+          </ac:spMkLst>
+        </pc:spChg>
+      </pc:sldChg>
+      <pc:sldChg chg="modSp add mod">
+        <pc:chgData name="Matthew Suderman" userId="2709995e-3ea8-4fb0-9b62-eb8034dec529" providerId="ADAL" clId="{A19D1F1F-7EF2-4A02-B570-9E34D0957D91}" dt="2023-01-23T17:31:30.718" v="10788" actId="20577"/>
+        <pc:sldMkLst>
+          <pc:docMk/>
+          <pc:sldMk cId="760618937" sldId="314"/>
+        </pc:sldMkLst>
+        <pc:spChg chg="mod">
+          <ac:chgData name="Matthew Suderman" userId="2709995e-3ea8-4fb0-9b62-eb8034dec529" providerId="ADAL" clId="{A19D1F1F-7EF2-4A02-B570-9E34D0957D91}" dt="2023-01-23T17:31:30.718" v="10788" actId="20577"/>
+          <ac:spMkLst>
+            <pc:docMk/>
+            <pc:sldMk cId="760618937" sldId="314"/>
+            <ac:spMk id="2" creationId="{7707CA8E-644B-FF8C-B973-54551AFD1A3A}"/>
+          </ac:spMkLst>
+        </pc:spChg>
+      </pc:sldChg>
+      <pc:sldChg chg="modSp add mod">
+        <pc:chgData name="Matthew Suderman" userId="2709995e-3ea8-4fb0-9b62-eb8034dec529" providerId="ADAL" clId="{A19D1F1F-7EF2-4A02-B570-9E34D0957D91}" dt="2023-01-23T17:38:21.310" v="11163" actId="20577"/>
+        <pc:sldMkLst>
+          <pc:docMk/>
+          <pc:sldMk cId="1170852449" sldId="315"/>
+        </pc:sldMkLst>
+        <pc:spChg chg="mod">
+          <ac:chgData name="Matthew Suderman" userId="2709995e-3ea8-4fb0-9b62-eb8034dec529" providerId="ADAL" clId="{A19D1F1F-7EF2-4A02-B570-9E34D0957D91}" dt="2023-01-23T17:35:12.272" v="10956" actId="20577"/>
+          <ac:spMkLst>
+            <pc:docMk/>
+            <pc:sldMk cId="1170852449" sldId="315"/>
+            <ac:spMk id="2" creationId="{7707CA8E-644B-FF8C-B973-54551AFD1A3A}"/>
+          </ac:spMkLst>
+        </pc:spChg>
+        <pc:spChg chg="mod">
+          <ac:chgData name="Matthew Suderman" userId="2709995e-3ea8-4fb0-9b62-eb8034dec529" providerId="ADAL" clId="{A19D1F1F-7EF2-4A02-B570-9E34D0957D91}" dt="2023-01-23T17:38:21.310" v="11163" actId="20577"/>
+          <ac:spMkLst>
+            <pc:docMk/>
+            <pc:sldMk cId="1170852449" sldId="315"/>
+            <ac:spMk id="3" creationId="{80281EEC-3BE3-A527-6CAC-8F76A70D67C6}"/>
+          </ac:spMkLst>
+        </pc:spChg>
+      </pc:sldChg>
+      <pc:sldChg chg="modSp new del mod">
+        <pc:chgData name="Matthew Suderman" userId="2709995e-3ea8-4fb0-9b62-eb8034dec529" providerId="ADAL" clId="{A19D1F1F-7EF2-4A02-B570-9E34D0957D91}" dt="2023-01-23T17:34:39.499" v="10946" actId="2696"/>
+        <pc:sldMkLst>
+          <pc:docMk/>
+          <pc:sldMk cId="1889880538" sldId="315"/>
+        </pc:sldMkLst>
+        <pc:spChg chg="mod">
+          <ac:chgData name="Matthew Suderman" userId="2709995e-3ea8-4fb0-9b62-eb8034dec529" providerId="ADAL" clId="{A19D1F1F-7EF2-4A02-B570-9E34D0957D91}" dt="2023-01-23T17:32:42.162" v="10813" actId="255"/>
+          <ac:spMkLst>
+            <pc:docMk/>
+            <pc:sldMk cId="1889880538" sldId="315"/>
+            <ac:spMk id="2" creationId="{21822515-3D9B-64AC-74FB-D43B72C3EC96}"/>
+          </ac:spMkLst>
+        </pc:spChg>
+        <pc:spChg chg="mod">
+          <ac:chgData name="Matthew Suderman" userId="2709995e-3ea8-4fb0-9b62-eb8034dec529" providerId="ADAL" clId="{A19D1F1F-7EF2-4A02-B570-9E34D0957D91}" dt="2023-01-23T17:34:30.944" v="10945" actId="20577"/>
+          <ac:spMkLst>
+            <pc:docMk/>
+            <pc:sldMk cId="1889880538" sldId="315"/>
+            <ac:spMk id="3" creationId="{4F781E72-A9D3-4252-6892-AC02253ADA0C}"/>
+          </ac:spMkLst>
+        </pc:spChg>
+      </pc:sldChg>
+      <pc:sldMasterChg chg="addSp delSp modSp mod">
+        <pc:chgData name="Matthew Suderman" userId="2709995e-3ea8-4fb0-9b62-eb8034dec529" providerId="ADAL" clId="{A19D1F1F-7EF2-4A02-B570-9E34D0957D91}" dt="2023-01-23T16:58:49.743" v="8992" actId="478"/>
         <pc:sldMasterMkLst>
           <pc:docMk/>
           <pc:sldMasterMk cId="0" sldId="2147483648"/>
         </pc:sldMasterMkLst>
-        <pc:spChg chg="add mod ord modVis">
-          <ac:chgData name="Matthew Suderman" userId="2709995e-3ea8-4fb0-9b62-eb8034dec529" providerId="ADAL" clId="{A19D1F1F-7EF2-4A02-B570-9E34D0957D91}" dt="2023-01-14T18:43:28.013" v="5041"/>
+        <pc:spChg chg="add del mod ord modVis">
+          <ac:chgData name="Matthew Suderman" userId="2709995e-3ea8-4fb0-9b62-eb8034dec529" providerId="ADAL" clId="{A19D1F1F-7EF2-4A02-B570-9E34D0957D91}" dt="2023-01-23T16:58:49.743" v="8992" actId="478"/>
           <ac:spMkLst>
             <pc:docMk/>
             <pc:sldMasterMk cId="0" sldId="2147483648"/>
@@ -5957,14 +6211,14 @@
           </ac:spMkLst>
         </pc:spChg>
       </pc:sldMasterChg>
-      <pc:sldMasterChg chg="addSp modSp mod">
-        <pc:chgData name="Matthew Suderman" userId="2709995e-3ea8-4fb0-9b62-eb8034dec529" providerId="ADAL" clId="{A19D1F1F-7EF2-4A02-B570-9E34D0957D91}" dt="2023-01-14T18:43:28.068" v="5072"/>
+      <pc:sldMasterChg chg="addSp delSp modSp mod">
+        <pc:chgData name="Matthew Suderman" userId="2709995e-3ea8-4fb0-9b62-eb8034dec529" providerId="ADAL" clId="{A19D1F1F-7EF2-4A02-B570-9E34D0957D91}" dt="2023-01-23T16:58:56.480" v="8993" actId="478"/>
         <pc:sldMasterMkLst>
           <pc:docMk/>
           <pc:sldMasterMk cId="0" sldId="2147483654"/>
         </pc:sldMasterMkLst>
-        <pc:spChg chg="add mod ord modVis">
-          <ac:chgData name="Matthew Suderman" userId="2709995e-3ea8-4fb0-9b62-eb8034dec529" providerId="ADAL" clId="{A19D1F1F-7EF2-4A02-B570-9E34D0957D91}" dt="2023-01-14T18:43:28.068" v="5072"/>
+        <pc:spChg chg="add del mod ord modVis">
+          <ac:chgData name="Matthew Suderman" userId="2709995e-3ea8-4fb0-9b62-eb8034dec529" providerId="ADAL" clId="{A19D1F1F-7EF2-4A02-B570-9E34D0957D91}" dt="2023-01-23T16:58:56.480" v="8993" actId="478"/>
           <ac:spMkLst>
             <pc:docMk/>
             <pc:sldMasterMk cId="0" sldId="2147483654"/>
@@ -8398,54 +8652,6 @@
           </a:prstGeom>
         </p:spPr>
       </p:pic>
-      <p:sp>
-        <p:nvSpPr>
-          <p:cNvPr id="2" name="MSIPCMContentMarking" descr="{&quot;HashCode&quot;:334446840,&quot;Placement&quot;:&quot;Footer&quot;}">
-            <a:extLst>
-              <a:ext uri="{FF2B5EF4-FFF2-40B4-BE49-F238E27FC236}">
-                <a16:creationId xmlns:a16="http://schemas.microsoft.com/office/drawing/2014/main" id="{A2117B9B-F1BA-26A2-E145-84F9EE8BB77B}"/>
-              </a:ext>
-            </a:extLst>
-          </p:cNvPr>
-          <p:cNvSpPr txBox="1"/>
-          <p:nvPr userDrawn="1"/>
-        </p:nvSpPr>
-        <p:spPr>
-          <a:xfrm>
-            <a:off x="0" y="6595656"/>
-            <a:ext cx="1799966" cy="262344"/>
-          </a:xfrm>
-          <a:prstGeom prst="rect">
-            <a:avLst/>
-          </a:prstGeom>
-          <a:noFill/>
-        </p:spPr>
-        <p:txBody>
-          <a:bodyPr vert="horz" wrap="square" lIns="0" tIns="0" rIns="0" bIns="0" rtlCol="0" anchor="ctr" anchorCtr="1">
-            <a:spAutoFit/>
-          </a:bodyPr>
-          <a:lstStyle/>
-          <a:p>
-            <a:pPr algn="l">
-              <a:spcBef>
-                <a:spcPct val="0"/>
-              </a:spcBef>
-              <a:spcAft>
-                <a:spcPct val="0"/>
-              </a:spcAft>
-            </a:pPr>
-            <a:r>
-              <a:rPr lang="en-US" sz="1000">
-                <a:solidFill>
-                  <a:srgbClr val="000000"/>
-                </a:solidFill>
-                <a:latin typeface="Calibri" panose="020F0502020204030204" pitchFamily="34" charset="0"/>
-              </a:rPr>
-              <a:t>UOB Confidential &amp; Sensitive </a:t>
-            </a:r>
-          </a:p>
-        </p:txBody>
-      </p:sp>
     </p:spTree>
   </p:cSld>
   <p:clrMap bg1="lt1" tx1="dk1" bg2="lt2" tx2="dk2" accent1="accent1" accent2="accent2" accent3="accent3" accent4="accent4" accent5="accent5" accent6="accent6" hlink="hlink" folHlink="folHlink"/>
@@ -9048,54 +9254,6 @@
           </a:p>
         </p:txBody>
       </p:sp>
-      <p:sp>
-        <p:nvSpPr>
-          <p:cNvPr id="2" name="MSIPCMContentMarking" descr="{&quot;HashCode&quot;:334446840,&quot;Placement&quot;:&quot;Footer&quot;}">
-            <a:extLst>
-              <a:ext uri="{FF2B5EF4-FFF2-40B4-BE49-F238E27FC236}">
-                <a16:creationId xmlns:a16="http://schemas.microsoft.com/office/drawing/2014/main" id="{EEC6B363-1CD7-79C4-A71D-FAAD049CEC2A}"/>
-              </a:ext>
-            </a:extLst>
-          </p:cNvPr>
-          <p:cNvSpPr txBox="1"/>
-          <p:nvPr userDrawn="1"/>
-        </p:nvSpPr>
-        <p:spPr>
-          <a:xfrm>
-            <a:off x="0" y="6595656"/>
-            <a:ext cx="1799966" cy="262344"/>
-          </a:xfrm>
-          <a:prstGeom prst="rect">
-            <a:avLst/>
-          </a:prstGeom>
-          <a:noFill/>
-        </p:spPr>
-        <p:txBody>
-          <a:bodyPr vert="horz" wrap="square" lIns="0" tIns="0" rIns="0" bIns="0" rtlCol="0" anchor="ctr" anchorCtr="1">
-            <a:spAutoFit/>
-          </a:bodyPr>
-          <a:lstStyle/>
-          <a:p>
-            <a:pPr algn="l">
-              <a:spcBef>
-                <a:spcPct val="0"/>
-              </a:spcBef>
-              <a:spcAft>
-                <a:spcPct val="0"/>
-              </a:spcAft>
-            </a:pPr>
-            <a:r>
-              <a:rPr lang="en-US" sz="1000">
-                <a:solidFill>
-                  <a:srgbClr val="000000"/>
-                </a:solidFill>
-                <a:latin typeface="Calibri" panose="020F0502020204030204" pitchFamily="34" charset="0"/>
-              </a:rPr>
-              <a:t>UOB Confidential &amp; Sensitive </a:t>
-            </a:r>
-          </a:p>
-        </p:txBody>
-      </p:sp>
     </p:spTree>
   </p:cSld>
   <p:clrMap bg1="lt1" tx1="dk1" bg2="lt2" tx2="dk2" accent1="accent1" accent2="accent2" accent3="accent3" accent4="accent4" accent5="accent5" accent6="accent6" hlink="hlink" folHlink="folHlink"/>
@@ -9539,7 +9697,7 @@
         <p:spPr bwMode="auto">
           <a:xfrm>
             <a:off x="2044700" y="2060848"/>
-            <a:ext cx="8102600" cy="1938992"/>
+            <a:ext cx="8102600" cy="2492990"/>
           </a:xfrm>
           <a:prstGeom prst="rect">
             <a:avLst/>
@@ -9571,41 +9729,60 @@
               <a:rPr lang="en-US" dirty="0">
                 <a:latin typeface="+mn-lt"/>
               </a:rPr>
-              <a:t>Oliva, M., </a:t>
+              <a:t>Yang, J. H., et al. </a:t>
             </a:r>
             <a:r>
-              <a:rPr lang="en-US" dirty="0" err="1">
+              <a:rPr lang="en-US" b="1" dirty="0">
                 <a:latin typeface="+mn-lt"/>
               </a:rPr>
-              <a:t>Demanelis</a:t>
+              <a:t>Loss of epigenetic information as a cause of mammalian aging</a:t>
             </a:r>
             <a:r>
               <a:rPr lang="en-US" dirty="0">
                 <a:latin typeface="+mn-lt"/>
               </a:rPr>
-              <a:t>, K., Lu, Y. et al. </a:t>
+              <a:t>. Cell, 186(2), 305–326.e27. </a:t>
             </a:r>
-            <a:r>
-              <a:rPr lang="en-US" b="1" dirty="0">
-                <a:latin typeface="+mn-lt"/>
-              </a:rPr>
-              <a:t>DNA methylation QTL mapping across diverse human tissues provides molecular links between genetic variation and complex traits</a:t>
-            </a:r>
+          </a:p>
+          <a:p>
+            <a:pPr algn="l">
+              <a:spcBef>
+                <a:spcPct val="50000"/>
+              </a:spcBef>
+            </a:pPr>
+            <a:endParaRPr lang="en-US" dirty="0">
+              <a:solidFill>
+                <a:srgbClr val="9A044B"/>
+              </a:solidFill>
+              <a:latin typeface="+mn-lt"/>
+            </a:endParaRPr>
+          </a:p>
+          <a:p>
+            <a:pPr algn="l">
+              <a:spcBef>
+                <a:spcPct val="50000"/>
+              </a:spcBef>
+            </a:pPr>
+            <a:endParaRPr lang="en-US" dirty="0">
+              <a:solidFill>
+                <a:srgbClr val="9A044B"/>
+              </a:solidFill>
+              <a:latin typeface="+mn-lt"/>
+            </a:endParaRPr>
+          </a:p>
+          <a:p>
+            <a:pPr algn="r">
+              <a:spcBef>
+                <a:spcPct val="50000"/>
+              </a:spcBef>
+            </a:pPr>
             <a:r>
               <a:rPr lang="en-US" dirty="0">
                 <a:latin typeface="+mn-lt"/>
               </a:rPr>
-              <a:t>. Nat Genet 55, 112–122 (2023).</a:t>
+              <a:t>Review by Matthew Suderman</a:t>
             </a:r>
-            <a:br>
-              <a:rPr lang="en-US" dirty="0">
-                <a:latin typeface="+mn-lt"/>
-              </a:rPr>
-            </a:br>
             <a:endParaRPr lang="en-US" dirty="0">
-              <a:solidFill>
-                <a:srgbClr val="9A044B"/>
-              </a:solidFill>
               <a:latin typeface="Verdana" pitchFamily="-1" charset="0"/>
             </a:endParaRPr>
           </a:p>
@@ -9625,8 +9802,8 @@
         </p:nvSpPr>
         <p:spPr>
           <a:xfrm>
-            <a:off x="6816080" y="476672"/>
-            <a:ext cx="4608512" cy="877163"/>
+            <a:off x="6456040" y="5805264"/>
+            <a:ext cx="5400600" cy="877163"/>
           </a:xfrm>
           <a:prstGeom prst="rect">
             <a:avLst/>
@@ -9645,6 +9822,16 @@
               </a:spcBef>
             </a:pPr>
             <a:r>
+              <a:rPr lang="en-US" dirty="0">
+                <a:solidFill>
+                  <a:schemeClr val="accent2"/>
+                </a:solidFill>
+                <a:latin typeface="Arial"/>
+                <a:cs typeface="Arial"/>
+              </a:rPr>
+              <a:t>IEU </a:t>
+            </a:r>
+            <a:r>
               <a:rPr lang="en-US" sz="2400" dirty="0">
                 <a:solidFill>
                   <a:schemeClr val="accent2"/>
@@ -9652,7 +9839,7 @@
                 <a:latin typeface="Arial"/>
                 <a:cs typeface="Arial"/>
               </a:rPr>
-              <a:t>Molecular Epidemiology Update</a:t>
+              <a:t>Molecular Epidemiology Meeting</a:t>
             </a:r>
           </a:p>
           <a:p>
@@ -9666,7 +9853,7 @@
                 <a:latin typeface="Arial"/>
                 <a:cs typeface="Arial"/>
               </a:rPr>
-              <a:t>Jan 17, 2023</a:t>
+              <a:t>Jan 24, 2023</a:t>
             </a:r>
             <a:endParaRPr lang="en-US" sz="1800" dirty="0">
               <a:latin typeface="Verdana" pitchFamily="-1" charset="0"/>
@@ -9705,7 +9892,7 @@
           <p:cNvPr id="2" name="Title 1">
             <a:extLst>
               <a:ext uri="{FF2B5EF4-FFF2-40B4-BE49-F238E27FC236}">
-                <a16:creationId xmlns:a16="http://schemas.microsoft.com/office/drawing/2014/main" id="{AB8D09CC-40CB-F4E4-D1E8-A36826788EBC}"/>
+                <a16:creationId xmlns:a16="http://schemas.microsoft.com/office/drawing/2014/main" id="{7707CA8E-644B-FF8C-B973-54551AFD1A3A}"/>
               </a:ext>
             </a:extLst>
           </p:cNvPr>
@@ -9722,16 +9909,8 @@
           <a:lstStyle/>
           <a:p>
             <a:r>
-              <a:rPr lang="en-US" dirty="0"/>
-              <a:t>Trait-linked </a:t>
-            </a:r>
-            <a:r>
-              <a:rPr lang="en-US" dirty="0" err="1"/>
-              <a:t>mQTLs</a:t>
-            </a:r>
-            <a:r>
-              <a:rPr lang="en-US" dirty="0"/>
-              <a:t> exhibit molecular regulatory pleiotropy and enrichment in trait-relevant tissues</a:t>
+              <a:rPr lang="en-US" sz="4800" dirty="0"/>
+              <a:t>Faithful DNA repair alters epigenome</a:t>
             </a:r>
           </a:p>
         </p:txBody>
@@ -9741,7 +9920,7 @@
           <p:cNvPr id="3" name="Content Placeholder 2">
             <a:extLst>
               <a:ext uri="{FF2B5EF4-FFF2-40B4-BE49-F238E27FC236}">
-                <a16:creationId xmlns:a16="http://schemas.microsoft.com/office/drawing/2014/main" id="{BEC34CE5-C123-1ABC-BD0C-ADD7CBB5B0DF}"/>
+                <a16:creationId xmlns:a16="http://schemas.microsoft.com/office/drawing/2014/main" id="{80281EEC-3BE3-A527-6CAC-8F76A70D67C6}"/>
               </a:ext>
             </a:extLst>
           </p:cNvPr>
@@ -9752,132 +9931,19 @@
             <p:ph idx="1"/>
           </p:nvPr>
         </p:nvSpPr>
-        <p:spPr>
-          <a:xfrm>
-            <a:off x="609600" y="1282876"/>
-            <a:ext cx="3686200" cy="4572000"/>
-          </a:xfrm>
-        </p:spPr>
+        <p:spPr/>
         <p:txBody>
           <a:bodyPr/>
           <a:lstStyle/>
           <a:p>
-            <a:pPr marL="457200" indent="-457200">
-              <a:buAutoNum type="alphaLcPeriod"/>
-            </a:pPr>
-            <a:r>
-              <a:rPr lang="en-CA" dirty="0"/>
-              <a:t>Enrichments of tissue-specific </a:t>
-            </a:r>
-            <a:r>
-              <a:rPr lang="en-CA" dirty="0" err="1"/>
-              <a:t>mQTLs</a:t>
-            </a:r>
-            <a:r>
-              <a:rPr lang="en-CA" dirty="0"/>
-              <a:t> in specific GWAS</a:t>
-            </a:r>
-          </a:p>
-          <a:p>
-            <a:pPr marL="457200" indent="-457200">
-              <a:buAutoNum type="alphaLcPeriod"/>
-            </a:pPr>
-            <a:r>
-              <a:rPr lang="en-CA" dirty="0" err="1"/>
-              <a:t>mQTLs</a:t>
-            </a:r>
-            <a:r>
-              <a:rPr lang="en-CA" dirty="0"/>
-              <a:t> that do not colocalize with an </a:t>
-            </a:r>
-            <a:r>
-              <a:rPr lang="en-CA" dirty="0" err="1"/>
-              <a:t>eQTL</a:t>
-            </a:r>
-            <a:r>
-              <a:rPr lang="en-CA" dirty="0"/>
-              <a:t> have a different enrichments relative to gene regions</a:t>
-            </a:r>
-          </a:p>
-          <a:p>
-            <a:pPr marL="457200" indent="-457200">
-              <a:buAutoNum type="alphaLcPeriod"/>
-            </a:pPr>
-            <a:r>
-              <a:rPr lang="en-CA" dirty="0"/>
-              <a:t>For </a:t>
-            </a:r>
-            <a:r>
-              <a:rPr lang="en-CA" dirty="0" err="1"/>
-              <a:t>eQTLs</a:t>
-            </a:r>
-            <a:r>
-              <a:rPr lang="en-CA" dirty="0"/>
-              <a:t> lacking colocalization with a GWAS, a relationship could be inferred via </a:t>
-            </a:r>
-            <a:r>
-              <a:rPr lang="en-CA" dirty="0" err="1"/>
-              <a:t>eQTMs</a:t>
-            </a:r>
-            <a:r>
-              <a:rPr lang="en-CA" dirty="0"/>
-              <a:t> and other functional evidence to an </a:t>
-            </a:r>
-            <a:r>
-              <a:rPr lang="en-CA" dirty="0" err="1"/>
-              <a:t>mCpG</a:t>
-            </a:r>
-            <a:r>
-              <a:rPr lang="en-CA" dirty="0"/>
-              <a:t> that colocalizes.</a:t>
-            </a:r>
-          </a:p>
-          <a:p>
-            <a:pPr marL="457200" indent="-457200">
-              <a:buAutoNum type="alphaLcPeriod"/>
-            </a:pPr>
-            <a:r>
-              <a:rPr lang="en-CA" dirty="0"/>
-              <a:t> --- seems complicated …</a:t>
-            </a:r>
-            <a:endParaRPr lang="en-US" dirty="0"/>
+            <a:endParaRPr lang="en-US"/>
           </a:p>
         </p:txBody>
       </p:sp>
-      <p:pic>
-        <p:nvPicPr>
-          <p:cNvPr id="4" name="Picture 3">
-            <a:extLst>
-              <a:ext uri="{FF2B5EF4-FFF2-40B4-BE49-F238E27FC236}">
-                <a16:creationId xmlns:a16="http://schemas.microsoft.com/office/drawing/2014/main" id="{4098511A-68C9-1927-8965-8EF75EA5365F}"/>
-              </a:ext>
-            </a:extLst>
-          </p:cNvPr>
-          <p:cNvPicPr>
-            <a:picLocks noChangeAspect="1"/>
-          </p:cNvPicPr>
-          <p:nvPr/>
-        </p:nvPicPr>
-        <p:blipFill>
-          <a:blip r:embed="rId2"/>
-          <a:stretch>
-            <a:fillRect/>
-          </a:stretch>
-        </p:blipFill>
-        <p:spPr>
-          <a:xfrm>
-            <a:off x="3941186" y="1556792"/>
-            <a:ext cx="7539614" cy="4732896"/>
-          </a:xfrm>
-          <a:prstGeom prst="rect">
-            <a:avLst/>
-          </a:prstGeom>
-        </p:spPr>
-      </p:pic>
     </p:spTree>
     <p:extLst>
       <p:ext uri="{BB962C8B-B14F-4D97-AF65-F5344CB8AC3E}">
-        <p14:creationId xmlns:p14="http://schemas.microsoft.com/office/powerpoint/2010/main" val="3155473422"/>
+        <p14:creationId xmlns:p14="http://schemas.microsoft.com/office/powerpoint/2010/main" val="849736942"/>
       </p:ext>
     </p:extLst>
   </p:cSld>
@@ -9889,6 +9955,486 @@
 </file>
 
 <file path=ppt/slides/slide11.xml><?xml version="1.0" encoding="utf-8"?>
+<p:sld xmlns:a="http://schemas.openxmlformats.org/drawingml/2006/main" xmlns:r="http://schemas.openxmlformats.org/officeDocument/2006/relationships" xmlns:p="http://schemas.openxmlformats.org/presentationml/2006/main">
+  <p:cSld>
+    <p:spTree>
+      <p:nvGrpSpPr>
+        <p:cNvPr id="1" name=""/>
+        <p:cNvGrpSpPr/>
+        <p:nvPr/>
+      </p:nvGrpSpPr>
+      <p:grpSpPr>
+        <a:xfrm>
+          <a:off x="0" y="0"/>
+          <a:ext cx="0" cy="0"/>
+          <a:chOff x="0" y="0"/>
+          <a:chExt cx="0" cy="0"/>
+        </a:xfrm>
+      </p:grpSpPr>
+      <p:sp>
+        <p:nvSpPr>
+          <p:cNvPr id="2" name="Title 1">
+            <a:extLst>
+              <a:ext uri="{FF2B5EF4-FFF2-40B4-BE49-F238E27FC236}">
+                <a16:creationId xmlns:a16="http://schemas.microsoft.com/office/drawing/2014/main" id="{7707CA8E-644B-FF8C-B973-54551AFD1A3A}"/>
+              </a:ext>
+            </a:extLst>
+          </p:cNvPr>
+          <p:cNvSpPr>
+            <a:spLocks noGrp="1"/>
+          </p:cNvSpPr>
+          <p:nvPr>
+            <p:ph type="title"/>
+          </p:nvPr>
+        </p:nvSpPr>
+        <p:spPr/>
+        <p:txBody>
+          <a:bodyPr/>
+          <a:lstStyle/>
+          <a:p>
+            <a:r>
+              <a:rPr lang="en-US" sz="4800" dirty="0"/>
+              <a:t>Epigenetically aged cells lose identity</a:t>
+            </a:r>
+          </a:p>
+        </p:txBody>
+      </p:sp>
+      <p:sp>
+        <p:nvSpPr>
+          <p:cNvPr id="3" name="Content Placeholder 2">
+            <a:extLst>
+              <a:ext uri="{FF2B5EF4-FFF2-40B4-BE49-F238E27FC236}">
+                <a16:creationId xmlns:a16="http://schemas.microsoft.com/office/drawing/2014/main" id="{80281EEC-3BE3-A527-6CAC-8F76A70D67C6}"/>
+              </a:ext>
+            </a:extLst>
+          </p:cNvPr>
+          <p:cNvSpPr>
+            <a:spLocks noGrp="1"/>
+          </p:cNvSpPr>
+          <p:nvPr>
+            <p:ph idx="1"/>
+          </p:nvPr>
+        </p:nvSpPr>
+        <p:spPr/>
+        <p:txBody>
+          <a:bodyPr/>
+          <a:lstStyle/>
+          <a:p>
+            <a:endParaRPr lang="en-US"/>
+          </a:p>
+        </p:txBody>
+      </p:sp>
+    </p:spTree>
+    <p:extLst>
+      <p:ext uri="{BB962C8B-B14F-4D97-AF65-F5344CB8AC3E}">
+        <p14:creationId xmlns:p14="http://schemas.microsoft.com/office/powerpoint/2010/main" val="2604440301"/>
+      </p:ext>
+    </p:extLst>
+  </p:cSld>
+  <p:clrMapOvr>
+    <a:masterClrMapping/>
+  </p:clrMapOvr>
+  <p:transition spd="med"/>
+</p:sld>
+</file>
+
+<file path=ppt/slides/slide12.xml><?xml version="1.0" encoding="utf-8"?>
+<p:sld xmlns:a="http://schemas.openxmlformats.org/drawingml/2006/main" xmlns:r="http://schemas.openxmlformats.org/officeDocument/2006/relationships" xmlns:p="http://schemas.openxmlformats.org/presentationml/2006/main">
+  <p:cSld>
+    <p:spTree>
+      <p:nvGrpSpPr>
+        <p:cNvPr id="1" name=""/>
+        <p:cNvGrpSpPr/>
+        <p:nvPr/>
+      </p:nvGrpSpPr>
+      <p:grpSpPr>
+        <a:xfrm>
+          <a:off x="0" y="0"/>
+          <a:ext cx="0" cy="0"/>
+          <a:chOff x="0" y="0"/>
+          <a:chExt cx="0" cy="0"/>
+        </a:xfrm>
+      </p:grpSpPr>
+      <p:sp>
+        <p:nvSpPr>
+          <p:cNvPr id="2" name="Title 1">
+            <a:extLst>
+              <a:ext uri="{FF2B5EF4-FFF2-40B4-BE49-F238E27FC236}">
+                <a16:creationId xmlns:a16="http://schemas.microsoft.com/office/drawing/2014/main" id="{7707CA8E-644B-FF8C-B973-54551AFD1A3A}"/>
+              </a:ext>
+            </a:extLst>
+          </p:cNvPr>
+          <p:cNvSpPr>
+            <a:spLocks noGrp="1"/>
+          </p:cNvSpPr>
+          <p:nvPr>
+            <p:ph type="title"/>
+          </p:nvPr>
+        </p:nvSpPr>
+        <p:spPr/>
+        <p:txBody>
+          <a:bodyPr/>
+          <a:lstStyle/>
+          <a:p>
+            <a:r>
+              <a:rPr lang="en-US" sz="4800" dirty="0"/>
+              <a:t>Cellular identity changes in ICE mice</a:t>
+            </a:r>
+          </a:p>
+        </p:txBody>
+      </p:sp>
+      <p:sp>
+        <p:nvSpPr>
+          <p:cNvPr id="3" name="Content Placeholder 2">
+            <a:extLst>
+              <a:ext uri="{FF2B5EF4-FFF2-40B4-BE49-F238E27FC236}">
+                <a16:creationId xmlns:a16="http://schemas.microsoft.com/office/drawing/2014/main" id="{80281EEC-3BE3-A527-6CAC-8F76A70D67C6}"/>
+              </a:ext>
+            </a:extLst>
+          </p:cNvPr>
+          <p:cNvSpPr>
+            <a:spLocks noGrp="1"/>
+          </p:cNvSpPr>
+          <p:nvPr>
+            <p:ph idx="1"/>
+          </p:nvPr>
+        </p:nvSpPr>
+        <p:spPr/>
+        <p:txBody>
+          <a:bodyPr/>
+          <a:lstStyle/>
+          <a:p>
+            <a:endParaRPr lang="en-US"/>
+          </a:p>
+        </p:txBody>
+      </p:sp>
+    </p:spTree>
+    <p:extLst>
+      <p:ext uri="{BB962C8B-B14F-4D97-AF65-F5344CB8AC3E}">
+        <p14:creationId xmlns:p14="http://schemas.microsoft.com/office/powerpoint/2010/main" val="1127696601"/>
+      </p:ext>
+    </p:extLst>
+  </p:cSld>
+  <p:clrMapOvr>
+    <a:masterClrMapping/>
+  </p:clrMapOvr>
+  <p:transition spd="med"/>
+</p:sld>
+</file>
+
+<file path=ppt/slides/slide13.xml><?xml version="1.0" encoding="utf-8"?>
+<p:sld xmlns:a="http://schemas.openxmlformats.org/drawingml/2006/main" xmlns:r="http://schemas.openxmlformats.org/officeDocument/2006/relationships" xmlns:p="http://schemas.openxmlformats.org/presentationml/2006/main">
+  <p:cSld>
+    <p:spTree>
+      <p:nvGrpSpPr>
+        <p:cNvPr id="1" name=""/>
+        <p:cNvGrpSpPr/>
+        <p:nvPr/>
+      </p:nvGrpSpPr>
+      <p:grpSpPr>
+        <a:xfrm>
+          <a:off x="0" y="0"/>
+          <a:ext cx="0" cy="0"/>
+          <a:chOff x="0" y="0"/>
+          <a:chExt cx="0" cy="0"/>
+        </a:xfrm>
+      </p:grpSpPr>
+      <p:sp>
+        <p:nvSpPr>
+          <p:cNvPr id="2" name="Title 1">
+            <a:extLst>
+              <a:ext uri="{FF2B5EF4-FFF2-40B4-BE49-F238E27FC236}">
+                <a16:creationId xmlns:a16="http://schemas.microsoft.com/office/drawing/2014/main" id="{7707CA8E-644B-FF8C-B973-54551AFD1A3A}"/>
+              </a:ext>
+            </a:extLst>
+          </p:cNvPr>
+          <p:cNvSpPr>
+            <a:spLocks noGrp="1"/>
+          </p:cNvSpPr>
+          <p:nvPr>
+            <p:ph type="title"/>
+          </p:nvPr>
+        </p:nvSpPr>
+        <p:spPr/>
+        <p:txBody>
+          <a:bodyPr/>
+          <a:lstStyle/>
+          <a:p>
+            <a:r>
+              <a:rPr lang="en-CA" sz="4800" dirty="0"/>
+              <a:t>Reversing age in ICE cells</a:t>
+            </a:r>
+            <a:endParaRPr lang="en-US" sz="4800" dirty="0"/>
+          </a:p>
+        </p:txBody>
+      </p:sp>
+      <p:sp>
+        <p:nvSpPr>
+          <p:cNvPr id="3" name="Content Placeholder 2">
+            <a:extLst>
+              <a:ext uri="{FF2B5EF4-FFF2-40B4-BE49-F238E27FC236}">
+                <a16:creationId xmlns:a16="http://schemas.microsoft.com/office/drawing/2014/main" id="{80281EEC-3BE3-A527-6CAC-8F76A70D67C6}"/>
+              </a:ext>
+            </a:extLst>
+          </p:cNvPr>
+          <p:cNvSpPr>
+            <a:spLocks noGrp="1"/>
+          </p:cNvSpPr>
+          <p:nvPr>
+            <p:ph idx="1"/>
+          </p:nvPr>
+        </p:nvSpPr>
+        <p:spPr/>
+        <p:txBody>
+          <a:bodyPr/>
+          <a:lstStyle/>
+          <a:p>
+            <a:endParaRPr lang="en-US"/>
+          </a:p>
+        </p:txBody>
+      </p:sp>
+    </p:spTree>
+    <p:extLst>
+      <p:ext uri="{BB962C8B-B14F-4D97-AF65-F5344CB8AC3E}">
+        <p14:creationId xmlns:p14="http://schemas.microsoft.com/office/powerpoint/2010/main" val="760618937"/>
+      </p:ext>
+    </p:extLst>
+  </p:cSld>
+  <p:clrMapOvr>
+    <a:masterClrMapping/>
+  </p:clrMapOvr>
+  <p:transition spd="med"/>
+</p:sld>
+</file>
+
+<file path=ppt/slides/slide14.xml><?xml version="1.0" encoding="utf-8"?>
+<p:sld xmlns:a="http://schemas.openxmlformats.org/drawingml/2006/main" xmlns:r="http://schemas.openxmlformats.org/officeDocument/2006/relationships" xmlns:p="http://schemas.openxmlformats.org/presentationml/2006/main">
+  <p:cSld>
+    <p:spTree>
+      <p:nvGrpSpPr>
+        <p:cNvPr id="1" name=""/>
+        <p:cNvGrpSpPr/>
+        <p:nvPr/>
+      </p:nvGrpSpPr>
+      <p:grpSpPr>
+        <a:xfrm>
+          <a:off x="0" y="0"/>
+          <a:ext cx="0" cy="0"/>
+          <a:chOff x="0" y="0"/>
+          <a:chExt cx="0" cy="0"/>
+        </a:xfrm>
+      </p:grpSpPr>
+      <p:sp>
+        <p:nvSpPr>
+          <p:cNvPr id="2" name="Title 1">
+            <a:extLst>
+              <a:ext uri="{FF2B5EF4-FFF2-40B4-BE49-F238E27FC236}">
+                <a16:creationId xmlns:a16="http://schemas.microsoft.com/office/drawing/2014/main" id="{7707CA8E-644B-FF8C-B973-54551AFD1A3A}"/>
+              </a:ext>
+            </a:extLst>
+          </p:cNvPr>
+          <p:cNvSpPr>
+            <a:spLocks noGrp="1"/>
+          </p:cNvSpPr>
+          <p:nvPr>
+            <p:ph type="title"/>
+          </p:nvPr>
+        </p:nvSpPr>
+        <p:spPr/>
+        <p:txBody>
+          <a:bodyPr/>
+          <a:lstStyle/>
+          <a:p>
+            <a:r>
+              <a:rPr lang="en-CA" sz="4800" dirty="0"/>
+              <a:t>Reversing age in ICE mice</a:t>
+            </a:r>
+            <a:endParaRPr lang="en-US" sz="4800" dirty="0"/>
+          </a:p>
+        </p:txBody>
+      </p:sp>
+      <p:sp>
+        <p:nvSpPr>
+          <p:cNvPr id="3" name="Content Placeholder 2">
+            <a:extLst>
+              <a:ext uri="{FF2B5EF4-FFF2-40B4-BE49-F238E27FC236}">
+                <a16:creationId xmlns:a16="http://schemas.microsoft.com/office/drawing/2014/main" id="{80281EEC-3BE3-A527-6CAC-8F76A70D67C6}"/>
+              </a:ext>
+            </a:extLst>
+          </p:cNvPr>
+          <p:cNvSpPr>
+            <a:spLocks noGrp="1"/>
+          </p:cNvSpPr>
+          <p:nvPr>
+            <p:ph idx="1"/>
+          </p:nvPr>
+        </p:nvSpPr>
+        <p:spPr/>
+        <p:txBody>
+          <a:bodyPr/>
+          <a:lstStyle/>
+          <a:p>
+            <a:r>
+              <a:rPr lang="en-CA" dirty="0"/>
+              <a:t>Deliver OSK by adeno-associated virus</a:t>
+            </a:r>
+          </a:p>
+          <a:p>
+            <a:r>
+              <a:rPr lang="en-CA" dirty="0"/>
+              <a:t>Reverses aging markers in kidney and muscle (Figure 7H,I)</a:t>
+            </a:r>
+          </a:p>
+          <a:p>
+            <a:r>
+              <a:rPr lang="en-CA" dirty="0"/>
+              <a:t>Reverses gene expression age in retinal </a:t>
+            </a:r>
+            <a:r>
+              <a:rPr lang="en-CA"/>
+              <a:t>ganglion cells 7O</a:t>
+            </a:r>
+            <a:endParaRPr lang="en-US" dirty="0"/>
+          </a:p>
+        </p:txBody>
+      </p:sp>
+    </p:spTree>
+    <p:extLst>
+      <p:ext uri="{BB962C8B-B14F-4D97-AF65-F5344CB8AC3E}">
+        <p14:creationId xmlns:p14="http://schemas.microsoft.com/office/powerpoint/2010/main" val="1170852449"/>
+      </p:ext>
+    </p:extLst>
+  </p:cSld>
+  <p:clrMapOvr>
+    <a:masterClrMapping/>
+  </p:clrMapOvr>
+  <p:transition spd="med"/>
+</p:sld>
+</file>
+
+<file path=ppt/slides/slide15.xml><?xml version="1.0" encoding="utf-8"?>
+<p:sld xmlns:a="http://schemas.openxmlformats.org/drawingml/2006/main" xmlns:r="http://schemas.openxmlformats.org/officeDocument/2006/relationships" xmlns:p="http://schemas.openxmlformats.org/presentationml/2006/main">
+  <p:cSld>
+    <p:spTree>
+      <p:nvGrpSpPr>
+        <p:cNvPr id="1" name=""/>
+        <p:cNvGrpSpPr/>
+        <p:nvPr/>
+      </p:nvGrpSpPr>
+      <p:grpSpPr>
+        <a:xfrm>
+          <a:off x="0" y="0"/>
+          <a:ext cx="0" cy="0"/>
+          <a:chOff x="0" y="0"/>
+          <a:chExt cx="0" cy="0"/>
+        </a:xfrm>
+      </p:grpSpPr>
+      <p:sp>
+        <p:nvSpPr>
+          <p:cNvPr id="2" name="Title 1">
+            <a:extLst>
+              <a:ext uri="{FF2B5EF4-FFF2-40B4-BE49-F238E27FC236}">
+                <a16:creationId xmlns:a16="http://schemas.microsoft.com/office/drawing/2014/main" id="{1F403CDC-4411-475D-F90E-70606E25B8FA}"/>
+              </a:ext>
+            </a:extLst>
+          </p:cNvPr>
+          <p:cNvSpPr>
+            <a:spLocks noGrp="1"/>
+          </p:cNvSpPr>
+          <p:nvPr>
+            <p:ph type="title"/>
+          </p:nvPr>
+        </p:nvSpPr>
+        <p:spPr/>
+        <p:txBody>
+          <a:bodyPr/>
+          <a:lstStyle/>
+          <a:p>
+            <a:r>
+              <a:rPr lang="en-CA" sz="4800" dirty="0"/>
+              <a:t>Highlights</a:t>
+            </a:r>
+            <a:endParaRPr lang="en-US" sz="4800" dirty="0"/>
+          </a:p>
+        </p:txBody>
+      </p:sp>
+      <p:sp>
+        <p:nvSpPr>
+          <p:cNvPr id="3" name="Content Placeholder 2">
+            <a:extLst>
+              <a:ext uri="{FF2B5EF4-FFF2-40B4-BE49-F238E27FC236}">
+                <a16:creationId xmlns:a16="http://schemas.microsoft.com/office/drawing/2014/main" id="{FE3B9618-35FF-93FF-1AAC-6E84E13DD690}"/>
+              </a:ext>
+            </a:extLst>
+          </p:cNvPr>
+          <p:cNvSpPr>
+            <a:spLocks noGrp="1"/>
+          </p:cNvSpPr>
+          <p:nvPr>
+            <p:ph idx="1"/>
+          </p:nvPr>
+        </p:nvSpPr>
+        <p:spPr/>
+        <p:txBody>
+          <a:bodyPr/>
+          <a:lstStyle/>
+          <a:p>
+            <a:pPr algn="l"/>
+            <a:r>
+              <a:rPr lang="en-US" sz="3200" b="0" i="0" u="none" strike="noStrike" baseline="0" dirty="0">
+                <a:latin typeface="AdvPSHN-M"/>
+              </a:rPr>
+              <a:t>Cellular responses to double-stranded DNA breaks erode the epigenetic landscape</a:t>
+            </a:r>
+          </a:p>
+          <a:p>
+            <a:pPr algn="l"/>
+            <a:r>
+              <a:rPr lang="en-US" sz="3200" b="0" i="0" u="none" strike="noStrike" baseline="0" dirty="0">
+                <a:latin typeface="AdvPSHN-M"/>
+              </a:rPr>
+              <a:t>This loss of epigenetic information accelerates the hallmarks of aging</a:t>
+            </a:r>
+          </a:p>
+          <a:p>
+            <a:pPr algn="l"/>
+            <a:r>
+              <a:rPr lang="en-US" sz="3200" b="0" i="0" u="none" strike="noStrike" baseline="0" dirty="0">
+                <a:latin typeface="AdvPSHN-M"/>
+              </a:rPr>
+              <a:t>These changes are reversible by epigenetic reprogramming</a:t>
+            </a:r>
+            <a:endParaRPr lang="en-US" sz="3200" dirty="0">
+              <a:latin typeface="AdvPSMPi6"/>
+            </a:endParaRPr>
+          </a:p>
+          <a:p>
+            <a:pPr algn="l"/>
+            <a:r>
+              <a:rPr lang="en-US" sz="3200" b="0" i="0" u="none" strike="noStrike" baseline="0" dirty="0">
+                <a:latin typeface="AdvPSHN-M"/>
+              </a:rPr>
+              <a:t>By manipulating the epigenome, aging can be driven forward and backward</a:t>
+            </a:r>
+            <a:endParaRPr lang="en-US" sz="3200" dirty="0"/>
+          </a:p>
+        </p:txBody>
+      </p:sp>
+    </p:spTree>
+    <p:extLst>
+      <p:ext uri="{BB962C8B-B14F-4D97-AF65-F5344CB8AC3E}">
+        <p14:creationId xmlns:p14="http://schemas.microsoft.com/office/powerpoint/2010/main" val="2275108716"/>
+      </p:ext>
+    </p:extLst>
+  </p:cSld>
+  <p:clrMapOvr>
+    <a:masterClrMapping/>
+  </p:clrMapOvr>
+  <p:transition spd="med"/>
+</p:sld>
+</file>
+
+<file path=ppt/slides/slide16.xml><?xml version="1.0" encoding="utf-8"?>
 <p:sld xmlns:a="http://schemas.openxmlformats.org/drawingml/2006/main" xmlns:r="http://schemas.openxmlformats.org/officeDocument/2006/relationships" xmlns:p="http://schemas.openxmlformats.org/presentationml/2006/main">
   <p:cSld>
     <p:spTree>
@@ -9958,99 +10504,6 @@
             <a:pPr marL="0" indent="0">
               <a:buNone/>
             </a:pPr>
-            <a:r>
-              <a:rPr lang="en-CA" dirty="0"/>
-              <a:t>This study confirms previous findings and additionally that</a:t>
-            </a:r>
-          </a:p>
-          <a:p>
-            <a:pPr>
-              <a:buFontTx/>
-              <a:buChar char="-"/>
-            </a:pPr>
-            <a:r>
-              <a:rPr lang="en-CA" dirty="0"/>
-              <a:t>About half of </a:t>
-            </a:r>
-            <a:r>
-              <a:rPr lang="en-CA" dirty="0" err="1"/>
-              <a:t>eQTMs</a:t>
-            </a:r>
-            <a:r>
-              <a:rPr lang="en-CA" dirty="0"/>
-              <a:t> are tissue-specific</a:t>
-            </a:r>
-          </a:p>
-          <a:p>
-            <a:pPr>
-              <a:buFontTx/>
-              <a:buChar char="-"/>
-            </a:pPr>
-            <a:r>
-              <a:rPr lang="en-CA" dirty="0"/>
-              <a:t>By investigating a wide range of tissues, we can dramatically increase the number of observed </a:t>
-            </a:r>
-            <a:r>
-              <a:rPr lang="en-CA" dirty="0" err="1"/>
-              <a:t>mQTLs</a:t>
-            </a:r>
-            <a:endParaRPr lang="en-CA" dirty="0"/>
-          </a:p>
-          <a:p>
-            <a:pPr>
-              <a:buFontTx/>
-              <a:buChar char="-"/>
-            </a:pPr>
-            <a:r>
-              <a:rPr lang="en-CA" dirty="0" err="1"/>
-              <a:t>eQTL</a:t>
-            </a:r>
-            <a:r>
-              <a:rPr lang="en-CA" dirty="0"/>
-              <a:t> effects tend to be more tissue-specific than </a:t>
-            </a:r>
-            <a:r>
-              <a:rPr lang="en-CA" dirty="0" err="1"/>
-              <a:t>mQTL</a:t>
-            </a:r>
-            <a:r>
-              <a:rPr lang="en-CA" dirty="0"/>
-              <a:t> effects</a:t>
-            </a:r>
-          </a:p>
-          <a:p>
-            <a:pPr>
-              <a:buFontTx/>
-              <a:buChar char="-"/>
-            </a:pPr>
-            <a:r>
-              <a:rPr lang="en-CA" dirty="0"/>
-              <a:t>Genetic variants influencing gene expression tend to be different from those influencing DNA methylation</a:t>
-            </a:r>
-          </a:p>
-          <a:p>
-            <a:pPr>
-              <a:buFontTx/>
-              <a:buChar char="-"/>
-            </a:pPr>
-            <a:r>
-              <a:rPr lang="en-CA" dirty="0"/>
-              <a:t>However, by investigating </a:t>
-            </a:r>
-            <a:r>
-              <a:rPr lang="en-CA" b="1" dirty="0"/>
-              <a:t>both </a:t>
-            </a:r>
-            <a:r>
-              <a:rPr lang="en-CA" dirty="0"/>
-              <a:t>gene expression and DNA methylation, we are in a much better position to discover causal pathways from genotype to trait</a:t>
-            </a:r>
-          </a:p>
-          <a:p>
-            <a:pPr>
-              <a:buFontTx/>
-              <a:buChar char="-"/>
-            </a:pPr>
             <a:endParaRPr lang="en-CA" dirty="0"/>
           </a:p>
           <a:p>
@@ -10073,6 +10526,189 @@
     <p:extLst>
       <p:ext uri="{BB962C8B-B14F-4D97-AF65-F5344CB8AC3E}">
         <p14:creationId xmlns:p14="http://schemas.microsoft.com/office/powerpoint/2010/main" val="2351452027"/>
+      </p:ext>
+    </p:extLst>
+  </p:cSld>
+  <p:clrMapOvr>
+    <a:masterClrMapping/>
+  </p:clrMapOvr>
+  <p:transition spd="med"/>
+</p:sld>
+</file>
+
+<file path=ppt/slides/slide2.xml><?xml version="1.0" encoding="utf-8"?>
+<p:sld xmlns:a="http://schemas.openxmlformats.org/drawingml/2006/main" xmlns:r="http://schemas.openxmlformats.org/officeDocument/2006/relationships" xmlns:p="http://schemas.openxmlformats.org/presentationml/2006/main">
+  <p:cSld>
+    <p:spTree>
+      <p:nvGrpSpPr>
+        <p:cNvPr id="1" name=""/>
+        <p:cNvGrpSpPr/>
+        <p:nvPr/>
+      </p:nvGrpSpPr>
+      <p:grpSpPr>
+        <a:xfrm>
+          <a:off x="0" y="0"/>
+          <a:ext cx="0" cy="0"/>
+          <a:chOff x="0" y="0"/>
+          <a:chExt cx="0" cy="0"/>
+        </a:xfrm>
+      </p:grpSpPr>
+      <p:sp>
+        <p:nvSpPr>
+          <p:cNvPr id="2" name="Title 1">
+            <a:extLst>
+              <a:ext uri="{FF2B5EF4-FFF2-40B4-BE49-F238E27FC236}">
+                <a16:creationId xmlns:a16="http://schemas.microsoft.com/office/drawing/2014/main" id="{BB1414B2-CED9-8FF7-C445-4F488D34424D}"/>
+              </a:ext>
+            </a:extLst>
+          </p:cNvPr>
+          <p:cNvSpPr>
+            <a:spLocks noGrp="1"/>
+          </p:cNvSpPr>
+          <p:nvPr>
+            <p:ph type="title"/>
+          </p:nvPr>
+        </p:nvSpPr>
+        <p:spPr/>
+        <p:txBody>
+          <a:bodyPr/>
+          <a:lstStyle/>
+          <a:p>
+            <a:r>
+              <a:rPr lang="en-CA" sz="4800" dirty="0"/>
+              <a:t>Aging</a:t>
+            </a:r>
+            <a:endParaRPr lang="en-US" sz="4800" dirty="0"/>
+          </a:p>
+        </p:txBody>
+      </p:sp>
+      <p:sp>
+        <p:nvSpPr>
+          <p:cNvPr id="3" name="Content Placeholder 2">
+            <a:extLst>
+              <a:ext uri="{FF2B5EF4-FFF2-40B4-BE49-F238E27FC236}">
+                <a16:creationId xmlns:a16="http://schemas.microsoft.com/office/drawing/2014/main" id="{B71EE27D-3AE9-6B27-9F9C-E0CD9BD3F091}"/>
+              </a:ext>
+            </a:extLst>
+          </p:cNvPr>
+          <p:cNvSpPr>
+            <a:spLocks noGrp="1"/>
+          </p:cNvSpPr>
+          <p:nvPr>
+            <p:ph idx="1"/>
+          </p:nvPr>
+        </p:nvSpPr>
+        <p:spPr>
+          <a:xfrm>
+            <a:off x="609600" y="1628800"/>
+            <a:ext cx="10871200" cy="4840400"/>
+          </a:xfrm>
+        </p:spPr>
+        <p:txBody>
+          <a:bodyPr/>
+          <a:lstStyle/>
+          <a:p>
+            <a:r>
+              <a:rPr lang="en-CA" sz="2400" dirty="0"/>
+              <a:t>Cellular identity and function change with age</a:t>
+            </a:r>
+          </a:p>
+          <a:p>
+            <a:r>
+              <a:rPr lang="en-CA" sz="2400" dirty="0"/>
+              <a:t>What is driving aging?</a:t>
+            </a:r>
+          </a:p>
+          <a:p>
+            <a:pPr lvl="1">
+              <a:buFont typeface="Courier New" panose="02070309020205020404" pitchFamily="49" charset="0"/>
+              <a:buChar char="o"/>
+            </a:pPr>
+            <a:r>
+              <a:rPr lang="en-CA" sz="2400" dirty="0"/>
+              <a:t>Hardware breakdown – irreversible changes to DNA sequence</a:t>
+            </a:r>
+          </a:p>
+          <a:p>
+            <a:pPr lvl="1">
+              <a:buFont typeface="Courier New" panose="02070309020205020404" pitchFamily="49" charset="0"/>
+              <a:buChar char="o"/>
+            </a:pPr>
+            <a:r>
+              <a:rPr lang="en-CA" sz="2400" dirty="0"/>
+              <a:t>Software breakdown – reversible changes to gene expression and chromatin</a:t>
+            </a:r>
+          </a:p>
+          <a:p>
+            <a:r>
+              <a:rPr lang="en-CA" sz="2400" dirty="0"/>
+              <a:t>Evidence against DNA damage </a:t>
+            </a:r>
+          </a:p>
+          <a:p>
+            <a:pPr lvl="1">
+              <a:buFont typeface="Courier New" panose="02070309020205020404" pitchFamily="49" charset="0"/>
+              <a:buChar char="o"/>
+            </a:pPr>
+            <a:r>
+              <a:rPr lang="en-CA" sz="2400" dirty="0"/>
+              <a:t>Individuals with more mutations don’t faster aging</a:t>
+            </a:r>
+          </a:p>
+          <a:p>
+            <a:pPr lvl="1">
+              <a:buFont typeface="Courier New" panose="02070309020205020404" pitchFamily="49" charset="0"/>
+              <a:buChar char="o"/>
+            </a:pPr>
+            <a:r>
+              <a:rPr lang="en-CA" sz="2400" dirty="0"/>
+              <a:t>Cloned mammals don’t age faster</a:t>
+            </a:r>
+          </a:p>
+          <a:p>
+            <a:r>
+              <a:rPr lang="en-CA" sz="2400" dirty="0"/>
+              <a:t>Evidence for epigenetic changes</a:t>
+            </a:r>
+          </a:p>
+          <a:p>
+            <a:pPr lvl="1">
+              <a:buFont typeface="Courier New" panose="02070309020205020404" pitchFamily="49" charset="0"/>
+              <a:buChar char="o"/>
+            </a:pPr>
+            <a:r>
+              <a:rPr lang="en-CA" sz="2400" dirty="0"/>
+              <a:t>Overexpress </a:t>
+            </a:r>
+            <a:r>
+              <a:rPr lang="en-CA" sz="2400" i="1" dirty="0"/>
+              <a:t>SIR2 </a:t>
+            </a:r>
+            <a:r>
+              <a:rPr lang="en-CA" sz="2400" dirty="0"/>
+              <a:t>histones in yeast → extend lifespan</a:t>
+            </a:r>
+          </a:p>
+          <a:p>
+            <a:pPr lvl="1">
+              <a:buFont typeface="Courier New" panose="02070309020205020404" pitchFamily="49" charset="0"/>
+              <a:buChar char="o"/>
+            </a:pPr>
+            <a:r>
+              <a:rPr lang="en-CA" sz="2400" dirty="0"/>
+              <a:t>DNA methylation is the strongest biomarker of chronological age</a:t>
+            </a:r>
+            <a:endParaRPr lang="en-CA" dirty="0"/>
+          </a:p>
+          <a:p>
+            <a:endParaRPr lang="en-CA" dirty="0"/>
+          </a:p>
+        </p:txBody>
+      </p:sp>
+    </p:spTree>
+    <p:extLst>
+      <p:ext uri="{BB962C8B-B14F-4D97-AF65-F5344CB8AC3E}">
+        <p14:creationId xmlns:p14="http://schemas.microsoft.com/office/powerpoint/2010/main" val="545411195"/>
       </p:ext>
     </p:extLst>
   </p:cSld>
@@ -10116,7 +10752,7 @@
                                         <p:tgtEl>
                                           <p:spTgt spid="3">
                                             <p:txEl>
-                                              <p:pRg st="1" end="1"/>
+                                              <p:pRg st="0" end="0"/>
                                             </p:txEl>
                                           </p:spTgt>
                                         </p:tgtEl>
@@ -10165,6 +10801,37 @@
                                         <p:tgtEl>
                                           <p:spTgt spid="3">
                                             <p:txEl>
+                                              <p:pRg st="1" end="1"/>
+                                            </p:txEl>
+                                          </p:spTgt>
+                                        </p:tgtEl>
+                                        <p:attrNameLst>
+                                          <p:attrName>style.visibility</p:attrName>
+                                        </p:attrNameLst>
+                                      </p:cBhvr>
+                                      <p:to>
+                                        <p:strVal val="visible"/>
+                                      </p:to>
+                                    </p:set>
+                                  </p:childTnLst>
+                                </p:cTn>
+                              </p:par>
+                              <p:par>
+                                <p:cTn id="11" presetID="1" presetClass="entr" presetSubtype="0" fill="hold" nodeType="withEffect">
+                                  <p:stCondLst>
+                                    <p:cond delay="0"/>
+                                  </p:stCondLst>
+                                  <p:childTnLst>
+                                    <p:set>
+                                      <p:cBhvr>
+                                        <p:cTn id="12" dur="1" fill="hold">
+                                          <p:stCondLst>
+                                            <p:cond delay="0"/>
+                                          </p:stCondLst>
+                                        </p:cTn>
+                                        <p:tgtEl>
+                                          <p:spTgt spid="3">
+                                            <p:txEl>
                                               <p:pRg st="2" end="2"/>
                                             </p:txEl>
                                           </p:spTgt>
@@ -10180,26 +10847,8 @@
                                   </p:childTnLst>
                                 </p:cTn>
                               </p:par>
-                            </p:childTnLst>
-                          </p:cTn>
-                        </p:par>
-                      </p:childTnLst>
-                    </p:cTn>
-                  </p:par>
-                  <p:par>
-                    <p:cTn id="11" fill="hold">
-                      <p:stCondLst>
-                        <p:cond delay="indefinite"/>
-                      </p:stCondLst>
-                      <p:childTnLst>
-                        <p:par>
-                          <p:cTn id="12" fill="hold">
-                            <p:stCondLst>
-                              <p:cond delay="0"/>
-                            </p:stCondLst>
-                            <p:childTnLst>
                               <p:par>
-                                <p:cTn id="13" presetID="1" presetClass="entr" presetSubtype="0" fill="hold" nodeType="clickEffect">
+                                <p:cTn id="13" presetID="1" presetClass="entr" presetSubtype="0" fill="hold" nodeType="withEffect">
                                   <p:stCondLst>
                                     <p:cond delay="0"/>
                                   </p:stCondLst>
@@ -10278,33 +10927,15 @@
                                   </p:childTnLst>
                                 </p:cTn>
                               </p:par>
-                            </p:childTnLst>
-                          </p:cTn>
-                        </p:par>
-                      </p:childTnLst>
-                    </p:cTn>
-                  </p:par>
-                  <p:par>
-                    <p:cTn id="19" fill="hold">
-                      <p:stCondLst>
-                        <p:cond delay="indefinite"/>
-                      </p:stCondLst>
-                      <p:childTnLst>
-                        <p:par>
-                          <p:cTn id="20" fill="hold">
-                            <p:stCondLst>
-                              <p:cond delay="0"/>
-                            </p:stCondLst>
-                            <p:childTnLst>
                               <p:par>
-                                <p:cTn id="21" presetID="1" presetClass="entr" presetSubtype="0" fill="hold" nodeType="clickEffect">
+                                <p:cTn id="19" presetID="1" presetClass="entr" presetSubtype="0" fill="hold" nodeType="withEffect">
                                   <p:stCondLst>
                                     <p:cond delay="0"/>
                                   </p:stCondLst>
                                   <p:childTnLst>
                                     <p:set>
                                       <p:cBhvr>
-                                        <p:cTn id="22" dur="1" fill="hold">
+                                        <p:cTn id="20" dur="1" fill="hold">
                                           <p:stCondLst>
                                             <p:cond delay="0"/>
                                           </p:stCondLst>
@@ -10327,1110 +10958,8 @@
                                   </p:childTnLst>
                                 </p:cTn>
                               </p:par>
-                            </p:childTnLst>
-                          </p:cTn>
-                        </p:par>
-                      </p:childTnLst>
-                    </p:cTn>
-                  </p:par>
-                </p:childTnLst>
-              </p:cTn>
-              <p:prevCondLst>
-                <p:cond evt="onPrev" delay="0">
-                  <p:tgtEl>
-                    <p:sldTgt/>
-                  </p:tgtEl>
-                </p:cond>
-              </p:prevCondLst>
-              <p:nextCondLst>
-                <p:cond evt="onNext" delay="0">
-                  <p:tgtEl>
-                    <p:sldTgt/>
-                  </p:tgtEl>
-                </p:cond>
-              </p:nextCondLst>
-            </p:seq>
-          </p:childTnLst>
-        </p:cTn>
-      </p:par>
-    </p:tnLst>
-  </p:timing>
-</p:sld>
-</file>
-
-<file path=ppt/slides/slide2.xml><?xml version="1.0" encoding="utf-8"?>
-<p:sld xmlns:a="http://schemas.openxmlformats.org/drawingml/2006/main" xmlns:r="http://schemas.openxmlformats.org/officeDocument/2006/relationships" xmlns:p="http://schemas.openxmlformats.org/presentationml/2006/main">
-  <p:cSld>
-    <p:spTree>
-      <p:nvGrpSpPr>
-        <p:cNvPr id="1" name=""/>
-        <p:cNvGrpSpPr/>
-        <p:nvPr/>
-      </p:nvGrpSpPr>
-      <p:grpSpPr>
-        <a:xfrm>
-          <a:off x="0" y="0"/>
-          <a:ext cx="0" cy="0"/>
-          <a:chOff x="0" y="0"/>
-          <a:chExt cx="0" cy="0"/>
-        </a:xfrm>
-      </p:grpSpPr>
-      <p:sp>
-        <p:nvSpPr>
-          <p:cNvPr id="2" name="Title 1">
-            <a:extLst>
-              <a:ext uri="{FF2B5EF4-FFF2-40B4-BE49-F238E27FC236}">
-                <a16:creationId xmlns:a16="http://schemas.microsoft.com/office/drawing/2014/main" id="{8D03F27B-04A9-DA9B-7085-8FA312003D53}"/>
-              </a:ext>
-            </a:extLst>
-          </p:cNvPr>
-          <p:cNvSpPr>
-            <a:spLocks noGrp="1"/>
-          </p:cNvSpPr>
-          <p:nvPr>
-            <p:ph type="title"/>
-          </p:nvPr>
-        </p:nvSpPr>
-        <p:spPr/>
-        <p:txBody>
-          <a:bodyPr/>
-          <a:lstStyle/>
-          <a:p>
-            <a:r>
-              <a:rPr lang="en-CA" dirty="0"/>
-              <a:t>Background</a:t>
-            </a:r>
-            <a:endParaRPr lang="en-US" dirty="0"/>
-          </a:p>
-        </p:txBody>
-      </p:sp>
-      <p:sp>
-        <p:nvSpPr>
-          <p:cNvPr id="3" name="Content Placeholder 2">
-            <a:extLst>
-              <a:ext uri="{FF2B5EF4-FFF2-40B4-BE49-F238E27FC236}">
-                <a16:creationId xmlns:a16="http://schemas.microsoft.com/office/drawing/2014/main" id="{1B6C10F8-F050-A935-83A1-57C83C4436CE}"/>
-              </a:ext>
-            </a:extLst>
-          </p:cNvPr>
-          <p:cNvSpPr>
-            <a:spLocks noGrp="1"/>
-          </p:cNvSpPr>
-          <p:nvPr>
-            <p:ph idx="1"/>
-          </p:nvPr>
-        </p:nvSpPr>
-        <p:spPr>
-          <a:xfrm>
-            <a:off x="609600" y="1340768"/>
-            <a:ext cx="10871200" cy="4572000"/>
-          </a:xfrm>
-        </p:spPr>
-        <p:txBody>
-          <a:bodyPr/>
-          <a:lstStyle/>
-          <a:p>
-            <a:r>
-              <a:rPr lang="en-US" dirty="0"/>
-              <a:t>Genetic variation strongly associated with many traits</a:t>
-            </a:r>
-          </a:p>
-          <a:p>
-            <a:r>
-              <a:rPr lang="en-US" dirty="0"/>
-              <a:t>Effects likely mediated by gene expression</a:t>
-            </a:r>
-          </a:p>
-          <a:p>
-            <a:r>
-              <a:rPr lang="en-US" dirty="0"/>
-              <a:t>~25% gene expression explained by genetic variation</a:t>
-            </a:r>
-          </a:p>
-          <a:p>
-            <a:r>
-              <a:rPr lang="en-US" dirty="0"/>
-              <a:t>gene expression is strongly associated with DNA methylation, especially in the gene promoter</a:t>
-            </a:r>
-          </a:p>
-          <a:p>
-            <a:r>
-              <a:rPr lang="en-US" dirty="0"/>
-              <a:t>~20% DNA methylation explained by genetic variation</a:t>
-            </a:r>
-          </a:p>
-          <a:p>
-            <a:endParaRPr lang="en-US" dirty="0"/>
-          </a:p>
-          <a:p>
-            <a:pPr marL="0" indent="0">
-              <a:buNone/>
-            </a:pPr>
-            <a:r>
-              <a:rPr lang="en-US" dirty="0"/>
-              <a:t>However, gene expression and DNA methylation are highly tissue-specific. </a:t>
-            </a:r>
-          </a:p>
-          <a:p>
-            <a:pPr marL="0" indent="0">
-              <a:buNone/>
-            </a:pPr>
-            <a:endParaRPr lang="en-US" dirty="0"/>
-          </a:p>
-          <a:p>
-            <a:pPr marL="0" indent="0">
-              <a:buNone/>
-            </a:pPr>
-            <a:r>
-              <a:rPr lang="en-US" dirty="0"/>
-              <a:t>Understanding the etiology of complex traits requires </a:t>
-            </a:r>
-            <a:r>
-              <a:rPr lang="en-US" dirty="0" err="1"/>
-              <a:t>eQTL</a:t>
-            </a:r>
-            <a:r>
-              <a:rPr lang="en-US" dirty="0"/>
-              <a:t> and </a:t>
-            </a:r>
-            <a:r>
-              <a:rPr lang="en-US" dirty="0" err="1"/>
-              <a:t>meQTL</a:t>
-            </a:r>
-            <a:r>
-              <a:rPr lang="en-US" dirty="0"/>
-              <a:t> catalogs derived in a variety of different tissues.</a:t>
-            </a:r>
-          </a:p>
-          <a:p>
-            <a:endParaRPr lang="en-US" dirty="0"/>
-          </a:p>
-          <a:p>
-            <a:pPr marL="0" indent="0">
-              <a:buNone/>
-            </a:pPr>
-            <a:r>
-              <a:rPr lang="en-US" dirty="0"/>
-              <a:t>Most </a:t>
-            </a:r>
-            <a:r>
-              <a:rPr lang="en-US" dirty="0" err="1"/>
-              <a:t>mQTL</a:t>
-            </a:r>
-            <a:r>
-              <a:rPr lang="en-US" dirty="0"/>
-              <a:t> studies have been conducted in peripheral blood.</a:t>
-            </a:r>
-          </a:p>
-          <a:p>
-            <a:endParaRPr lang="en-US" dirty="0"/>
-          </a:p>
-          <a:p>
-            <a:endParaRPr lang="en-US" dirty="0"/>
-          </a:p>
-        </p:txBody>
-      </p:sp>
-    </p:spTree>
-    <p:extLst>
-      <p:ext uri="{BB962C8B-B14F-4D97-AF65-F5344CB8AC3E}">
-        <p14:creationId xmlns:p14="http://schemas.microsoft.com/office/powerpoint/2010/main" val="1104153273"/>
-      </p:ext>
-    </p:extLst>
-  </p:cSld>
-  <p:clrMapOvr>
-    <a:masterClrMapping/>
-  </p:clrMapOvr>
-  <p:transition spd="med"/>
-</p:sld>
-</file>
-
-<file path=ppt/slides/slide3.xml><?xml version="1.0" encoding="utf-8"?>
-<p:sld xmlns:a="http://schemas.openxmlformats.org/drawingml/2006/main" xmlns:r="http://schemas.openxmlformats.org/officeDocument/2006/relationships" xmlns:p="http://schemas.openxmlformats.org/presentationml/2006/main">
-  <p:cSld>
-    <p:spTree>
-      <p:nvGrpSpPr>
-        <p:cNvPr id="1" name=""/>
-        <p:cNvGrpSpPr/>
-        <p:nvPr/>
-      </p:nvGrpSpPr>
-      <p:grpSpPr>
-        <a:xfrm>
-          <a:off x="0" y="0"/>
-          <a:ext cx="0" cy="0"/>
-          <a:chOff x="0" y="0"/>
-          <a:chExt cx="0" cy="0"/>
-        </a:xfrm>
-      </p:grpSpPr>
-      <p:sp>
-        <p:nvSpPr>
-          <p:cNvPr id="2" name="Title 1">
-            <a:extLst>
-              <a:ext uri="{FF2B5EF4-FFF2-40B4-BE49-F238E27FC236}">
-                <a16:creationId xmlns:a16="http://schemas.microsoft.com/office/drawing/2014/main" id="{9D77890C-3842-B513-4AB4-DD45C2A2C6E1}"/>
-              </a:ext>
-            </a:extLst>
-          </p:cNvPr>
-          <p:cNvSpPr>
-            <a:spLocks noGrp="1"/>
-          </p:cNvSpPr>
-          <p:nvPr>
-            <p:ph type="title"/>
-          </p:nvPr>
-        </p:nvSpPr>
-        <p:spPr/>
-        <p:txBody>
-          <a:bodyPr/>
-          <a:lstStyle/>
-          <a:p>
-            <a:r>
-              <a:rPr lang="en-CA" dirty="0"/>
-              <a:t>Overview</a:t>
-            </a:r>
-            <a:endParaRPr lang="en-US" dirty="0"/>
-          </a:p>
-        </p:txBody>
-      </p:sp>
-      <p:pic>
-        <p:nvPicPr>
-          <p:cNvPr id="1026" name="Picture 2" descr="figure 1">
-            <a:extLst>
-              <a:ext uri="{FF2B5EF4-FFF2-40B4-BE49-F238E27FC236}">
-                <a16:creationId xmlns:a16="http://schemas.microsoft.com/office/drawing/2014/main" id="{544CB74C-FAF0-9C1C-8C37-06C122A7255E}"/>
-              </a:ext>
-            </a:extLst>
-          </p:cNvPr>
-          <p:cNvPicPr>
-            <a:picLocks noGrp="1" noChangeAspect="1" noChangeArrowheads="1"/>
-          </p:cNvPicPr>
-          <p:nvPr>
-            <p:ph idx="1"/>
-          </p:nvPr>
-        </p:nvPicPr>
-        <p:blipFill rotWithShape="1">
-          <a:blip r:embed="rId2">
-            <a:extLst>
-              <a:ext uri="{28A0092B-C50C-407E-A947-70E740481C1C}">
-                <a14:useLocalDpi xmlns:a14="http://schemas.microsoft.com/office/drawing/2010/main" val="0"/>
-              </a:ext>
-            </a:extLst>
-          </a:blip>
-          <a:srcRect t="2104" b="65440"/>
-          <a:stretch/>
-        </p:blipFill>
-        <p:spPr bwMode="auto">
-          <a:xfrm>
-            <a:off x="1013007" y="2132856"/>
-            <a:ext cx="10064386" cy="4320480"/>
-          </a:xfrm>
-          <a:prstGeom prst="rect">
-            <a:avLst/>
-          </a:prstGeom>
-          <a:noFill/>
-          <a:extLst>
-            <a:ext uri="{909E8E84-426E-40DD-AFC4-6F175D3DCCD1}">
-              <a14:hiddenFill xmlns:a14="http://schemas.microsoft.com/office/drawing/2010/main">
-                <a:solidFill>
-                  <a:srgbClr val="FFFFFF"/>
-                </a:solidFill>
-              </a14:hiddenFill>
-            </a:ext>
-          </a:extLst>
-        </p:spPr>
-      </p:pic>
-      <p:sp>
-        <p:nvSpPr>
-          <p:cNvPr id="6" name="TextBox 5">
-            <a:extLst>
-              <a:ext uri="{FF2B5EF4-FFF2-40B4-BE49-F238E27FC236}">
-                <a16:creationId xmlns:a16="http://schemas.microsoft.com/office/drawing/2014/main" id="{77D91864-F331-DD23-78C4-5B2E27C1EBEA}"/>
-              </a:ext>
-            </a:extLst>
-          </p:cNvPr>
-          <p:cNvSpPr txBox="1"/>
-          <p:nvPr/>
-        </p:nvSpPr>
-        <p:spPr>
-          <a:xfrm>
-            <a:off x="1781501" y="1642735"/>
-            <a:ext cx="1141659" cy="461665"/>
-          </a:xfrm>
-          <a:prstGeom prst="rect">
-            <a:avLst/>
-          </a:prstGeom>
-          <a:noFill/>
-        </p:spPr>
-        <p:txBody>
-          <a:bodyPr wrap="none" rtlCol="0">
-            <a:spAutoFit/>
-          </a:bodyPr>
-          <a:lstStyle/>
-          <a:p>
-            <a:r>
-              <a:rPr lang="en-CA" dirty="0" err="1">
-                <a:latin typeface="+mn-lt"/>
-              </a:rPr>
-              <a:t>eGTEx</a:t>
-            </a:r>
-            <a:endParaRPr lang="en-US" dirty="0">
-              <a:latin typeface="+mn-lt"/>
-            </a:endParaRPr>
-          </a:p>
-        </p:txBody>
-      </p:sp>
-      <p:sp>
-        <p:nvSpPr>
-          <p:cNvPr id="7" name="TextBox 6">
-            <a:extLst>
-              <a:ext uri="{FF2B5EF4-FFF2-40B4-BE49-F238E27FC236}">
-                <a16:creationId xmlns:a16="http://schemas.microsoft.com/office/drawing/2014/main" id="{AFB78CED-34EF-2CD1-BE70-54F9D60F6F0F}"/>
-              </a:ext>
-            </a:extLst>
-          </p:cNvPr>
-          <p:cNvSpPr txBox="1"/>
-          <p:nvPr/>
-        </p:nvSpPr>
-        <p:spPr>
-          <a:xfrm>
-            <a:off x="2923160" y="1058341"/>
-            <a:ext cx="5347939" cy="1077218"/>
-          </a:xfrm>
-          <a:prstGeom prst="rect">
-            <a:avLst/>
-          </a:prstGeom>
-          <a:noFill/>
-        </p:spPr>
-        <p:txBody>
-          <a:bodyPr wrap="none" rtlCol="0">
-            <a:spAutoFit/>
-          </a:bodyPr>
-          <a:lstStyle/>
-          <a:p>
-            <a:pPr algn="l"/>
-            <a:r>
-              <a:rPr lang="en-CA" sz="1600" dirty="0">
-                <a:latin typeface="+mn-lt"/>
-              </a:rPr>
-              <a:t>424 donors</a:t>
-            </a:r>
-            <a:endParaRPr lang="en-US" sz="1600" dirty="0">
-              <a:latin typeface="+mn-lt"/>
-            </a:endParaRPr>
-          </a:p>
-          <a:p>
-            <a:pPr algn="l"/>
-            <a:r>
-              <a:rPr lang="en-US" sz="1600" dirty="0">
-                <a:latin typeface="+mn-lt"/>
-              </a:rPr>
-              <a:t>987 samples with </a:t>
-            </a:r>
-            <a:r>
-              <a:rPr lang="en-US" sz="1600" dirty="0" err="1">
-                <a:latin typeface="+mn-lt"/>
-              </a:rPr>
-              <a:t>DNAm</a:t>
-            </a:r>
-            <a:endParaRPr lang="en-US" sz="1600" dirty="0">
-              <a:latin typeface="+mn-lt"/>
-            </a:endParaRPr>
-          </a:p>
-          <a:p>
-            <a:pPr algn="l"/>
-            <a:r>
-              <a:rPr lang="en-US" sz="1600" dirty="0">
-                <a:latin typeface="+mn-lt"/>
-              </a:rPr>
-              <a:t>3872 samples with gene expression</a:t>
-            </a:r>
-          </a:p>
-          <a:p>
-            <a:pPr algn="l"/>
-            <a:r>
-              <a:rPr lang="en-US" sz="1600" dirty="0">
-                <a:latin typeface="+mn-lt"/>
-              </a:rPr>
-              <a:t>495 samples with </a:t>
-            </a:r>
-            <a:r>
-              <a:rPr lang="en-US" sz="1600" dirty="0" err="1">
-                <a:latin typeface="+mn-lt"/>
-              </a:rPr>
-              <a:t>DNAm</a:t>
-            </a:r>
-            <a:r>
-              <a:rPr lang="en-US" sz="1600" dirty="0">
-                <a:latin typeface="+mn-lt"/>
-              </a:rPr>
-              <a:t>, gene expression and genotype</a:t>
-            </a:r>
-            <a:endParaRPr lang="en-CA" sz="1600" dirty="0">
-              <a:latin typeface="+mn-lt"/>
-            </a:endParaRPr>
-          </a:p>
-        </p:txBody>
-      </p:sp>
-      <p:sp>
-        <p:nvSpPr>
-          <p:cNvPr id="9" name="Rectangle 8">
-            <a:extLst>
-              <a:ext uri="{FF2B5EF4-FFF2-40B4-BE49-F238E27FC236}">
-                <a16:creationId xmlns:a16="http://schemas.microsoft.com/office/drawing/2014/main" id="{E95024B9-AD05-8567-B913-88B9B973B258}"/>
-              </a:ext>
-            </a:extLst>
-          </p:cNvPr>
-          <p:cNvSpPr/>
-          <p:nvPr/>
-        </p:nvSpPr>
-        <p:spPr bwMode="auto">
-          <a:xfrm>
-            <a:off x="3791745" y="3068960"/>
-            <a:ext cx="1872208" cy="3328990"/>
-          </a:xfrm>
-          <a:prstGeom prst="rect">
-            <a:avLst/>
-          </a:prstGeom>
-          <a:solidFill>
-            <a:schemeClr val="bg1">
-              <a:lumMod val="75000"/>
-              <a:alpha val="67000"/>
-            </a:schemeClr>
-          </a:solidFill>
-          <a:ln w="50800" cap="flat" cmpd="sng" algn="ctr">
-            <a:noFill/>
-            <a:prstDash val="solid"/>
-            <a:round/>
-            <a:headEnd type="none" w="med" len="med"/>
-            <a:tailEnd type="none" w="med" len="med"/>
-          </a:ln>
-          <a:effectLst/>
-        </p:spPr>
-        <p:txBody>
-          <a:bodyPr vert="horz" wrap="none" lIns="91440" tIns="45720" rIns="91440" bIns="45720" numCol="1" rtlCol="0" anchor="ctr" anchorCtr="0" compatLnSpc="1">
-            <a:prstTxWarp prst="textNoShape">
-              <a:avLst/>
-            </a:prstTxWarp>
-          </a:bodyPr>
-          <a:lstStyle/>
-          <a:p>
-            <a:pPr marL="0" marR="0" indent="0" algn="ctr" defTabSz="914400" rtl="0" eaLnBrk="0" fontAlgn="base" latinLnBrk="0" hangingPunct="0">
-              <a:lnSpc>
-                <a:spcPct val="100000"/>
-              </a:lnSpc>
-              <a:spcBef>
-                <a:spcPct val="0"/>
-              </a:spcBef>
-              <a:spcAft>
-                <a:spcPct val="0"/>
-              </a:spcAft>
-              <a:buClrTx/>
-              <a:buSzTx/>
-              <a:buFontTx/>
-              <a:buNone/>
-              <a:tabLst/>
-            </a:pPr>
-            <a:endParaRPr kumimoji="0" lang="en-US" sz="2400" b="0" i="0" u="none" strike="noStrike" cap="none" normalizeH="0" baseline="0">
-              <a:ln>
-                <a:noFill/>
-              </a:ln>
-              <a:solidFill>
-                <a:schemeClr val="tx1"/>
-              </a:solidFill>
-              <a:effectLst/>
-              <a:latin typeface="Times" pitchFamily="-1" charset="0"/>
-            </a:endParaRPr>
-          </a:p>
-        </p:txBody>
-      </p:sp>
-      <p:sp>
-        <p:nvSpPr>
-          <p:cNvPr id="10" name="Rectangle 9">
-            <a:extLst>
-              <a:ext uri="{FF2B5EF4-FFF2-40B4-BE49-F238E27FC236}">
-                <a16:creationId xmlns:a16="http://schemas.microsoft.com/office/drawing/2014/main" id="{90FCFD7C-AEF2-8614-2004-2B4D75748EA5}"/>
-              </a:ext>
-            </a:extLst>
-          </p:cNvPr>
-          <p:cNvSpPr/>
-          <p:nvPr/>
-        </p:nvSpPr>
-        <p:spPr bwMode="auto">
-          <a:xfrm>
-            <a:off x="5663953" y="2132856"/>
-            <a:ext cx="1512167" cy="4265094"/>
-          </a:xfrm>
-          <a:prstGeom prst="rect">
-            <a:avLst/>
-          </a:prstGeom>
-          <a:solidFill>
-            <a:schemeClr val="bg1">
-              <a:lumMod val="75000"/>
-              <a:alpha val="67000"/>
-            </a:schemeClr>
-          </a:solidFill>
-          <a:ln w="50800" cap="flat" cmpd="sng" algn="ctr">
-            <a:noFill/>
-            <a:prstDash val="solid"/>
-            <a:round/>
-            <a:headEnd type="none" w="med" len="med"/>
-            <a:tailEnd type="none" w="med" len="med"/>
-          </a:ln>
-          <a:effectLst/>
-        </p:spPr>
-        <p:txBody>
-          <a:bodyPr vert="horz" wrap="none" lIns="91440" tIns="45720" rIns="91440" bIns="45720" numCol="1" rtlCol="0" anchor="ctr" anchorCtr="0" compatLnSpc="1">
-            <a:prstTxWarp prst="textNoShape">
-              <a:avLst/>
-            </a:prstTxWarp>
-          </a:bodyPr>
-          <a:lstStyle/>
-          <a:p>
-            <a:pPr marL="0" marR="0" indent="0" algn="ctr" defTabSz="914400" rtl="0" eaLnBrk="0" fontAlgn="base" latinLnBrk="0" hangingPunct="0">
-              <a:lnSpc>
-                <a:spcPct val="100000"/>
-              </a:lnSpc>
-              <a:spcBef>
-                <a:spcPct val="0"/>
-              </a:spcBef>
-              <a:spcAft>
-                <a:spcPct val="0"/>
-              </a:spcAft>
-              <a:buClrTx/>
-              <a:buSzTx/>
-              <a:buFontTx/>
-              <a:buNone/>
-              <a:tabLst/>
-            </a:pPr>
-            <a:endParaRPr kumimoji="0" lang="en-US" sz="2400" b="0" i="0" u="none" strike="noStrike" cap="none" normalizeH="0" baseline="0">
-              <a:ln>
-                <a:noFill/>
-              </a:ln>
-              <a:solidFill>
-                <a:schemeClr val="tx1"/>
-              </a:solidFill>
-              <a:effectLst/>
-              <a:latin typeface="Times" pitchFamily="-1" charset="0"/>
-            </a:endParaRPr>
-          </a:p>
-        </p:txBody>
-      </p:sp>
-      <p:sp>
-        <p:nvSpPr>
-          <p:cNvPr id="11" name="Rectangle 10">
-            <a:extLst>
-              <a:ext uri="{FF2B5EF4-FFF2-40B4-BE49-F238E27FC236}">
-                <a16:creationId xmlns:a16="http://schemas.microsoft.com/office/drawing/2014/main" id="{E09AC918-E553-CC9F-6A5D-833C23E85A56}"/>
-              </a:ext>
-            </a:extLst>
-          </p:cNvPr>
-          <p:cNvSpPr/>
-          <p:nvPr/>
-        </p:nvSpPr>
-        <p:spPr bwMode="auto">
-          <a:xfrm>
-            <a:off x="7176121" y="2132856"/>
-            <a:ext cx="2016224" cy="4265094"/>
-          </a:xfrm>
-          <a:prstGeom prst="rect">
-            <a:avLst/>
-          </a:prstGeom>
-          <a:solidFill>
-            <a:schemeClr val="bg1">
-              <a:lumMod val="75000"/>
-              <a:alpha val="67000"/>
-            </a:schemeClr>
-          </a:solidFill>
-          <a:ln w="50800" cap="flat" cmpd="sng" algn="ctr">
-            <a:noFill/>
-            <a:prstDash val="solid"/>
-            <a:round/>
-            <a:headEnd type="none" w="med" len="med"/>
-            <a:tailEnd type="none" w="med" len="med"/>
-          </a:ln>
-          <a:effectLst/>
-        </p:spPr>
-        <p:txBody>
-          <a:bodyPr vert="horz" wrap="none" lIns="91440" tIns="45720" rIns="91440" bIns="45720" numCol="1" rtlCol="0" anchor="ctr" anchorCtr="0" compatLnSpc="1">
-            <a:prstTxWarp prst="textNoShape">
-              <a:avLst/>
-            </a:prstTxWarp>
-          </a:bodyPr>
-          <a:lstStyle/>
-          <a:p>
-            <a:pPr marL="0" marR="0" indent="0" algn="ctr" defTabSz="914400" rtl="0" eaLnBrk="0" fontAlgn="base" latinLnBrk="0" hangingPunct="0">
-              <a:lnSpc>
-                <a:spcPct val="100000"/>
-              </a:lnSpc>
-              <a:spcBef>
-                <a:spcPct val="0"/>
-              </a:spcBef>
-              <a:spcAft>
-                <a:spcPct val="0"/>
-              </a:spcAft>
-              <a:buClrTx/>
-              <a:buSzTx/>
-              <a:buFontTx/>
-              <a:buNone/>
-              <a:tabLst/>
-            </a:pPr>
-            <a:endParaRPr kumimoji="0" lang="en-US" sz="2400" b="0" i="0" u="none" strike="noStrike" cap="none" normalizeH="0" baseline="0">
-              <a:ln>
-                <a:noFill/>
-              </a:ln>
-              <a:solidFill>
-                <a:schemeClr val="tx1"/>
-              </a:solidFill>
-              <a:effectLst/>
-              <a:latin typeface="Times" pitchFamily="-1" charset="0"/>
-            </a:endParaRPr>
-          </a:p>
-        </p:txBody>
-      </p:sp>
-      <p:sp>
-        <p:nvSpPr>
-          <p:cNvPr id="12" name="Rectangle 11">
-            <a:extLst>
-              <a:ext uri="{FF2B5EF4-FFF2-40B4-BE49-F238E27FC236}">
-                <a16:creationId xmlns:a16="http://schemas.microsoft.com/office/drawing/2014/main" id="{748DE842-E823-27B6-2C07-90D3465073CF}"/>
-              </a:ext>
-            </a:extLst>
-          </p:cNvPr>
-          <p:cNvSpPr/>
-          <p:nvPr/>
-        </p:nvSpPr>
-        <p:spPr bwMode="auto">
-          <a:xfrm>
-            <a:off x="9192345" y="2132856"/>
-            <a:ext cx="2016224" cy="4265094"/>
-          </a:xfrm>
-          <a:prstGeom prst="rect">
-            <a:avLst/>
-          </a:prstGeom>
-          <a:solidFill>
-            <a:schemeClr val="bg1">
-              <a:lumMod val="75000"/>
-              <a:alpha val="67000"/>
-            </a:schemeClr>
-          </a:solidFill>
-          <a:ln w="50800" cap="flat" cmpd="sng" algn="ctr">
-            <a:noFill/>
-            <a:prstDash val="solid"/>
-            <a:round/>
-            <a:headEnd type="none" w="med" len="med"/>
-            <a:tailEnd type="none" w="med" len="med"/>
-          </a:ln>
-          <a:effectLst/>
-        </p:spPr>
-        <p:txBody>
-          <a:bodyPr vert="horz" wrap="none" lIns="91440" tIns="45720" rIns="91440" bIns="45720" numCol="1" rtlCol="0" anchor="ctr" anchorCtr="0" compatLnSpc="1">
-            <a:prstTxWarp prst="textNoShape">
-              <a:avLst/>
-            </a:prstTxWarp>
-          </a:bodyPr>
-          <a:lstStyle/>
-          <a:p>
-            <a:pPr marL="0" marR="0" indent="0" algn="ctr" defTabSz="914400" rtl="0" eaLnBrk="0" fontAlgn="base" latinLnBrk="0" hangingPunct="0">
-              <a:lnSpc>
-                <a:spcPct val="100000"/>
-              </a:lnSpc>
-              <a:spcBef>
-                <a:spcPct val="0"/>
-              </a:spcBef>
-              <a:spcAft>
-                <a:spcPct val="0"/>
-              </a:spcAft>
-              <a:buClrTx/>
-              <a:buSzTx/>
-              <a:buFontTx/>
-              <a:buNone/>
-              <a:tabLst/>
-            </a:pPr>
-            <a:endParaRPr kumimoji="0" lang="en-US" sz="2400" b="0" i="0" u="none" strike="noStrike" cap="none" normalizeH="0" baseline="0">
-              <a:ln>
-                <a:noFill/>
-              </a:ln>
-              <a:solidFill>
-                <a:schemeClr val="tx1"/>
-              </a:solidFill>
-              <a:effectLst/>
-              <a:latin typeface="Times" pitchFamily="-1" charset="0"/>
-            </a:endParaRPr>
-          </a:p>
-        </p:txBody>
-      </p:sp>
-      <p:sp>
-        <p:nvSpPr>
-          <p:cNvPr id="13" name="Rectangle 12">
-            <a:extLst>
-              <a:ext uri="{FF2B5EF4-FFF2-40B4-BE49-F238E27FC236}">
-                <a16:creationId xmlns:a16="http://schemas.microsoft.com/office/drawing/2014/main" id="{B5E08974-A4A8-7261-A62A-F2E53A319957}"/>
-              </a:ext>
-            </a:extLst>
-          </p:cNvPr>
-          <p:cNvSpPr/>
-          <p:nvPr/>
-        </p:nvSpPr>
-        <p:spPr bwMode="auto">
-          <a:xfrm>
-            <a:off x="881831" y="2132856"/>
-            <a:ext cx="2941001" cy="4265094"/>
-          </a:xfrm>
-          <a:prstGeom prst="rect">
-            <a:avLst/>
-          </a:prstGeom>
-          <a:solidFill>
-            <a:schemeClr val="bg1">
-              <a:lumMod val="75000"/>
-              <a:alpha val="67000"/>
-            </a:schemeClr>
-          </a:solidFill>
-          <a:ln w="50800" cap="flat" cmpd="sng" algn="ctr">
-            <a:noFill/>
-            <a:prstDash val="solid"/>
-            <a:round/>
-            <a:headEnd type="none" w="med" len="med"/>
-            <a:tailEnd type="none" w="med" len="med"/>
-          </a:ln>
-          <a:effectLst/>
-        </p:spPr>
-        <p:txBody>
-          <a:bodyPr vert="horz" wrap="none" lIns="91440" tIns="45720" rIns="91440" bIns="45720" numCol="1" rtlCol="0" anchor="ctr" anchorCtr="0" compatLnSpc="1">
-            <a:prstTxWarp prst="textNoShape">
-              <a:avLst/>
-            </a:prstTxWarp>
-          </a:bodyPr>
-          <a:lstStyle/>
-          <a:p>
-            <a:pPr marL="0" marR="0" indent="0" algn="ctr" defTabSz="914400" rtl="0" eaLnBrk="0" fontAlgn="base" latinLnBrk="0" hangingPunct="0">
-              <a:lnSpc>
-                <a:spcPct val="100000"/>
-              </a:lnSpc>
-              <a:spcBef>
-                <a:spcPct val="0"/>
-              </a:spcBef>
-              <a:spcAft>
-                <a:spcPct val="0"/>
-              </a:spcAft>
-              <a:buClrTx/>
-              <a:buSzTx/>
-              <a:buFontTx/>
-              <a:buNone/>
-              <a:tabLst/>
-            </a:pPr>
-            <a:endParaRPr kumimoji="0" lang="en-US" sz="2400" b="0" i="0" u="none" strike="noStrike" cap="none" normalizeH="0" baseline="0">
-              <a:ln>
-                <a:noFill/>
-              </a:ln>
-              <a:solidFill>
-                <a:schemeClr val="tx1"/>
-              </a:solidFill>
-              <a:effectLst/>
-              <a:latin typeface="Times" pitchFamily="-1" charset="0"/>
-            </a:endParaRPr>
-          </a:p>
-        </p:txBody>
-      </p:sp>
-      <p:sp>
-        <p:nvSpPr>
-          <p:cNvPr id="14" name="Rectangle 13">
-            <a:extLst>
-              <a:ext uri="{FF2B5EF4-FFF2-40B4-BE49-F238E27FC236}">
-                <a16:creationId xmlns:a16="http://schemas.microsoft.com/office/drawing/2014/main" id="{C85B5A12-6E99-CB92-348A-413E2EC5DC5D}"/>
-              </a:ext>
-            </a:extLst>
-          </p:cNvPr>
-          <p:cNvSpPr/>
-          <p:nvPr/>
-        </p:nvSpPr>
-        <p:spPr bwMode="auto">
-          <a:xfrm>
-            <a:off x="3791744" y="2132856"/>
-            <a:ext cx="1872208" cy="936104"/>
-          </a:xfrm>
-          <a:prstGeom prst="rect">
-            <a:avLst/>
-          </a:prstGeom>
-          <a:solidFill>
-            <a:schemeClr val="bg1">
-              <a:lumMod val="75000"/>
-              <a:alpha val="67000"/>
-            </a:schemeClr>
-          </a:solidFill>
-          <a:ln w="50800" cap="flat" cmpd="sng" algn="ctr">
-            <a:noFill/>
-            <a:prstDash val="solid"/>
-            <a:round/>
-            <a:headEnd type="none" w="med" len="med"/>
-            <a:tailEnd type="none" w="med" len="med"/>
-          </a:ln>
-          <a:effectLst/>
-        </p:spPr>
-        <p:txBody>
-          <a:bodyPr vert="horz" wrap="none" lIns="91440" tIns="45720" rIns="91440" bIns="45720" numCol="1" rtlCol="0" anchor="ctr" anchorCtr="0" compatLnSpc="1">
-            <a:prstTxWarp prst="textNoShape">
-              <a:avLst/>
-            </a:prstTxWarp>
-          </a:bodyPr>
-          <a:lstStyle/>
-          <a:p>
-            <a:pPr marL="0" marR="0" indent="0" algn="ctr" defTabSz="914400" rtl="0" eaLnBrk="0" fontAlgn="base" latinLnBrk="0" hangingPunct="0">
-              <a:lnSpc>
-                <a:spcPct val="100000"/>
-              </a:lnSpc>
-              <a:spcBef>
-                <a:spcPct val="0"/>
-              </a:spcBef>
-              <a:spcAft>
-                <a:spcPct val="0"/>
-              </a:spcAft>
-              <a:buClrTx/>
-              <a:buSzTx/>
-              <a:buFontTx/>
-              <a:buNone/>
-              <a:tabLst/>
-            </a:pPr>
-            <a:endParaRPr kumimoji="0" lang="en-US" sz="2400" b="0" i="0" u="none" strike="noStrike" cap="none" normalizeH="0" baseline="0">
-              <a:ln>
-                <a:noFill/>
-              </a:ln>
-              <a:solidFill>
-                <a:schemeClr val="tx1"/>
-              </a:solidFill>
-              <a:effectLst/>
-              <a:latin typeface="Times" pitchFamily="-1" charset="0"/>
-            </a:endParaRPr>
-          </a:p>
-        </p:txBody>
-      </p:sp>
-    </p:spTree>
-    <p:extLst>
-      <p:ext uri="{BB962C8B-B14F-4D97-AF65-F5344CB8AC3E}">
-        <p14:creationId xmlns:p14="http://schemas.microsoft.com/office/powerpoint/2010/main" val="2245850496"/>
-      </p:ext>
-    </p:extLst>
-  </p:cSld>
-  <p:clrMapOvr>
-    <a:masterClrMapping/>
-  </p:clrMapOvr>
-  <p:transition spd="med"/>
-  <p:timing>
-    <p:tnLst>
-      <p:par>
-        <p:cTn id="1" dur="indefinite" restart="never" nodeType="tmRoot">
-          <p:childTnLst>
-            <p:seq concurrent="1" nextAc="seek">
-              <p:cTn id="2" dur="indefinite" nodeType="mainSeq">
-                <p:childTnLst>
-                  <p:par>
-                    <p:cTn id="3" fill="hold">
-                      <p:stCondLst>
-                        <p:cond delay="indefinite"/>
-                      </p:stCondLst>
-                      <p:childTnLst>
-                        <p:par>
-                          <p:cTn id="4" fill="hold">
-                            <p:stCondLst>
-                              <p:cond delay="0"/>
-                            </p:stCondLst>
-                            <p:childTnLst>
                               <p:par>
-                                <p:cTn id="5" presetID="1" presetClass="entr" presetSubtype="0" fill="hold" grpId="0" nodeType="clickEffect">
-                                  <p:stCondLst>
-                                    <p:cond delay="0"/>
-                                  </p:stCondLst>
-                                  <p:childTnLst>
-                                    <p:set>
-                                      <p:cBhvr>
-                                        <p:cTn id="6" dur="1" fill="hold">
-                                          <p:stCondLst>
-                                            <p:cond delay="0"/>
-                                          </p:stCondLst>
-                                        </p:cTn>
-                                        <p:tgtEl>
-                                          <p:spTgt spid="6"/>
-                                        </p:tgtEl>
-                                        <p:attrNameLst>
-                                          <p:attrName>style.visibility</p:attrName>
-                                        </p:attrNameLst>
-                                      </p:cBhvr>
-                                      <p:to>
-                                        <p:strVal val="visible"/>
-                                      </p:to>
-                                    </p:set>
-                                  </p:childTnLst>
-                                </p:cTn>
-                              </p:par>
-                              <p:par>
-                                <p:cTn id="7" presetID="1" presetClass="exit" presetSubtype="0" fill="hold" grpId="0" nodeType="withEffect">
-                                  <p:stCondLst>
-                                    <p:cond delay="0"/>
-                                  </p:stCondLst>
-                                  <p:childTnLst>
-                                    <p:set>
-                                      <p:cBhvr>
-                                        <p:cTn id="8" dur="1" fill="hold">
-                                          <p:stCondLst>
-                                            <p:cond delay="0"/>
-                                          </p:stCondLst>
-                                        </p:cTn>
-                                        <p:tgtEl>
-                                          <p:spTgt spid="13"/>
-                                        </p:tgtEl>
-                                        <p:attrNameLst>
-                                          <p:attrName>style.visibility</p:attrName>
-                                        </p:attrNameLst>
-                                      </p:cBhvr>
-                                      <p:to>
-                                        <p:strVal val="hidden"/>
-                                      </p:to>
-                                    </p:set>
-                                  </p:childTnLst>
-                                </p:cTn>
-                              </p:par>
-                              <p:par>
-                                <p:cTn id="9" presetID="1" presetClass="exit" presetSubtype="0" fill="hold" grpId="0" nodeType="withEffect">
-                                  <p:stCondLst>
-                                    <p:cond delay="0"/>
-                                  </p:stCondLst>
-                                  <p:childTnLst>
-                                    <p:set>
-                                      <p:cBhvr>
-                                        <p:cTn id="10" dur="1" fill="hold">
-                                          <p:stCondLst>
-                                            <p:cond delay="0"/>
-                                          </p:stCondLst>
-                                        </p:cTn>
-                                        <p:tgtEl>
-                                          <p:spTgt spid="9"/>
-                                        </p:tgtEl>
-                                        <p:attrNameLst>
-                                          <p:attrName>style.visibility</p:attrName>
-                                        </p:attrNameLst>
-                                      </p:cBhvr>
-                                      <p:to>
-                                        <p:strVal val="hidden"/>
-                                      </p:to>
-                                    </p:set>
-                                  </p:childTnLst>
-                                </p:cTn>
-                              </p:par>
-                            </p:childTnLst>
-                          </p:cTn>
-                        </p:par>
-                      </p:childTnLst>
-                    </p:cTn>
-                  </p:par>
-                  <p:par>
-                    <p:cTn id="11" fill="hold">
-                      <p:stCondLst>
-                        <p:cond delay="indefinite"/>
-                      </p:stCondLst>
-                      <p:childTnLst>
-                        <p:par>
-                          <p:cTn id="12" fill="hold">
-                            <p:stCondLst>
-                              <p:cond delay="0"/>
-                            </p:stCondLst>
-                            <p:childTnLst>
-                              <p:par>
-                                <p:cTn id="13" presetID="1" presetClass="entr" presetSubtype="0" fill="hold" nodeType="clickEffect">
-                                  <p:stCondLst>
-                                    <p:cond delay="0"/>
-                                  </p:stCondLst>
-                                  <p:childTnLst>
-                                    <p:set>
-                                      <p:cBhvr>
-                                        <p:cTn id="14" dur="1" fill="hold">
-                                          <p:stCondLst>
-                                            <p:cond delay="0"/>
-                                          </p:stCondLst>
-                                        </p:cTn>
-                                        <p:tgtEl>
-                                          <p:spTgt spid="7">
-                                            <p:txEl>
-                                              <p:pRg st="0" end="0"/>
-                                            </p:txEl>
-                                          </p:spTgt>
-                                        </p:tgtEl>
-                                        <p:attrNameLst>
-                                          <p:attrName>style.visibility</p:attrName>
-                                        </p:attrNameLst>
-                                      </p:cBhvr>
-                                      <p:to>
-                                        <p:strVal val="visible"/>
-                                      </p:to>
-                                    </p:set>
-                                  </p:childTnLst>
-                                </p:cTn>
-                              </p:par>
-                            </p:childTnLst>
-                          </p:cTn>
-                        </p:par>
-                      </p:childTnLst>
-                    </p:cTn>
-                  </p:par>
-                  <p:par>
-                    <p:cTn id="15" fill="hold">
-                      <p:stCondLst>
-                        <p:cond delay="indefinite"/>
-                      </p:stCondLst>
-                      <p:childTnLst>
-                        <p:par>
-                          <p:cTn id="16" fill="hold">
-                            <p:stCondLst>
-                              <p:cond delay="0"/>
-                            </p:stCondLst>
-                            <p:childTnLst>
-                              <p:par>
-                                <p:cTn id="17" presetID="1" presetClass="entr" presetSubtype="0" fill="hold" nodeType="clickEffect">
-                                  <p:stCondLst>
-                                    <p:cond delay="0"/>
-                                  </p:stCondLst>
-                                  <p:childTnLst>
-                                    <p:set>
-                                      <p:cBhvr>
-                                        <p:cTn id="18" dur="1" fill="hold">
-                                          <p:stCondLst>
-                                            <p:cond delay="0"/>
-                                          </p:stCondLst>
-                                        </p:cTn>
-                                        <p:tgtEl>
-                                          <p:spTgt spid="7">
-                                            <p:txEl>
-                                              <p:pRg st="1" end="1"/>
-                                            </p:txEl>
-                                          </p:spTgt>
-                                        </p:tgtEl>
-                                        <p:attrNameLst>
-                                          <p:attrName>style.visibility</p:attrName>
-                                        </p:attrNameLst>
-                                      </p:cBhvr>
-                                      <p:to>
-                                        <p:strVal val="visible"/>
-                                      </p:to>
-                                    </p:set>
-                                  </p:childTnLst>
-                                </p:cTn>
-                              </p:par>
-                            </p:childTnLst>
-                          </p:cTn>
-                        </p:par>
-                      </p:childTnLst>
-                    </p:cTn>
-                  </p:par>
-                  <p:par>
-                    <p:cTn id="19" fill="hold">
-                      <p:stCondLst>
-                        <p:cond delay="indefinite"/>
-                      </p:stCondLst>
-                      <p:childTnLst>
-                        <p:par>
-                          <p:cTn id="20" fill="hold">
-                            <p:stCondLst>
-                              <p:cond delay="0"/>
-                            </p:stCondLst>
-                            <p:childTnLst>
-                              <p:par>
-                                <p:cTn id="21" presetID="1" presetClass="entr" presetSubtype="0" fill="hold" nodeType="clickEffect">
+                                <p:cTn id="21" presetID="1" presetClass="entr" presetSubtype="0" fill="hold" nodeType="withEffect">
                                   <p:stCondLst>
                                     <p:cond delay="0"/>
                                   </p:stCondLst>
@@ -11443,9 +10972,9 @@
                                           </p:stCondLst>
                                         </p:cTn>
                                         <p:tgtEl>
-                                          <p:spTgt spid="7">
+                                          <p:spTgt spid="3">
                                             <p:txEl>
-                                              <p:pRg st="2" end="2"/>
+                                              <p:pRg st="6" end="6"/>
                                             </p:txEl>
                                           </p:spTgt>
                                         </p:tgtEl>
@@ -11492,9 +11021,9 @@
                                           </p:stCondLst>
                                         </p:cTn>
                                         <p:tgtEl>
-                                          <p:spTgt spid="7">
+                                          <p:spTgt spid="3">
                                             <p:txEl>
-                                              <p:pRg st="3" end="3"/>
+                                              <p:pRg st="7" end="7"/>
                                             </p:txEl>
                                           </p:spTgt>
                                         </p:tgtEl>
@@ -11509,650 +11038,25 @@
                                   </p:childTnLst>
                                 </p:cTn>
                               </p:par>
-                            </p:childTnLst>
-                          </p:cTn>
-                        </p:par>
-                      </p:childTnLst>
-                    </p:cTn>
-                  </p:par>
-                  <p:par>
-                    <p:cTn id="27" fill="hold">
-                      <p:stCondLst>
-                        <p:cond delay="indefinite"/>
-                      </p:stCondLst>
-                      <p:childTnLst>
-                        <p:par>
-                          <p:cTn id="28" fill="hold">
-                            <p:stCondLst>
-                              <p:cond delay="0"/>
-                            </p:stCondLst>
-                            <p:childTnLst>
                               <p:par>
-                                <p:cTn id="29" presetID="1" presetClass="exit" presetSubtype="0" fill="hold" grpId="0" nodeType="clickEffect">
+                                <p:cTn id="27" presetID="1" presetClass="entr" presetSubtype="0" fill="hold" nodeType="withEffect">
                                   <p:stCondLst>
                                     <p:cond delay="0"/>
                                   </p:stCondLst>
                                   <p:childTnLst>
                                     <p:set>
                                       <p:cBhvr>
-                                        <p:cTn id="30" dur="1" fill="hold">
+                                        <p:cTn id="28" dur="1" fill="hold">
                                           <p:stCondLst>
                                             <p:cond delay="0"/>
                                           </p:stCondLst>
                                         </p:cTn>
                                         <p:tgtEl>
-                                          <p:spTgt spid="10"/>
-                                        </p:tgtEl>
-                                        <p:attrNameLst>
-                                          <p:attrName>style.visibility</p:attrName>
-                                        </p:attrNameLst>
-                                      </p:cBhvr>
-                                      <p:to>
-                                        <p:strVal val="hidden"/>
-                                      </p:to>
-                                    </p:set>
-                                  </p:childTnLst>
-                                </p:cTn>
-                              </p:par>
-                              <p:par>
-                                <p:cTn id="31" presetID="1" presetClass="exit" presetSubtype="0" fill="hold" grpId="0" nodeType="withEffect">
-                                  <p:stCondLst>
-                                    <p:cond delay="0"/>
-                                  </p:stCondLst>
-                                  <p:childTnLst>
-                                    <p:set>
-                                      <p:cBhvr>
-                                        <p:cTn id="32" dur="1" fill="hold">
-                                          <p:stCondLst>
-                                            <p:cond delay="0"/>
-                                          </p:stCondLst>
-                                        </p:cTn>
-                                        <p:tgtEl>
-                                          <p:spTgt spid="14"/>
-                                        </p:tgtEl>
-                                        <p:attrNameLst>
-                                          <p:attrName>style.visibility</p:attrName>
-                                        </p:attrNameLst>
-                                      </p:cBhvr>
-                                      <p:to>
-                                        <p:strVal val="hidden"/>
-                                      </p:to>
-                                    </p:set>
-                                  </p:childTnLst>
-                                </p:cTn>
-                              </p:par>
-                            </p:childTnLst>
-                          </p:cTn>
-                        </p:par>
-                      </p:childTnLst>
-                    </p:cTn>
-                  </p:par>
-                  <p:par>
-                    <p:cTn id="33" fill="hold">
-                      <p:stCondLst>
-                        <p:cond delay="indefinite"/>
-                      </p:stCondLst>
-                      <p:childTnLst>
-                        <p:par>
-                          <p:cTn id="34" fill="hold">
-                            <p:stCondLst>
-                              <p:cond delay="0"/>
-                            </p:stCondLst>
-                            <p:childTnLst>
-                              <p:par>
-                                <p:cTn id="35" presetID="1" presetClass="exit" presetSubtype="0" fill="hold" grpId="0" nodeType="clickEffect">
-                                  <p:stCondLst>
-                                    <p:cond delay="0"/>
-                                  </p:stCondLst>
-                                  <p:childTnLst>
-                                    <p:set>
-                                      <p:cBhvr>
-                                        <p:cTn id="36" dur="1" fill="hold">
-                                          <p:stCondLst>
-                                            <p:cond delay="0"/>
-                                          </p:stCondLst>
-                                        </p:cTn>
-                                        <p:tgtEl>
-                                          <p:spTgt spid="11"/>
-                                        </p:tgtEl>
-                                        <p:attrNameLst>
-                                          <p:attrName>style.visibility</p:attrName>
-                                        </p:attrNameLst>
-                                      </p:cBhvr>
-                                      <p:to>
-                                        <p:strVal val="hidden"/>
-                                      </p:to>
-                                    </p:set>
-                                  </p:childTnLst>
-                                </p:cTn>
-                              </p:par>
-                            </p:childTnLst>
-                          </p:cTn>
-                        </p:par>
-                      </p:childTnLst>
-                    </p:cTn>
-                  </p:par>
-                  <p:par>
-                    <p:cTn id="37" fill="hold">
-                      <p:stCondLst>
-                        <p:cond delay="indefinite"/>
-                      </p:stCondLst>
-                      <p:childTnLst>
-                        <p:par>
-                          <p:cTn id="38" fill="hold">
-                            <p:stCondLst>
-                              <p:cond delay="0"/>
-                            </p:stCondLst>
-                            <p:childTnLst>
-                              <p:par>
-                                <p:cTn id="39" presetID="1" presetClass="exit" presetSubtype="0" fill="hold" grpId="0" nodeType="clickEffect">
-                                  <p:stCondLst>
-                                    <p:cond delay="0"/>
-                                  </p:stCondLst>
-                                  <p:childTnLst>
-                                    <p:set>
-                                      <p:cBhvr>
-                                        <p:cTn id="40" dur="1" fill="hold">
-                                          <p:stCondLst>
-                                            <p:cond delay="0"/>
-                                          </p:stCondLst>
-                                        </p:cTn>
-                                        <p:tgtEl>
-                                          <p:spTgt spid="12"/>
-                                        </p:tgtEl>
-                                        <p:attrNameLst>
-                                          <p:attrName>style.visibility</p:attrName>
-                                        </p:attrNameLst>
-                                      </p:cBhvr>
-                                      <p:to>
-                                        <p:strVal val="hidden"/>
-                                      </p:to>
-                                    </p:set>
-                                  </p:childTnLst>
-                                </p:cTn>
-                              </p:par>
-                            </p:childTnLst>
-                          </p:cTn>
-                        </p:par>
-                      </p:childTnLst>
-                    </p:cTn>
-                  </p:par>
-                </p:childTnLst>
-              </p:cTn>
-              <p:prevCondLst>
-                <p:cond evt="onPrev" delay="0">
-                  <p:tgtEl>
-                    <p:sldTgt/>
-                  </p:tgtEl>
-                </p:cond>
-              </p:prevCondLst>
-              <p:nextCondLst>
-                <p:cond evt="onNext" delay="0">
-                  <p:tgtEl>
-                    <p:sldTgt/>
-                  </p:tgtEl>
-                </p:cond>
-              </p:nextCondLst>
-            </p:seq>
-          </p:childTnLst>
-        </p:cTn>
-      </p:par>
-    </p:tnLst>
-    <p:bldLst>
-      <p:bldP spid="6" grpId="0"/>
-      <p:bldP spid="9" grpId="0" animBg="1"/>
-      <p:bldP spid="10" grpId="0" animBg="1"/>
-      <p:bldP spid="11" grpId="0" animBg="1"/>
-      <p:bldP spid="12" grpId="0" animBg="1"/>
-      <p:bldP spid="13" grpId="0" animBg="1"/>
-      <p:bldP spid="14" grpId="0" animBg="1"/>
-    </p:bldLst>
-  </p:timing>
-</p:sld>
-</file>
-
-<file path=ppt/slides/slide4.xml><?xml version="1.0" encoding="utf-8"?>
-<p:sld xmlns:a="http://schemas.openxmlformats.org/drawingml/2006/main" xmlns:r="http://schemas.openxmlformats.org/officeDocument/2006/relationships" xmlns:p="http://schemas.openxmlformats.org/presentationml/2006/main">
-  <p:cSld>
-    <p:spTree>
-      <p:nvGrpSpPr>
-        <p:cNvPr id="1" name=""/>
-        <p:cNvGrpSpPr/>
-        <p:nvPr/>
-      </p:nvGrpSpPr>
-      <p:grpSpPr>
-        <a:xfrm>
-          <a:off x="0" y="0"/>
-          <a:ext cx="0" cy="0"/>
-          <a:chOff x="0" y="0"/>
-          <a:chExt cx="0" cy="0"/>
-        </a:xfrm>
-      </p:grpSpPr>
-      <p:pic>
-        <p:nvPicPr>
-          <p:cNvPr id="8194" name="Picture 2" descr="Extended Data Fig. 1">
-            <a:extLst>
-              <a:ext uri="{FF2B5EF4-FFF2-40B4-BE49-F238E27FC236}">
-                <a16:creationId xmlns:a16="http://schemas.microsoft.com/office/drawing/2014/main" id="{22F5E9CF-D182-F87F-552A-E8A26BBA3559}"/>
-              </a:ext>
-            </a:extLst>
-          </p:cNvPr>
-          <p:cNvPicPr>
-            <a:picLocks noChangeAspect="1" noChangeArrowheads="1"/>
-          </p:cNvPicPr>
-          <p:nvPr/>
-        </p:nvPicPr>
-        <p:blipFill rotWithShape="1">
-          <a:blip r:embed="rId2">
-            <a:extLst>
-              <a:ext uri="{28A0092B-C50C-407E-A947-70E740481C1C}">
-                <a14:useLocalDpi xmlns:a14="http://schemas.microsoft.com/office/drawing/2010/main" val="0"/>
-              </a:ext>
-            </a:extLst>
-          </a:blip>
-          <a:srcRect t="73100" r="27616"/>
-          <a:stretch/>
-        </p:blipFill>
-        <p:spPr bwMode="auto">
-          <a:xfrm>
-            <a:off x="1271464" y="2230712"/>
-            <a:ext cx="9756017" cy="3862584"/>
-          </a:xfrm>
-          <a:prstGeom prst="rect">
-            <a:avLst/>
-          </a:prstGeom>
-          <a:noFill/>
-          <a:extLst>
-            <a:ext uri="{909E8E84-426E-40DD-AFC4-6F175D3DCCD1}">
-              <a14:hiddenFill xmlns:a14="http://schemas.microsoft.com/office/drawing/2010/main">
-                <a:solidFill>
-                  <a:srgbClr val="FFFFFF"/>
-                </a:solidFill>
-              </a14:hiddenFill>
-            </a:ext>
-          </a:extLst>
-        </p:spPr>
-      </p:pic>
-      <p:sp>
-        <p:nvSpPr>
-          <p:cNvPr id="2" name="Title 1">
-            <a:extLst>
-              <a:ext uri="{FF2B5EF4-FFF2-40B4-BE49-F238E27FC236}">
-                <a16:creationId xmlns:a16="http://schemas.microsoft.com/office/drawing/2014/main" id="{9D77890C-3842-B513-4AB4-DD45C2A2C6E1}"/>
-              </a:ext>
-            </a:extLst>
-          </p:cNvPr>
-          <p:cNvSpPr>
-            <a:spLocks noGrp="1"/>
-          </p:cNvSpPr>
-          <p:nvPr>
-            <p:ph type="title"/>
-          </p:nvPr>
-        </p:nvSpPr>
-        <p:spPr/>
-        <p:txBody>
-          <a:bodyPr/>
-          <a:lstStyle/>
-          <a:p>
-            <a:r>
-              <a:rPr lang="en-US" dirty="0" err="1"/>
-              <a:t>DNAm</a:t>
-            </a:r>
-            <a:r>
-              <a:rPr lang="en-US" dirty="0"/>
-              <a:t>-gene expression associations </a:t>
-            </a:r>
-            <a:r>
-              <a:rPr lang="en-US" i="1" dirty="0"/>
-              <a:t>often</a:t>
-            </a:r>
-            <a:r>
-              <a:rPr lang="en-US" dirty="0"/>
-              <a:t> tissue-specific</a:t>
-            </a:r>
-          </a:p>
-        </p:txBody>
-      </p:sp>
-      <p:sp>
-        <p:nvSpPr>
-          <p:cNvPr id="5" name="TextBox 4">
-            <a:extLst>
-              <a:ext uri="{FF2B5EF4-FFF2-40B4-BE49-F238E27FC236}">
-                <a16:creationId xmlns:a16="http://schemas.microsoft.com/office/drawing/2014/main" id="{1025A444-C958-8B1A-3588-46378C5CCFF8}"/>
-              </a:ext>
-            </a:extLst>
-          </p:cNvPr>
-          <p:cNvSpPr txBox="1"/>
-          <p:nvPr/>
-        </p:nvSpPr>
-        <p:spPr>
-          <a:xfrm>
-            <a:off x="1356218" y="1682706"/>
-            <a:ext cx="4739782" cy="369332"/>
-          </a:xfrm>
-          <a:prstGeom prst="rect">
-            <a:avLst/>
-          </a:prstGeom>
-          <a:noFill/>
-        </p:spPr>
-        <p:txBody>
-          <a:bodyPr wrap="square">
-            <a:spAutoFit/>
-          </a:bodyPr>
-          <a:lstStyle/>
-          <a:p>
-            <a:r>
-              <a:rPr lang="en-CA" sz="1800" dirty="0">
-                <a:latin typeface="+mn-lt"/>
-              </a:rPr>
-              <a:t>Number </a:t>
-            </a:r>
-            <a:r>
-              <a:rPr lang="en-CA" sz="1800" dirty="0" err="1">
-                <a:latin typeface="+mn-lt"/>
-              </a:rPr>
-              <a:t>eQTMs</a:t>
-            </a:r>
-            <a:r>
-              <a:rPr lang="en-CA" sz="1800" dirty="0">
-                <a:latin typeface="+mn-lt"/>
-              </a:rPr>
-              <a:t> per tissue</a:t>
-            </a:r>
-            <a:endParaRPr lang="en-US" sz="1800" dirty="0">
-              <a:latin typeface="+mn-lt"/>
-            </a:endParaRPr>
-          </a:p>
-        </p:txBody>
-      </p:sp>
-      <p:sp>
-        <p:nvSpPr>
-          <p:cNvPr id="6" name="TextBox 5">
-            <a:extLst>
-              <a:ext uri="{FF2B5EF4-FFF2-40B4-BE49-F238E27FC236}">
-                <a16:creationId xmlns:a16="http://schemas.microsoft.com/office/drawing/2014/main" id="{49752440-19B3-2A7A-B73F-4C2F73A94996}"/>
-              </a:ext>
-            </a:extLst>
-          </p:cNvPr>
-          <p:cNvSpPr txBox="1"/>
-          <p:nvPr/>
-        </p:nvSpPr>
-        <p:spPr>
-          <a:xfrm>
-            <a:off x="6109406" y="1682705"/>
-            <a:ext cx="4739782" cy="369332"/>
-          </a:xfrm>
-          <a:prstGeom prst="rect">
-            <a:avLst/>
-          </a:prstGeom>
-          <a:noFill/>
-        </p:spPr>
-        <p:txBody>
-          <a:bodyPr wrap="square">
-            <a:spAutoFit/>
-          </a:bodyPr>
-          <a:lstStyle/>
-          <a:p>
-            <a:r>
-              <a:rPr lang="en-CA" sz="1800" dirty="0" err="1">
-                <a:latin typeface="+mn-lt"/>
-              </a:rPr>
-              <a:t>eQTM</a:t>
-            </a:r>
-            <a:r>
-              <a:rPr lang="en-CA" sz="1800" dirty="0">
-                <a:latin typeface="+mn-lt"/>
-              </a:rPr>
-              <a:t> tissue counts</a:t>
-            </a:r>
-            <a:endParaRPr lang="en-US" sz="1800" dirty="0">
-              <a:latin typeface="+mn-lt"/>
-            </a:endParaRPr>
-          </a:p>
-        </p:txBody>
-      </p:sp>
-      <p:sp>
-        <p:nvSpPr>
-          <p:cNvPr id="7" name="TextBox 6">
-            <a:extLst>
-              <a:ext uri="{FF2B5EF4-FFF2-40B4-BE49-F238E27FC236}">
-                <a16:creationId xmlns:a16="http://schemas.microsoft.com/office/drawing/2014/main" id="{35016C68-AACE-85FF-2A8A-DF2D42268ADB}"/>
-              </a:ext>
-            </a:extLst>
-          </p:cNvPr>
-          <p:cNvSpPr txBox="1"/>
-          <p:nvPr/>
-        </p:nvSpPr>
-        <p:spPr>
-          <a:xfrm>
-            <a:off x="610012" y="1199167"/>
-            <a:ext cx="10022904" cy="369332"/>
-          </a:xfrm>
-          <a:prstGeom prst="rect">
-            <a:avLst/>
-          </a:prstGeom>
-          <a:noFill/>
-        </p:spPr>
-        <p:txBody>
-          <a:bodyPr wrap="square">
-            <a:spAutoFit/>
-          </a:bodyPr>
-          <a:lstStyle/>
-          <a:p>
-            <a:pPr algn="l"/>
-            <a:r>
-              <a:rPr lang="en-CA" sz="1800" dirty="0" err="1">
-                <a:latin typeface="+mn-lt"/>
-              </a:rPr>
-              <a:t>eQTM</a:t>
-            </a:r>
-            <a:r>
-              <a:rPr lang="en-CA" sz="1800" dirty="0">
-                <a:latin typeface="+mn-lt"/>
-              </a:rPr>
-              <a:t> = CpG site associated with gene expression</a:t>
-            </a:r>
-            <a:endParaRPr lang="en-US" sz="1800" dirty="0">
-              <a:latin typeface="+mn-lt"/>
-            </a:endParaRPr>
-          </a:p>
-        </p:txBody>
-      </p:sp>
-      <p:sp>
-        <p:nvSpPr>
-          <p:cNvPr id="8" name="TextBox 7">
-            <a:extLst>
-              <a:ext uri="{FF2B5EF4-FFF2-40B4-BE49-F238E27FC236}">
-                <a16:creationId xmlns:a16="http://schemas.microsoft.com/office/drawing/2014/main" id="{7FF15063-DEB1-AEAD-82BF-6DD525CB2B35}"/>
-              </a:ext>
-            </a:extLst>
-          </p:cNvPr>
-          <p:cNvSpPr txBox="1"/>
-          <p:nvPr/>
-        </p:nvSpPr>
-        <p:spPr>
-          <a:xfrm>
-            <a:off x="6816080" y="2258814"/>
-            <a:ext cx="720080" cy="338554"/>
-          </a:xfrm>
-          <a:prstGeom prst="rect">
-            <a:avLst/>
-          </a:prstGeom>
-          <a:noFill/>
-        </p:spPr>
-        <p:txBody>
-          <a:bodyPr wrap="square">
-            <a:spAutoFit/>
-          </a:bodyPr>
-          <a:lstStyle/>
-          <a:p>
-            <a:r>
-              <a:rPr lang="en-CA" sz="1600" dirty="0">
-                <a:latin typeface="+mn-lt"/>
-              </a:rPr>
-              <a:t>~45%</a:t>
-            </a:r>
-            <a:endParaRPr lang="en-US" sz="1600" dirty="0">
-              <a:latin typeface="+mn-lt"/>
-            </a:endParaRPr>
-          </a:p>
-        </p:txBody>
-      </p:sp>
-      <p:sp>
-        <p:nvSpPr>
-          <p:cNvPr id="9" name="TextBox 8">
-            <a:extLst>
-              <a:ext uri="{FF2B5EF4-FFF2-40B4-BE49-F238E27FC236}">
-                <a16:creationId xmlns:a16="http://schemas.microsoft.com/office/drawing/2014/main" id="{A0D92FB3-800F-6F3C-00F0-64C3E4492EF1}"/>
-              </a:ext>
-            </a:extLst>
-          </p:cNvPr>
-          <p:cNvSpPr txBox="1"/>
-          <p:nvPr/>
-        </p:nvSpPr>
-        <p:spPr>
-          <a:xfrm>
-            <a:off x="9254162" y="3644247"/>
-            <a:ext cx="1368152" cy="338554"/>
-          </a:xfrm>
-          <a:prstGeom prst="rect">
-            <a:avLst/>
-          </a:prstGeom>
-          <a:noFill/>
-        </p:spPr>
-        <p:txBody>
-          <a:bodyPr wrap="square">
-            <a:spAutoFit/>
-          </a:bodyPr>
-          <a:lstStyle/>
-          <a:p>
-            <a:r>
-              <a:rPr lang="en-CA" sz="1600" dirty="0">
-                <a:latin typeface="+mn-lt"/>
-              </a:rPr>
-              <a:t>~35%</a:t>
-            </a:r>
-            <a:endParaRPr lang="en-US" sz="1600" dirty="0">
-              <a:latin typeface="+mn-lt"/>
-            </a:endParaRPr>
-          </a:p>
-        </p:txBody>
-      </p:sp>
-      <p:sp>
-        <p:nvSpPr>
-          <p:cNvPr id="10" name="Left Brace 9">
-            <a:extLst>
-              <a:ext uri="{FF2B5EF4-FFF2-40B4-BE49-F238E27FC236}">
-                <a16:creationId xmlns:a16="http://schemas.microsoft.com/office/drawing/2014/main" id="{116817CF-FAEC-5EEC-22BE-08979376FC4D}"/>
-              </a:ext>
-            </a:extLst>
-          </p:cNvPr>
-          <p:cNvSpPr/>
-          <p:nvPr/>
-        </p:nvSpPr>
-        <p:spPr bwMode="auto">
-          <a:xfrm rot="5400000">
-            <a:off x="9722214" y="3576567"/>
-            <a:ext cx="432048" cy="1244517"/>
-          </a:xfrm>
-          <a:prstGeom prst="leftBrace">
-            <a:avLst/>
-          </a:prstGeom>
-          <a:noFill/>
-          <a:ln w="12700" cap="flat" cmpd="sng" algn="ctr">
-            <a:solidFill>
-              <a:schemeClr val="tx1"/>
-            </a:solidFill>
-            <a:prstDash val="solid"/>
-            <a:round/>
-            <a:headEnd type="none" w="med" len="med"/>
-            <a:tailEnd type="none" w="med" len="med"/>
-          </a:ln>
-          <a:effectLst/>
-        </p:spPr>
-        <p:txBody>
-          <a:bodyPr vert="horz" wrap="none" lIns="91440" tIns="45720" rIns="91440" bIns="45720" numCol="1" rtlCol="0" anchor="ctr" anchorCtr="0" compatLnSpc="1">
-            <a:prstTxWarp prst="textNoShape">
-              <a:avLst/>
-            </a:prstTxWarp>
-          </a:bodyPr>
-          <a:lstStyle/>
-          <a:p>
-            <a:pPr marL="0" marR="0" indent="0" algn="ctr" defTabSz="914400" rtl="0" eaLnBrk="0" fontAlgn="base" latinLnBrk="0" hangingPunct="0">
-              <a:lnSpc>
-                <a:spcPct val="100000"/>
-              </a:lnSpc>
-              <a:spcBef>
-                <a:spcPct val="0"/>
-              </a:spcBef>
-              <a:spcAft>
-                <a:spcPct val="0"/>
-              </a:spcAft>
-              <a:buClrTx/>
-              <a:buSzTx/>
-              <a:buFontTx/>
-              <a:buNone/>
-              <a:tabLst/>
-            </a:pPr>
-            <a:endParaRPr kumimoji="0" lang="en-US" sz="2400" b="0" i="0" u="none" strike="noStrike" cap="none" normalizeH="0" baseline="0">
-              <a:ln>
-                <a:noFill/>
-              </a:ln>
-              <a:solidFill>
-                <a:schemeClr val="tx1"/>
-              </a:solidFill>
-              <a:effectLst/>
-              <a:latin typeface="Times" pitchFamily="-1" charset="0"/>
-            </a:endParaRPr>
-          </a:p>
-        </p:txBody>
-      </p:sp>
-    </p:spTree>
-    <p:extLst>
-      <p:ext uri="{BB962C8B-B14F-4D97-AF65-F5344CB8AC3E}">
-        <p14:creationId xmlns:p14="http://schemas.microsoft.com/office/powerpoint/2010/main" val="997923916"/>
-      </p:ext>
-    </p:extLst>
-  </p:cSld>
-  <p:clrMapOvr>
-    <a:masterClrMapping/>
-  </p:clrMapOvr>
-  <p:transition spd="med"/>
-  <p:timing>
-    <p:tnLst>
-      <p:par>
-        <p:cTn id="1" dur="indefinite" restart="never" nodeType="tmRoot">
-          <p:childTnLst>
-            <p:seq concurrent="1" nextAc="seek">
-              <p:cTn id="2" dur="indefinite" nodeType="mainSeq">
-                <p:childTnLst>
-                  <p:par>
-                    <p:cTn id="3" fill="hold">
-                      <p:stCondLst>
-                        <p:cond delay="indefinite"/>
-                      </p:stCondLst>
-                      <p:childTnLst>
-                        <p:par>
-                          <p:cTn id="4" fill="hold">
-                            <p:stCondLst>
-                              <p:cond delay="0"/>
-                            </p:stCondLst>
-                            <p:childTnLst>
-                              <p:par>
-                                <p:cTn id="5" presetID="1" presetClass="entr" presetSubtype="0" fill="hold" grpId="0" nodeType="clickEffect">
-                                  <p:stCondLst>
-                                    <p:cond delay="0"/>
-                                  </p:stCondLst>
-                                  <p:childTnLst>
-                                    <p:set>
-                                      <p:cBhvr>
-                                        <p:cTn id="6" dur="1" fill="hold">
-                                          <p:stCondLst>
-                                            <p:cond delay="0"/>
-                                          </p:stCondLst>
-                                        </p:cTn>
-                                        <p:tgtEl>
-                                          <p:spTgt spid="8"/>
+                                          <p:spTgt spid="3">
+                                            <p:txEl>
+                                              <p:pRg st="8" end="8"/>
+                                            </p:txEl>
+                                          </p:spTgt>
                                         </p:tgtEl>
                                         <p:attrNameLst>
                                           <p:attrName>style.visibility</p:attrName>
@@ -12166,47 +11070,24 @@
                                 </p:cTn>
                               </p:par>
                               <p:par>
-                                <p:cTn id="7" presetID="1" presetClass="entr" presetSubtype="0" fill="hold" grpId="0" nodeType="withEffect">
+                                <p:cTn id="29" presetID="1" presetClass="entr" presetSubtype="0" fill="hold" nodeType="withEffect">
                                   <p:stCondLst>
                                     <p:cond delay="0"/>
                                   </p:stCondLst>
                                   <p:childTnLst>
                                     <p:set>
                                       <p:cBhvr>
-                                        <p:cTn id="8" dur="1" fill="hold">
+                                        <p:cTn id="30" dur="1" fill="hold">
                                           <p:stCondLst>
                                             <p:cond delay="0"/>
                                           </p:stCondLst>
                                         </p:cTn>
                                         <p:tgtEl>
-                                          <p:spTgt spid="9"/>
-                                        </p:tgtEl>
-                                        <p:attrNameLst>
-                                          <p:attrName>style.visibility</p:attrName>
-                                        </p:attrNameLst>
-                                      </p:cBhvr>
-                                      <p:to>
-                                        <p:strVal val="visible"/>
-                                      </p:to>
-                                    </p:set>
-                                  </p:childTnLst>
-                                </p:cTn>
-                              </p:par>
-                              <p:par>
-                                <p:cTn id="9" presetID="1" presetClass="entr" presetSubtype="0" fill="hold" grpId="0" nodeType="withEffect">
-                                  <p:stCondLst>
-                                    <p:cond delay="0"/>
-                                  </p:stCondLst>
-                                  <p:childTnLst>
-                                    <p:set>
-                                      <p:cBhvr>
-                                        <p:cTn id="10" dur="1" fill="hold">
-                                          <p:stCondLst>
-                                            <p:cond delay="0"/>
-                                          </p:stCondLst>
-                                        </p:cTn>
-                                        <p:tgtEl>
-                                          <p:spTgt spid="10"/>
+                                          <p:spTgt spid="3">
+                                            <p:txEl>
+                                              <p:pRg st="9" end="9"/>
+                                            </p:txEl>
+                                          </p:spTgt>
                                         </p:tgtEl>
                                         <p:attrNameLst>
                                           <p:attrName>style.visibility</p:attrName>
@@ -12246,12 +11127,180 @@
         </p:cTn>
       </p:par>
     </p:tnLst>
-    <p:bldLst>
-      <p:bldP spid="8" grpId="0"/>
-      <p:bldP spid="9" grpId="0"/>
-      <p:bldP spid="10" grpId="0" animBg="1"/>
-    </p:bldLst>
   </p:timing>
+</p:sld>
+</file>
+
+<file path=ppt/slides/slide3.xml><?xml version="1.0" encoding="utf-8"?>
+<p:sld xmlns:a="http://schemas.openxmlformats.org/drawingml/2006/main" xmlns:r="http://schemas.openxmlformats.org/officeDocument/2006/relationships" xmlns:p="http://schemas.openxmlformats.org/presentationml/2006/main">
+  <p:cSld>
+    <p:spTree>
+      <p:nvGrpSpPr>
+        <p:cNvPr id="1" name=""/>
+        <p:cNvGrpSpPr/>
+        <p:nvPr/>
+      </p:nvGrpSpPr>
+      <p:grpSpPr>
+        <a:xfrm>
+          <a:off x="0" y="0"/>
+          <a:ext cx="0" cy="0"/>
+          <a:chOff x="0" y="0"/>
+          <a:chExt cx="0" cy="0"/>
+        </a:xfrm>
+      </p:grpSpPr>
+      <p:sp>
+        <p:nvSpPr>
+          <p:cNvPr id="2" name="Title 1">
+            <a:extLst>
+              <a:ext uri="{FF2B5EF4-FFF2-40B4-BE49-F238E27FC236}">
+                <a16:creationId xmlns:a16="http://schemas.microsoft.com/office/drawing/2014/main" id="{054B19E3-FA56-49B4-C538-19FB598384FE}"/>
+              </a:ext>
+            </a:extLst>
+          </p:cNvPr>
+          <p:cNvSpPr>
+            <a:spLocks noGrp="1"/>
+          </p:cNvSpPr>
+          <p:nvPr>
+            <p:ph type="title"/>
+          </p:nvPr>
+        </p:nvSpPr>
+        <p:spPr/>
+        <p:txBody>
+          <a:bodyPr/>
+          <a:lstStyle/>
+          <a:p>
+            <a:r>
+              <a:rPr lang="en-CA" dirty="0"/>
+              <a:t>Aim</a:t>
+            </a:r>
+            <a:endParaRPr lang="en-US" dirty="0"/>
+          </a:p>
+        </p:txBody>
+      </p:sp>
+      <p:sp>
+        <p:nvSpPr>
+          <p:cNvPr id="3" name="Content Placeholder 2">
+            <a:extLst>
+              <a:ext uri="{FF2B5EF4-FFF2-40B4-BE49-F238E27FC236}">
+                <a16:creationId xmlns:a16="http://schemas.microsoft.com/office/drawing/2014/main" id="{E1967D00-8367-C010-516E-E435B8C12523}"/>
+              </a:ext>
+            </a:extLst>
+          </p:cNvPr>
+          <p:cNvSpPr>
+            <a:spLocks noGrp="1"/>
+          </p:cNvSpPr>
+          <p:nvPr>
+            <p:ph idx="1"/>
+          </p:nvPr>
+        </p:nvSpPr>
+        <p:spPr/>
+        <p:txBody>
+          <a:bodyPr/>
+          <a:lstStyle/>
+          <a:p>
+            <a:pPr marL="0" indent="0">
+              <a:buNone/>
+            </a:pPr>
+            <a:endParaRPr lang="en-US" dirty="0"/>
+          </a:p>
+        </p:txBody>
+      </p:sp>
+    </p:spTree>
+    <p:extLst>
+      <p:ext uri="{BB962C8B-B14F-4D97-AF65-F5344CB8AC3E}">
+        <p14:creationId xmlns:p14="http://schemas.microsoft.com/office/powerpoint/2010/main" val="3534151775"/>
+      </p:ext>
+    </p:extLst>
+  </p:cSld>
+  <p:clrMapOvr>
+    <a:masterClrMapping/>
+  </p:clrMapOvr>
+  <p:transition spd="med"/>
+</p:sld>
+</file>
+
+<file path=ppt/slides/slide4.xml><?xml version="1.0" encoding="utf-8"?>
+<p:sld xmlns:a="http://schemas.openxmlformats.org/drawingml/2006/main" xmlns:r="http://schemas.openxmlformats.org/officeDocument/2006/relationships" xmlns:p="http://schemas.openxmlformats.org/presentationml/2006/main">
+  <p:cSld>
+    <p:spTree>
+      <p:nvGrpSpPr>
+        <p:cNvPr id="1" name=""/>
+        <p:cNvGrpSpPr/>
+        <p:nvPr/>
+      </p:nvGrpSpPr>
+      <p:grpSpPr>
+        <a:xfrm>
+          <a:off x="0" y="0"/>
+          <a:ext cx="0" cy="0"/>
+          <a:chOff x="0" y="0"/>
+          <a:chExt cx="0" cy="0"/>
+        </a:xfrm>
+      </p:grpSpPr>
+      <p:sp>
+        <p:nvSpPr>
+          <p:cNvPr id="2" name="Title 1">
+            <a:extLst>
+              <a:ext uri="{FF2B5EF4-FFF2-40B4-BE49-F238E27FC236}">
+                <a16:creationId xmlns:a16="http://schemas.microsoft.com/office/drawing/2014/main" id="{7707CA8E-644B-FF8C-B973-54551AFD1A3A}"/>
+              </a:ext>
+            </a:extLst>
+          </p:cNvPr>
+          <p:cNvSpPr>
+            <a:spLocks noGrp="1"/>
+          </p:cNvSpPr>
+          <p:nvPr>
+            <p:ph type="title"/>
+          </p:nvPr>
+        </p:nvSpPr>
+        <p:spPr/>
+        <p:txBody>
+          <a:bodyPr/>
+          <a:lstStyle/>
+          <a:p>
+            <a:r>
+              <a:rPr lang="en-CA" sz="4800" dirty="0"/>
+              <a:t>A system to induce epigenetic aging</a:t>
+            </a:r>
+            <a:endParaRPr lang="en-US" sz="4800" dirty="0"/>
+          </a:p>
+        </p:txBody>
+      </p:sp>
+      <p:sp>
+        <p:nvSpPr>
+          <p:cNvPr id="3" name="Content Placeholder 2">
+            <a:extLst>
+              <a:ext uri="{FF2B5EF4-FFF2-40B4-BE49-F238E27FC236}">
+                <a16:creationId xmlns:a16="http://schemas.microsoft.com/office/drawing/2014/main" id="{80281EEC-3BE3-A527-6CAC-8F76A70D67C6}"/>
+              </a:ext>
+            </a:extLst>
+          </p:cNvPr>
+          <p:cNvSpPr>
+            <a:spLocks noGrp="1"/>
+          </p:cNvSpPr>
+          <p:nvPr>
+            <p:ph idx="1"/>
+          </p:nvPr>
+        </p:nvSpPr>
+        <p:spPr/>
+        <p:txBody>
+          <a:bodyPr/>
+          <a:lstStyle/>
+          <a:p>
+            <a:endParaRPr lang="en-US"/>
+          </a:p>
+        </p:txBody>
+      </p:sp>
+    </p:spTree>
+    <p:extLst>
+      <p:ext uri="{BB962C8B-B14F-4D97-AF65-F5344CB8AC3E}">
+        <p14:creationId xmlns:p14="http://schemas.microsoft.com/office/powerpoint/2010/main" val="1762328264"/>
+      </p:ext>
+    </p:extLst>
+  </p:cSld>
+  <p:clrMapOvr>
+    <a:masterClrMapping/>
+  </p:clrMapOvr>
+  <p:transition spd="med"/>
 </p:sld>
 </file>
 
@@ -12272,57 +11321,12 @@
           <a:chExt cx="0" cy="0"/>
         </a:xfrm>
       </p:grpSpPr>
-      <p:pic>
-        <p:nvPicPr>
-          <p:cNvPr id="3076" name="Picture 4" descr="Fig. 2">
-            <a:extLst>
-              <a:ext uri="{FF2B5EF4-FFF2-40B4-BE49-F238E27FC236}">
-                <a16:creationId xmlns:a16="http://schemas.microsoft.com/office/drawing/2014/main" id="{04678262-CAD3-3FB3-8FCE-E92E213E149F}"/>
-              </a:ext>
-            </a:extLst>
-          </p:cNvPr>
-          <p:cNvPicPr>
-            <a:picLocks noChangeAspect="1" noChangeArrowheads="1"/>
-          </p:cNvPicPr>
-          <p:nvPr/>
-        </p:nvPicPr>
-        <p:blipFill rotWithShape="1">
-          <a:blip r:embed="rId2">
-            <a:extLst>
-              <a:ext uri="{28A0092B-C50C-407E-A947-70E740481C1C}">
-                <a14:useLocalDpi xmlns:a14="http://schemas.microsoft.com/office/drawing/2010/main" val="0"/>
-              </a:ext>
-            </a:extLst>
-          </a:blip>
-          <a:srcRect b="50000"/>
-          <a:stretch/>
-        </p:blipFill>
-        <p:spPr bwMode="auto">
-          <a:xfrm>
-            <a:off x="1091444" y="2420888"/>
-            <a:ext cx="9896691" cy="4117267"/>
-          </a:xfrm>
-          <a:prstGeom prst="rect">
-            <a:avLst/>
-          </a:prstGeom>
-          <a:noFill/>
-          <a:extLst>
-            <a:ext uri="{909E8E84-426E-40DD-AFC4-6F175D3DCCD1}">
-              <a14:hiddenFill xmlns:a14="http://schemas.microsoft.com/office/drawing/2010/main">
-                <a:solidFill>
-                  <a:srgbClr val="FFFFFF"/>
-                </a:solidFill>
-              </a14:hiddenFill>
-            </a:ext>
-          </a:extLst>
-        </p:spPr>
-      </p:pic>
       <p:sp>
         <p:nvSpPr>
           <p:cNvPr id="2" name="Title 1">
             <a:extLst>
               <a:ext uri="{FF2B5EF4-FFF2-40B4-BE49-F238E27FC236}">
-                <a16:creationId xmlns:a16="http://schemas.microsoft.com/office/drawing/2014/main" id="{FF96D41A-CAE1-DA06-1889-B61C3F1AADBF}"/>
+                <a16:creationId xmlns:a16="http://schemas.microsoft.com/office/drawing/2014/main" id="{7707CA8E-644B-FF8C-B973-54551AFD1A3A}"/>
               </a:ext>
             </a:extLst>
           </p:cNvPr>
@@ -12339,357 +11343,42 @@
           <a:lstStyle/>
           <a:p>
             <a:r>
-              <a:rPr lang="en-US" dirty="0"/>
-              <a:t>Genetic regulation of DNA methylation </a:t>
+              <a:rPr lang="en-CA" sz="4800" dirty="0"/>
+              <a:t>A system to induce epigenetic aging</a:t>
             </a:r>
-            <a:r>
-              <a:rPr lang="en-US" i="1" dirty="0"/>
-              <a:t>often </a:t>
-            </a:r>
-            <a:r>
-              <a:rPr lang="en-US" dirty="0"/>
-              <a:t> tissue-specific</a:t>
-            </a:r>
+            <a:endParaRPr lang="en-US" sz="4800" dirty="0"/>
           </a:p>
         </p:txBody>
       </p:sp>
       <p:sp>
         <p:nvSpPr>
-          <p:cNvPr id="6" name="TextBox 5">
+          <p:cNvPr id="3" name="Content Placeholder 2">
             <a:extLst>
               <a:ext uri="{FF2B5EF4-FFF2-40B4-BE49-F238E27FC236}">
-                <a16:creationId xmlns:a16="http://schemas.microsoft.com/office/drawing/2014/main" id="{DDD5C521-0D50-0EA0-EFA4-B29E008A14A0}"/>
+                <a16:creationId xmlns:a16="http://schemas.microsoft.com/office/drawing/2014/main" id="{80281EEC-3BE3-A527-6CAC-8F76A70D67C6}"/>
               </a:ext>
             </a:extLst>
           </p:cNvPr>
-          <p:cNvSpPr txBox="1"/>
-          <p:nvPr/>
+          <p:cNvSpPr>
+            <a:spLocks noGrp="1"/>
+          </p:cNvSpPr>
+          <p:nvPr>
+            <p:ph idx="1"/>
+          </p:nvPr>
         </p:nvSpPr>
-        <p:spPr>
-          <a:xfrm>
-            <a:off x="1199456" y="2060848"/>
-            <a:ext cx="2844316" cy="369332"/>
-          </a:xfrm>
-          <a:prstGeom prst="rect">
-            <a:avLst/>
-          </a:prstGeom>
-          <a:noFill/>
-        </p:spPr>
+        <p:spPr/>
         <p:txBody>
-          <a:bodyPr wrap="square">
-            <a:spAutoFit/>
-          </a:bodyPr>
+          <a:bodyPr/>
           <a:lstStyle/>
           <a:p>
-            <a:r>
-              <a:rPr lang="en-CA" sz="1800" dirty="0">
-                <a:latin typeface="+mn-lt"/>
-              </a:rPr>
-              <a:t>Number </a:t>
-            </a:r>
-            <a:r>
-              <a:rPr lang="en-CA" sz="1800" dirty="0" err="1">
-                <a:latin typeface="+mn-lt"/>
-              </a:rPr>
-              <a:t>mCpGs</a:t>
-            </a:r>
-            <a:endParaRPr lang="en-US" sz="1800" dirty="0">
-              <a:latin typeface="+mn-lt"/>
-            </a:endParaRPr>
-          </a:p>
-        </p:txBody>
-      </p:sp>
-      <p:sp>
-        <p:nvSpPr>
-          <p:cNvPr id="7" name="TextBox 6">
-            <a:extLst>
-              <a:ext uri="{FF2B5EF4-FFF2-40B4-BE49-F238E27FC236}">
-                <a16:creationId xmlns:a16="http://schemas.microsoft.com/office/drawing/2014/main" id="{984C931B-9423-FE0C-BA47-F6264CBEE351}"/>
-              </a:ext>
-            </a:extLst>
-          </p:cNvPr>
-          <p:cNvSpPr txBox="1"/>
-          <p:nvPr/>
-        </p:nvSpPr>
-        <p:spPr>
-          <a:xfrm>
-            <a:off x="4151784" y="2065361"/>
-            <a:ext cx="3240360" cy="369332"/>
-          </a:xfrm>
-          <a:prstGeom prst="rect">
-            <a:avLst/>
-          </a:prstGeom>
-          <a:noFill/>
-        </p:spPr>
-        <p:txBody>
-          <a:bodyPr wrap="square">
-            <a:spAutoFit/>
-          </a:bodyPr>
-          <a:lstStyle/>
-          <a:p>
-            <a:r>
-              <a:rPr lang="en-CA" sz="1800" dirty="0">
-                <a:latin typeface="+mn-lt"/>
-              </a:rPr>
-              <a:t>Correlation of </a:t>
-            </a:r>
-            <a:r>
-              <a:rPr lang="en-CA" sz="1800" dirty="0" err="1">
-                <a:latin typeface="+mn-lt"/>
-              </a:rPr>
-              <a:t>mQTL</a:t>
-            </a:r>
-            <a:r>
-              <a:rPr lang="en-CA" sz="1800" dirty="0">
-                <a:latin typeface="+mn-lt"/>
-              </a:rPr>
-              <a:t> effects</a:t>
-            </a:r>
-            <a:endParaRPr lang="en-US" sz="1800" dirty="0">
-              <a:latin typeface="+mn-lt"/>
-            </a:endParaRPr>
-          </a:p>
-        </p:txBody>
-      </p:sp>
-      <p:sp>
-        <p:nvSpPr>
-          <p:cNvPr id="8" name="TextBox 7">
-            <a:extLst>
-              <a:ext uri="{FF2B5EF4-FFF2-40B4-BE49-F238E27FC236}">
-                <a16:creationId xmlns:a16="http://schemas.microsoft.com/office/drawing/2014/main" id="{77C0C953-4C93-FF78-AC70-3CA1A800BEEE}"/>
-              </a:ext>
-            </a:extLst>
-          </p:cNvPr>
-          <p:cNvSpPr txBox="1"/>
-          <p:nvPr/>
-        </p:nvSpPr>
-        <p:spPr>
-          <a:xfrm>
-            <a:off x="609600" y="1137518"/>
-            <a:ext cx="10022904" cy="923330"/>
-          </a:xfrm>
-          <a:prstGeom prst="rect">
-            <a:avLst/>
-          </a:prstGeom>
-          <a:noFill/>
-        </p:spPr>
-        <p:txBody>
-          <a:bodyPr wrap="square">
-            <a:spAutoFit/>
-          </a:bodyPr>
-          <a:lstStyle/>
-          <a:p>
-            <a:pPr algn="l"/>
-            <a:r>
-              <a:rPr lang="en-CA" sz="1800" dirty="0" err="1">
-                <a:latin typeface="+mn-lt"/>
-              </a:rPr>
-              <a:t>mQTL</a:t>
-            </a:r>
-            <a:r>
-              <a:rPr lang="en-CA" sz="1800" dirty="0">
-                <a:latin typeface="+mn-lt"/>
-              </a:rPr>
-              <a:t> = genetic variant associated with DNA methylation</a:t>
-            </a:r>
-          </a:p>
-          <a:p>
-            <a:pPr algn="l"/>
-            <a:r>
-              <a:rPr lang="en-CA" sz="1800" dirty="0" err="1">
-                <a:latin typeface="+mn-lt"/>
-              </a:rPr>
-              <a:t>eQTL</a:t>
-            </a:r>
-            <a:r>
-              <a:rPr lang="en-CA" sz="1800" dirty="0">
-                <a:latin typeface="+mn-lt"/>
-              </a:rPr>
-              <a:t> = genetic variant associated with gene expression</a:t>
-            </a:r>
-          </a:p>
-          <a:p>
-            <a:pPr algn="l"/>
-            <a:r>
-              <a:rPr lang="en-CA" sz="1800" dirty="0" err="1">
-                <a:latin typeface="+mn-lt"/>
-              </a:rPr>
-              <a:t>mCpG</a:t>
-            </a:r>
-            <a:r>
-              <a:rPr lang="en-CA" sz="1800" dirty="0">
-                <a:latin typeface="+mn-lt"/>
-              </a:rPr>
-              <a:t> = CpG site associated with genetic variation </a:t>
-            </a:r>
-            <a:endParaRPr lang="en-US" sz="1800" dirty="0">
-              <a:latin typeface="+mn-lt"/>
-            </a:endParaRPr>
-          </a:p>
-        </p:txBody>
-      </p:sp>
-      <p:sp>
-        <p:nvSpPr>
-          <p:cNvPr id="9" name="TextBox 8">
-            <a:extLst>
-              <a:ext uri="{FF2B5EF4-FFF2-40B4-BE49-F238E27FC236}">
-                <a16:creationId xmlns:a16="http://schemas.microsoft.com/office/drawing/2014/main" id="{3E269C25-2B2E-CFA3-DE34-EC84EDE3D17A}"/>
-              </a:ext>
-            </a:extLst>
-          </p:cNvPr>
-          <p:cNvSpPr txBox="1"/>
-          <p:nvPr/>
-        </p:nvSpPr>
-        <p:spPr>
-          <a:xfrm>
-            <a:off x="7440548" y="2060848"/>
-            <a:ext cx="3551996" cy="369332"/>
-          </a:xfrm>
-          <a:prstGeom prst="rect">
-            <a:avLst/>
-          </a:prstGeom>
-          <a:noFill/>
-        </p:spPr>
-        <p:txBody>
-          <a:bodyPr wrap="square">
-            <a:spAutoFit/>
-          </a:bodyPr>
-          <a:lstStyle/>
-          <a:p>
-            <a:r>
-              <a:rPr lang="en-CA" sz="1800" dirty="0">
-                <a:latin typeface="+mn-lt"/>
-              </a:rPr>
-              <a:t>Correlation of </a:t>
-            </a:r>
-            <a:r>
-              <a:rPr lang="en-CA" sz="1800" dirty="0" err="1">
-                <a:latin typeface="+mn-lt"/>
-              </a:rPr>
-              <a:t>eQTL</a:t>
-            </a:r>
-            <a:r>
-              <a:rPr lang="en-CA" sz="1800" dirty="0">
-                <a:latin typeface="+mn-lt"/>
-              </a:rPr>
-              <a:t> effects</a:t>
-            </a:r>
-            <a:endParaRPr lang="en-US" sz="1800" dirty="0">
-              <a:latin typeface="+mn-lt"/>
-            </a:endParaRPr>
-          </a:p>
-        </p:txBody>
-      </p:sp>
-      <p:sp>
-        <p:nvSpPr>
-          <p:cNvPr id="10" name="TextBox 9">
-            <a:extLst>
-              <a:ext uri="{FF2B5EF4-FFF2-40B4-BE49-F238E27FC236}">
-                <a16:creationId xmlns:a16="http://schemas.microsoft.com/office/drawing/2014/main" id="{27A16285-3ECE-476E-9E18-099CBCA32646}"/>
-              </a:ext>
-            </a:extLst>
-          </p:cNvPr>
-          <p:cNvSpPr txBox="1"/>
-          <p:nvPr/>
-        </p:nvSpPr>
-        <p:spPr>
-          <a:xfrm>
-            <a:off x="4014269" y="6122210"/>
-            <a:ext cx="7711752" cy="369332"/>
-          </a:xfrm>
-          <a:prstGeom prst="rect">
-            <a:avLst/>
-          </a:prstGeom>
-          <a:noFill/>
-        </p:spPr>
-        <p:txBody>
-          <a:bodyPr wrap="square">
-            <a:spAutoFit/>
-          </a:bodyPr>
-          <a:lstStyle/>
-          <a:p>
-            <a:r>
-              <a:rPr lang="en-CA" sz="1800" dirty="0">
-                <a:latin typeface="+mn-lt"/>
-              </a:rPr>
-              <a:t> </a:t>
-            </a:r>
-            <a:r>
-              <a:rPr lang="en-CA" sz="1800" dirty="0" err="1">
-                <a:latin typeface="+mn-lt"/>
-              </a:rPr>
-              <a:t>mQTL</a:t>
-            </a:r>
-            <a:r>
-              <a:rPr lang="en-CA" sz="1800" dirty="0">
-                <a:latin typeface="+mn-lt"/>
-              </a:rPr>
-              <a:t> correlations similar or higher than for </a:t>
-            </a:r>
-            <a:r>
-              <a:rPr lang="en-CA" sz="1800" dirty="0" err="1">
-                <a:latin typeface="+mn-lt"/>
-              </a:rPr>
-              <a:t>eQTLs</a:t>
-            </a:r>
-            <a:r>
-              <a:rPr lang="en-CA" sz="1800" dirty="0">
-                <a:latin typeface="+mn-lt"/>
-              </a:rPr>
-              <a:t> </a:t>
-            </a:r>
-            <a:endParaRPr lang="en-US" sz="1800" dirty="0">
-              <a:latin typeface="+mn-lt"/>
-            </a:endParaRPr>
-          </a:p>
-        </p:txBody>
-      </p:sp>
-      <p:sp>
-        <p:nvSpPr>
-          <p:cNvPr id="11" name="TextBox 10">
-            <a:extLst>
-              <a:ext uri="{FF2B5EF4-FFF2-40B4-BE49-F238E27FC236}">
-                <a16:creationId xmlns:a16="http://schemas.microsoft.com/office/drawing/2014/main" id="{8143C45B-97D4-C408-AC7A-6DB4405F6E86}"/>
-              </a:ext>
-            </a:extLst>
-          </p:cNvPr>
-          <p:cNvSpPr txBox="1"/>
-          <p:nvPr/>
-        </p:nvSpPr>
-        <p:spPr>
-          <a:xfrm>
-            <a:off x="1758262" y="6122210"/>
-            <a:ext cx="1726704" cy="369332"/>
-          </a:xfrm>
-          <a:prstGeom prst="rect">
-            <a:avLst/>
-          </a:prstGeom>
-          <a:solidFill>
-            <a:schemeClr val="bg1"/>
-          </a:solidFill>
-        </p:spPr>
-        <p:txBody>
-          <a:bodyPr wrap="square">
-            <a:spAutoFit/>
-          </a:bodyPr>
-          <a:lstStyle/>
-          <a:p>
-            <a:r>
-              <a:rPr lang="en-CA" sz="1800" dirty="0">
-                <a:latin typeface="+mn-lt"/>
-              </a:rPr>
-              <a:t>41% are novel</a:t>
-            </a:r>
-            <a:endParaRPr lang="en-US" sz="1800" dirty="0">
-              <a:latin typeface="+mn-lt"/>
-            </a:endParaRPr>
+            <a:endParaRPr lang="en-US"/>
           </a:p>
         </p:txBody>
       </p:sp>
     </p:spTree>
     <p:extLst>
       <p:ext uri="{BB962C8B-B14F-4D97-AF65-F5344CB8AC3E}">
-        <p14:creationId xmlns:p14="http://schemas.microsoft.com/office/powerpoint/2010/main" val="2540697478"/>
+        <p14:creationId xmlns:p14="http://schemas.microsoft.com/office/powerpoint/2010/main" val="2293746631"/>
       </p:ext>
     </p:extLst>
   </p:cSld>
@@ -12697,130 +11386,6 @@
     <a:masterClrMapping/>
   </p:clrMapOvr>
   <p:transition spd="med"/>
-  <p:timing>
-    <p:tnLst>
-      <p:par>
-        <p:cTn id="1" dur="indefinite" restart="never" nodeType="tmRoot">
-          <p:childTnLst>
-            <p:seq concurrent="1" nextAc="seek">
-              <p:cTn id="2" dur="indefinite" nodeType="mainSeq">
-                <p:childTnLst>
-                  <p:par>
-                    <p:cTn id="3" fill="hold">
-                      <p:stCondLst>
-                        <p:cond delay="indefinite"/>
-                      </p:stCondLst>
-                      <p:childTnLst>
-                        <p:par>
-                          <p:cTn id="4" fill="hold">
-                            <p:stCondLst>
-                              <p:cond delay="0"/>
-                            </p:stCondLst>
-                            <p:childTnLst>
-                              <p:par>
-                                <p:cTn id="5" presetID="1" presetClass="entr" presetSubtype="0" fill="hold" grpId="0" nodeType="clickEffect">
-                                  <p:stCondLst>
-                                    <p:cond delay="0"/>
-                                  </p:stCondLst>
-                                  <p:childTnLst>
-                                    <p:set>
-                                      <p:cBhvr>
-                                        <p:cTn id="6" dur="1" fill="hold">
-                                          <p:stCondLst>
-                                            <p:cond delay="0"/>
-                                          </p:stCondLst>
-                                        </p:cTn>
-                                        <p:tgtEl>
-                                          <p:spTgt spid="11"/>
-                                        </p:tgtEl>
-                                        <p:attrNameLst>
-                                          <p:attrName>style.visibility</p:attrName>
-                                        </p:attrNameLst>
-                                      </p:cBhvr>
-                                      <p:to>
-                                        <p:strVal val="visible"/>
-                                      </p:to>
-                                    </p:set>
-                                  </p:childTnLst>
-                                </p:cTn>
-                              </p:par>
-                            </p:childTnLst>
-                          </p:cTn>
-                        </p:par>
-                      </p:childTnLst>
-                    </p:cTn>
-                  </p:par>
-                  <p:par>
-                    <p:cTn id="7" fill="hold">
-                      <p:stCondLst>
-                        <p:cond delay="indefinite"/>
-                      </p:stCondLst>
-                      <p:childTnLst>
-                        <p:par>
-                          <p:cTn id="8" fill="hold">
-                            <p:stCondLst>
-                              <p:cond delay="0"/>
-                            </p:stCondLst>
-                            <p:childTnLst>
-                              <p:par>
-                                <p:cTn id="9" presetID="1" presetClass="entr" presetSubtype="0" fill="hold" grpId="0" nodeType="clickEffect">
-                                  <p:stCondLst>
-                                    <p:cond delay="0"/>
-                                  </p:stCondLst>
-                                  <p:childTnLst>
-                                    <p:set>
-                                      <p:cBhvr>
-                                        <p:cTn id="10" dur="1" fill="hold">
-                                          <p:stCondLst>
-                                            <p:cond delay="0"/>
-                                          </p:stCondLst>
-                                        </p:cTn>
-                                        <p:tgtEl>
-                                          <p:spTgt spid="10"/>
-                                        </p:tgtEl>
-                                        <p:attrNameLst>
-                                          <p:attrName>style.visibility</p:attrName>
-                                        </p:attrNameLst>
-                                      </p:cBhvr>
-                                      <p:to>
-                                        <p:strVal val="visible"/>
-                                      </p:to>
-                                    </p:set>
-                                  </p:childTnLst>
-                                </p:cTn>
-                              </p:par>
-                            </p:childTnLst>
-                          </p:cTn>
-                        </p:par>
-                      </p:childTnLst>
-                    </p:cTn>
-                  </p:par>
-                </p:childTnLst>
-              </p:cTn>
-              <p:prevCondLst>
-                <p:cond evt="onPrev" delay="0">
-                  <p:tgtEl>
-                    <p:sldTgt/>
-                  </p:tgtEl>
-                </p:cond>
-              </p:prevCondLst>
-              <p:nextCondLst>
-                <p:cond evt="onNext" delay="0">
-                  <p:tgtEl>
-                    <p:sldTgt/>
-                  </p:tgtEl>
-                </p:cond>
-              </p:nextCondLst>
-            </p:seq>
-          </p:childTnLst>
-        </p:cTn>
-      </p:par>
-    </p:tnLst>
-    <p:bldLst>
-      <p:bldP spid="10" grpId="0"/>
-      <p:bldP spid="11" grpId="0" animBg="1"/>
-    </p:bldLst>
-  </p:timing>
 </p:sld>
 </file>
 
@@ -12846,7 +11411,7 @@
           <p:cNvPr id="2" name="Title 1">
             <a:extLst>
               <a:ext uri="{FF2B5EF4-FFF2-40B4-BE49-F238E27FC236}">
-                <a16:creationId xmlns:a16="http://schemas.microsoft.com/office/drawing/2014/main" id="{61797B09-27A4-A67C-C47A-5791EAA46617}"/>
+                <a16:creationId xmlns:a16="http://schemas.microsoft.com/office/drawing/2014/main" id="{7707CA8E-644B-FF8C-B973-54551AFD1A3A}"/>
               </a:ext>
             </a:extLst>
           </p:cNvPr>
@@ -12863,153 +11428,41 @@
           <a:lstStyle/>
           <a:p>
             <a:r>
-              <a:rPr lang="en-US" dirty="0" err="1"/>
-              <a:t>eQTLs</a:t>
-            </a:r>
-            <a:r>
-              <a:rPr lang="en-US" dirty="0"/>
-              <a:t> and </a:t>
-            </a:r>
-            <a:r>
-              <a:rPr lang="en-US" dirty="0" err="1"/>
-              <a:t>mQTLs</a:t>
-            </a:r>
-            <a:r>
-              <a:rPr lang="en-US" dirty="0"/>
-              <a:t> often located in different functional regions</a:t>
+              <a:rPr lang="en-US" sz="4800" dirty="0"/>
+              <a:t>ICE induces non-mutagenic cuts in vivo</a:t>
             </a:r>
           </a:p>
         </p:txBody>
       </p:sp>
       <p:sp>
         <p:nvSpPr>
-          <p:cNvPr id="5" name="TextBox 4">
+          <p:cNvPr id="3" name="Content Placeholder 2">
             <a:extLst>
               <a:ext uri="{FF2B5EF4-FFF2-40B4-BE49-F238E27FC236}">
-                <a16:creationId xmlns:a16="http://schemas.microsoft.com/office/drawing/2014/main" id="{763A6E30-BEF1-FD41-8475-D04CBA5154ED}"/>
+                <a16:creationId xmlns:a16="http://schemas.microsoft.com/office/drawing/2014/main" id="{80281EEC-3BE3-A527-6CAC-8F76A70D67C6}"/>
               </a:ext>
             </a:extLst>
           </p:cNvPr>
-          <p:cNvSpPr txBox="1"/>
-          <p:nvPr/>
+          <p:cNvSpPr>
+            <a:spLocks noGrp="1"/>
+          </p:cNvSpPr>
+          <p:nvPr>
+            <p:ph idx="1"/>
+          </p:nvPr>
         </p:nvSpPr>
-        <p:spPr>
-          <a:xfrm>
-            <a:off x="1631504" y="1466682"/>
-            <a:ext cx="3470196" cy="369332"/>
-          </a:xfrm>
-          <a:prstGeom prst="rect">
-            <a:avLst/>
-          </a:prstGeom>
-          <a:noFill/>
-        </p:spPr>
+        <p:spPr/>
         <p:txBody>
-          <a:bodyPr wrap="square">
-            <a:spAutoFit/>
-          </a:bodyPr>
+          <a:bodyPr/>
           <a:lstStyle/>
           <a:p>
-            <a:r>
-              <a:rPr lang="en-CA" sz="1800" dirty="0">
-                <a:latin typeface="+mn-lt"/>
-              </a:rPr>
-              <a:t>Genic regions</a:t>
-            </a:r>
-            <a:endParaRPr lang="en-US" sz="1800" dirty="0">
-              <a:latin typeface="+mn-lt"/>
-            </a:endParaRPr>
+            <a:endParaRPr lang="en-US"/>
           </a:p>
         </p:txBody>
       </p:sp>
-      <p:sp>
-        <p:nvSpPr>
-          <p:cNvPr id="6" name="TextBox 5">
-            <a:extLst>
-              <a:ext uri="{FF2B5EF4-FFF2-40B4-BE49-F238E27FC236}">
-                <a16:creationId xmlns:a16="http://schemas.microsoft.com/office/drawing/2014/main" id="{E58457AC-AEF7-00DD-DCE3-EC8D7CDE4F00}"/>
-              </a:ext>
-            </a:extLst>
-          </p:cNvPr>
-          <p:cNvSpPr txBox="1"/>
-          <p:nvPr/>
-        </p:nvSpPr>
-        <p:spPr>
-          <a:xfrm>
-            <a:off x="4957684" y="1466682"/>
-            <a:ext cx="5184576" cy="369332"/>
-          </a:xfrm>
-          <a:prstGeom prst="rect">
-            <a:avLst/>
-          </a:prstGeom>
-          <a:noFill/>
-        </p:spPr>
-        <p:txBody>
-          <a:bodyPr wrap="square">
-            <a:spAutoFit/>
-          </a:bodyPr>
-          <a:lstStyle/>
-          <a:p>
-            <a:r>
-              <a:rPr lang="en-CA" sz="1800" dirty="0">
-                <a:latin typeface="+mn-lt"/>
-              </a:rPr>
-              <a:t>Transcription-factor binding site enrichments</a:t>
-            </a:r>
-            <a:endParaRPr lang="en-US" sz="1800" dirty="0">
-              <a:latin typeface="+mn-lt"/>
-            </a:endParaRPr>
-          </a:p>
-        </p:txBody>
-      </p:sp>
-      <p:pic>
-        <p:nvPicPr>
-          <p:cNvPr id="6146" name="Picture 2" descr="Fig. 2">
-            <a:extLst>
-              <a:ext uri="{FF2B5EF4-FFF2-40B4-BE49-F238E27FC236}">
-                <a16:creationId xmlns:a16="http://schemas.microsoft.com/office/drawing/2014/main" id="{B5491D56-092E-9F0C-AC25-CFBC85431CAA}"/>
-              </a:ext>
-            </a:extLst>
-          </p:cNvPr>
-          <p:cNvPicPr>
-            <a:picLocks noChangeAspect="1" noChangeArrowheads="1"/>
-          </p:cNvPicPr>
-          <p:nvPr/>
-        </p:nvPicPr>
-        <p:blipFill rotWithShape="1">
-          <a:blip r:embed="rId2">
-            <a:extLst>
-              <a:ext uri="{28A0092B-C50C-407E-A947-70E740481C1C}">
-                <a14:useLocalDpi xmlns:a14="http://schemas.microsoft.com/office/drawing/2010/main" val="0"/>
-              </a:ext>
-            </a:extLst>
-          </a:blip>
-          <a:srcRect t="51050" r="23791"/>
-          <a:stretch/>
-        </p:blipFill>
-        <p:spPr bwMode="auto">
-          <a:xfrm>
-            <a:off x="1663725" y="1868161"/>
-            <a:ext cx="8235429" cy="4401298"/>
-          </a:xfrm>
-          <a:prstGeom prst="rect">
-            <a:avLst/>
-          </a:prstGeom>
-          <a:noFill/>
-          <a:extLst>
-            <a:ext uri="{909E8E84-426E-40DD-AFC4-6F175D3DCCD1}">
-              <a14:hiddenFill xmlns:a14="http://schemas.microsoft.com/office/drawing/2010/main">
-                <a:solidFill>
-                  <a:srgbClr val="FFFFFF"/>
-                </a:solidFill>
-              </a14:hiddenFill>
-            </a:ext>
-          </a:extLst>
-        </p:spPr>
-      </p:pic>
     </p:spTree>
     <p:extLst>
       <p:ext uri="{BB962C8B-B14F-4D97-AF65-F5344CB8AC3E}">
-        <p14:creationId xmlns:p14="http://schemas.microsoft.com/office/powerpoint/2010/main" val="2072415"/>
+        <p14:creationId xmlns:p14="http://schemas.microsoft.com/office/powerpoint/2010/main" val="998158061"/>
       </p:ext>
     </p:extLst>
   </p:cSld>
@@ -13042,7 +11495,7 @@
           <p:cNvPr id="2" name="Title 1">
             <a:extLst>
               <a:ext uri="{FF2B5EF4-FFF2-40B4-BE49-F238E27FC236}">
-                <a16:creationId xmlns:a16="http://schemas.microsoft.com/office/drawing/2014/main" id="{4B4947CE-4B8B-8221-AC67-D73341449546}"/>
+                <a16:creationId xmlns:a16="http://schemas.microsoft.com/office/drawing/2014/main" id="{7707CA8E-644B-FF8C-B973-54551AFD1A3A}"/>
               </a:ext>
             </a:extLst>
           </p:cNvPr>
@@ -13059,199 +11512,41 @@
           <a:lstStyle/>
           <a:p>
             <a:r>
-              <a:rPr lang="en-US" dirty="0"/>
-              <a:t>… in fact, genetic co-regulation of DNA methylation and gene expression appears uncommon</a:t>
+              <a:rPr lang="en-CA" sz="4800" dirty="0"/>
+              <a:t>ICE mice phenocopy brain aging</a:t>
             </a:r>
           </a:p>
         </p:txBody>
       </p:sp>
-      <p:pic>
-        <p:nvPicPr>
-          <p:cNvPr id="5122" name="Picture 2" descr="Fig. 2">
+      <p:sp>
+        <p:nvSpPr>
+          <p:cNvPr id="3" name="Content Placeholder 2">
             <a:extLst>
               <a:ext uri="{FF2B5EF4-FFF2-40B4-BE49-F238E27FC236}">
-                <a16:creationId xmlns:a16="http://schemas.microsoft.com/office/drawing/2014/main" id="{D80E606D-4C14-C719-8B49-CC3383BDCF52}"/>
+                <a16:creationId xmlns:a16="http://schemas.microsoft.com/office/drawing/2014/main" id="{80281EEC-3BE3-A527-6CAC-8F76A70D67C6}"/>
               </a:ext>
             </a:extLst>
           </p:cNvPr>
-          <p:cNvPicPr>
-            <a:picLocks noChangeAspect="1" noChangeArrowheads="1"/>
-          </p:cNvPicPr>
-          <p:nvPr/>
-        </p:nvPicPr>
-        <p:blipFill rotWithShape="1">
-          <a:blip r:embed="rId2">
-            <a:extLst>
-              <a:ext uri="{28A0092B-C50C-407E-A947-70E740481C1C}">
-                <a14:useLocalDpi xmlns:a14="http://schemas.microsoft.com/office/drawing/2010/main" val="0"/>
-              </a:ext>
-            </a:extLst>
-          </a:blip>
-          <a:srcRect l="76209" t="56949" b="14002"/>
-          <a:stretch/>
-        </p:blipFill>
-        <p:spPr bwMode="auto">
-          <a:xfrm>
-            <a:off x="4308661" y="2060848"/>
-            <a:ext cx="3473078" cy="3528392"/>
-          </a:xfrm>
-          <a:prstGeom prst="rect">
-            <a:avLst/>
-          </a:prstGeom>
-          <a:noFill/>
-          <a:extLst>
-            <a:ext uri="{909E8E84-426E-40DD-AFC4-6F175D3DCCD1}">
-              <a14:hiddenFill xmlns:a14="http://schemas.microsoft.com/office/drawing/2010/main">
-                <a:solidFill>
-                  <a:srgbClr val="FFFFFF"/>
-                </a:solidFill>
-              </a14:hiddenFill>
-            </a:ext>
-          </a:extLst>
-        </p:spPr>
-      </p:pic>
-      <p:sp>
-        <p:nvSpPr>
-          <p:cNvPr id="5" name="TextBox 4">
-            <a:extLst>
-              <a:ext uri="{FF2B5EF4-FFF2-40B4-BE49-F238E27FC236}">
-                <a16:creationId xmlns:a16="http://schemas.microsoft.com/office/drawing/2014/main" id="{E32008FE-C4FF-561F-9548-3FBB583D9BBB}"/>
-              </a:ext>
-            </a:extLst>
-          </p:cNvPr>
-          <p:cNvSpPr txBox="1"/>
-          <p:nvPr/>
+          <p:cNvSpPr>
+            <a:spLocks noGrp="1"/>
+          </p:cNvSpPr>
+          <p:nvPr>
+            <p:ph idx="1"/>
+          </p:nvPr>
         </p:nvSpPr>
-        <p:spPr>
-          <a:xfrm>
-            <a:off x="609600" y="1988840"/>
-            <a:ext cx="3470196" cy="2308324"/>
-          </a:xfrm>
-          <a:prstGeom prst="rect">
-            <a:avLst/>
-          </a:prstGeom>
-          <a:noFill/>
-        </p:spPr>
+        <p:spPr/>
         <p:txBody>
-          <a:bodyPr wrap="square">
-            <a:spAutoFit/>
-          </a:bodyPr>
+          <a:bodyPr/>
           <a:lstStyle/>
           <a:p>
-            <a:pPr algn="l"/>
-            <a:r>
-              <a:rPr lang="en-CA" sz="1800" dirty="0">
-                <a:latin typeface="+mn-lt"/>
-              </a:rPr>
-              <a:t>About 21% of CpG-gene pairs </a:t>
-            </a:r>
-            <a:r>
-              <a:rPr lang="en-CA" sz="1800" dirty="0" err="1">
-                <a:latin typeface="+mn-lt"/>
-              </a:rPr>
-              <a:t>colocalise</a:t>
-            </a:r>
-            <a:r>
-              <a:rPr lang="en-CA" sz="1800" dirty="0">
-                <a:latin typeface="+mn-lt"/>
-              </a:rPr>
-              <a:t> </a:t>
-            </a:r>
-            <a:br>
-              <a:rPr lang="en-CA" sz="1800" dirty="0">
-                <a:latin typeface="+mn-lt"/>
-              </a:rPr>
-            </a:br>
-            <a:r>
-              <a:rPr lang="en-CA" sz="1800" dirty="0">
-                <a:latin typeface="+mn-lt"/>
-              </a:rPr>
-              <a:t>(i.e. share a common causal variant)</a:t>
-            </a:r>
-          </a:p>
-          <a:p>
-            <a:pPr algn="l"/>
-            <a:endParaRPr lang="en-CA" sz="1800" dirty="0">
-              <a:latin typeface="+mn-lt"/>
-            </a:endParaRPr>
-          </a:p>
-          <a:p>
-            <a:pPr algn="l"/>
-            <a:r>
-              <a:rPr lang="en-CA" sz="1800" i="1" dirty="0">
-                <a:latin typeface="+mn-lt"/>
-              </a:rPr>
-              <a:t>(where pairs were drawn from CpG sites with </a:t>
-            </a:r>
-            <a:r>
-              <a:rPr lang="en-CA" sz="1800" i="1" dirty="0" err="1">
-                <a:latin typeface="+mn-lt"/>
-              </a:rPr>
-              <a:t>mQTLs</a:t>
-            </a:r>
-            <a:r>
-              <a:rPr lang="en-CA" sz="1800" i="1" dirty="0">
-                <a:latin typeface="+mn-lt"/>
-              </a:rPr>
-              <a:t> and genes with </a:t>
-            </a:r>
-            <a:r>
-              <a:rPr lang="en-CA" sz="1800" i="1" dirty="0" err="1">
-                <a:latin typeface="+mn-lt"/>
-              </a:rPr>
-              <a:t>eQTLs</a:t>
-            </a:r>
-            <a:r>
-              <a:rPr lang="en-CA" sz="1800" i="1" dirty="0">
-                <a:latin typeface="+mn-lt"/>
-              </a:rPr>
-              <a:t>)</a:t>
-            </a:r>
-            <a:endParaRPr lang="en-US" sz="1800" i="1" dirty="0">
-              <a:latin typeface="+mn-lt"/>
-            </a:endParaRPr>
+            <a:endParaRPr lang="en-US"/>
           </a:p>
         </p:txBody>
       </p:sp>
-      <p:cxnSp>
-        <p:nvCxnSpPr>
-          <p:cNvPr id="7" name="Straight Arrow Connector 6">
-            <a:extLst>
-              <a:ext uri="{FF2B5EF4-FFF2-40B4-BE49-F238E27FC236}">
-                <a16:creationId xmlns:a16="http://schemas.microsoft.com/office/drawing/2014/main" id="{C707DA4F-C358-E77B-F641-B870E23BAB7B}"/>
-              </a:ext>
-            </a:extLst>
-          </p:cNvPr>
-          <p:cNvCxnSpPr/>
-          <p:nvPr/>
-        </p:nvCxnSpPr>
-        <p:spPr bwMode="auto">
-          <a:xfrm>
-            <a:off x="3359696" y="2420888"/>
-            <a:ext cx="1080120" cy="288032"/>
-          </a:xfrm>
-          <a:prstGeom prst="straightConnector1">
-            <a:avLst/>
-          </a:prstGeom>
-          <a:solidFill>
-            <a:schemeClr val="accent1"/>
-          </a:solidFill>
-          <a:ln w="50800" cap="flat" cmpd="sng" algn="ctr">
-            <a:solidFill>
-              <a:schemeClr val="tx1"/>
-            </a:solidFill>
-            <a:prstDash val="solid"/>
-            <a:round/>
-            <a:headEnd type="none" w="med" len="med"/>
-            <a:tailEnd type="triangle"/>
-          </a:ln>
-          <a:effectLst/>
-        </p:spPr>
-      </p:cxnSp>
     </p:spTree>
     <p:extLst>
       <p:ext uri="{BB962C8B-B14F-4D97-AF65-F5344CB8AC3E}">
-        <p14:creationId xmlns:p14="http://schemas.microsoft.com/office/powerpoint/2010/main" val="880862359"/>
+        <p14:creationId xmlns:p14="http://schemas.microsoft.com/office/powerpoint/2010/main" val="2868874922"/>
       </p:ext>
     </p:extLst>
   </p:cSld>
@@ -13284,7 +11579,7 @@
           <p:cNvPr id="2" name="Title 1">
             <a:extLst>
               <a:ext uri="{FF2B5EF4-FFF2-40B4-BE49-F238E27FC236}">
-                <a16:creationId xmlns:a16="http://schemas.microsoft.com/office/drawing/2014/main" id="{2E4B942A-4151-5DC4-3454-4A3C2C7466CF}"/>
+                <a16:creationId xmlns:a16="http://schemas.microsoft.com/office/drawing/2014/main" id="{7707CA8E-644B-FF8C-B973-54551AFD1A3A}"/>
               </a:ext>
             </a:extLst>
           </p:cNvPr>
@@ -13301,10 +11596,9 @@
           <a:lstStyle/>
           <a:p>
             <a:r>
-              <a:rPr lang="en-CA" dirty="0"/>
-              <a:t>Complex traits</a:t>
+              <a:rPr lang="en-CA" sz="4800" dirty="0"/>
+              <a:t>ICE mice phenocopy muscle aging</a:t>
             </a:r>
-            <a:endParaRPr lang="en-US" dirty="0"/>
           </a:p>
         </p:txBody>
       </p:sp>
@@ -13313,7 +11607,7 @@
           <p:cNvPr id="3" name="Content Placeholder 2">
             <a:extLst>
               <a:ext uri="{FF2B5EF4-FFF2-40B4-BE49-F238E27FC236}">
-                <a16:creationId xmlns:a16="http://schemas.microsoft.com/office/drawing/2014/main" id="{E9CD7A53-4B07-088F-B42A-336E2C372F3C}"/>
+                <a16:creationId xmlns:a16="http://schemas.microsoft.com/office/drawing/2014/main" id="{80281EEC-3BE3-A527-6CAC-8F76A70D67C6}"/>
               </a:ext>
             </a:extLst>
           </p:cNvPr>
@@ -13324,258 +11618,19 @@
             <p:ph idx="1"/>
           </p:nvPr>
         </p:nvSpPr>
-        <p:spPr>
-          <a:xfrm>
-            <a:off x="609600" y="1628800"/>
-            <a:ext cx="3806552" cy="4572000"/>
-          </a:xfrm>
-        </p:spPr>
+        <p:spPr/>
         <p:txBody>
           <a:bodyPr/>
           <a:lstStyle/>
           <a:p>
-            <a:pPr marL="0" indent="0">
-              <a:buNone/>
-            </a:pPr>
-            <a:r>
-              <a:rPr lang="en-US" sz="1800" dirty="0"/>
-              <a:t>87 GWAS</a:t>
-            </a:r>
-          </a:p>
-          <a:p>
-            <a:pPr marL="0" indent="0">
-              <a:buNone/>
-            </a:pPr>
-            <a:r>
-              <a:rPr lang="en-US" sz="1800" dirty="0"/>
-              <a:t>286K </a:t>
-            </a:r>
-            <a:r>
-              <a:rPr lang="en-US" sz="1800" dirty="0" err="1"/>
-              <a:t>mCpGs</a:t>
-            </a:r>
-            <a:endParaRPr lang="en-US" sz="1800" dirty="0"/>
-          </a:p>
-          <a:p>
-            <a:pPr marL="0" indent="0">
-              <a:buNone/>
-            </a:pPr>
-            <a:r>
-              <a:rPr lang="en-US" sz="1800" b="1" dirty="0"/>
-              <a:t>2254</a:t>
-            </a:r>
-            <a:r>
-              <a:rPr lang="en-US" sz="1800" dirty="0"/>
-              <a:t> </a:t>
-            </a:r>
-            <a:r>
-              <a:rPr lang="en-US" sz="1800" dirty="0" err="1"/>
-              <a:t>mCpGs</a:t>
-            </a:r>
-            <a:r>
-              <a:rPr lang="en-US" sz="1800" dirty="0"/>
-              <a:t> share a casual variant with 83 traits</a:t>
-            </a:r>
-          </a:p>
-          <a:p>
-            <a:pPr marL="0" indent="0">
-              <a:buNone/>
-            </a:pPr>
-            <a:endParaRPr lang="en-CA" sz="1800" dirty="0"/>
-          </a:p>
-          <a:p>
-            <a:pPr marL="0" indent="0">
-              <a:buNone/>
-            </a:pPr>
-            <a:r>
-              <a:rPr lang="en-CA" sz="1800" b="1" dirty="0"/>
-              <a:t>compared to (just blood)</a:t>
-            </a:r>
-          </a:p>
-          <a:p>
-            <a:pPr marL="0" indent="0">
-              <a:buNone/>
-            </a:pPr>
-            <a:endParaRPr lang="en-CA" sz="1800" dirty="0"/>
-          </a:p>
-          <a:p>
-            <a:pPr marL="400050" lvl="1" indent="0">
-              <a:buNone/>
-            </a:pPr>
-            <a:r>
-              <a:rPr lang="en-CA" sz="1800" dirty="0"/>
-              <a:t>116 GWAS</a:t>
-            </a:r>
-          </a:p>
-          <a:p>
-            <a:pPr marL="400050" lvl="1" indent="0">
-              <a:buNone/>
-            </a:pPr>
-            <a:r>
-              <a:rPr lang="en-CA" sz="1800" dirty="0"/>
-              <a:t>420K </a:t>
-            </a:r>
-            <a:r>
-              <a:rPr lang="en-CA" sz="1800" dirty="0" err="1"/>
-              <a:t>mCpGs</a:t>
-            </a:r>
-            <a:endParaRPr lang="en-CA" sz="1800" dirty="0"/>
-          </a:p>
-          <a:p>
-            <a:pPr marL="400050" lvl="1" indent="0">
-              <a:buNone/>
-            </a:pPr>
-            <a:r>
-              <a:rPr lang="en-CA" sz="1800" b="1" dirty="0"/>
-              <a:t>1373</a:t>
-            </a:r>
-            <a:r>
-              <a:rPr lang="en-CA" sz="1800" dirty="0"/>
-              <a:t> </a:t>
-            </a:r>
-            <a:r>
-              <a:rPr lang="en-CA" sz="1800" dirty="0" err="1"/>
-              <a:t>mCpGs</a:t>
-            </a:r>
-            <a:r>
-              <a:rPr lang="en-CA" sz="1800" dirty="0"/>
-              <a:t> share causal variant with 71 traits</a:t>
-            </a:r>
-          </a:p>
-          <a:p>
-            <a:pPr marL="400050" lvl="1" indent="0">
-              <a:buNone/>
-            </a:pPr>
-            <a:r>
-              <a:rPr lang="en-US" sz="1800" dirty="0"/>
-              <a:t>(</a:t>
-            </a:r>
-            <a:r>
-              <a:rPr lang="en-CA" sz="1800" dirty="0"/>
-              <a:t>Min et al. Nat Genet 2021</a:t>
-            </a:r>
-            <a:r>
-              <a:rPr lang="en-US" sz="1800" dirty="0"/>
-              <a:t>)</a:t>
-            </a:r>
-          </a:p>
-          <a:p>
-            <a:pPr marL="400050" lvl="1" indent="0">
-              <a:buNone/>
-            </a:pPr>
-            <a:endParaRPr lang="en-US" sz="1800" i="1" dirty="0"/>
-          </a:p>
-          <a:p>
-            <a:pPr marL="400050" lvl="1" indent="0">
-              <a:buNone/>
-            </a:pPr>
-            <a:r>
-              <a:rPr lang="en-US" sz="1800" i="1" dirty="0"/>
-              <a:t>So multiple tissues only slightly better but not a lot.  Power?</a:t>
-            </a:r>
-            <a:endParaRPr lang="en-CA" sz="1800" dirty="0"/>
-          </a:p>
-        </p:txBody>
-      </p:sp>
-      <p:pic>
-        <p:nvPicPr>
-          <p:cNvPr id="7170" name="Picture 2" descr="figure 4">
-            <a:extLst>
-              <a:ext uri="{FF2B5EF4-FFF2-40B4-BE49-F238E27FC236}">
-                <a16:creationId xmlns:a16="http://schemas.microsoft.com/office/drawing/2014/main" id="{7D15A4B8-7501-D262-74CF-FD34AAAD8C1F}"/>
-              </a:ext>
-            </a:extLst>
-          </p:cNvPr>
-          <p:cNvPicPr>
-            <a:picLocks noChangeAspect="1" noChangeArrowheads="1"/>
-          </p:cNvPicPr>
-          <p:nvPr/>
-        </p:nvPicPr>
-        <p:blipFill>
-          <a:blip r:embed="rId2">
-            <a:extLst>
-              <a:ext uri="{28A0092B-C50C-407E-A947-70E740481C1C}">
-                <a14:useLocalDpi xmlns:a14="http://schemas.microsoft.com/office/drawing/2010/main" val="0"/>
-              </a:ext>
-            </a:extLst>
-          </a:blip>
-          <a:srcRect/>
-          <a:stretch>
-            <a:fillRect/>
-          </a:stretch>
-        </p:blipFill>
-        <p:spPr bwMode="auto">
-          <a:xfrm>
-            <a:off x="4612940" y="401067"/>
-            <a:ext cx="7286600" cy="6424973"/>
-          </a:xfrm>
-          <a:prstGeom prst="rect">
-            <a:avLst/>
-          </a:prstGeom>
-          <a:noFill/>
-          <a:extLst>
-            <a:ext uri="{909E8E84-426E-40DD-AFC4-6F175D3DCCD1}">
-              <a14:hiddenFill xmlns:a14="http://schemas.microsoft.com/office/drawing/2010/main">
-                <a:solidFill>
-                  <a:srgbClr val="FFFFFF"/>
-                </a:solidFill>
-              </a14:hiddenFill>
-            </a:ext>
-          </a:extLst>
-        </p:spPr>
-      </p:pic>
-      <p:sp>
-        <p:nvSpPr>
-          <p:cNvPr id="5" name="TextBox 4">
-            <a:extLst>
-              <a:ext uri="{FF2B5EF4-FFF2-40B4-BE49-F238E27FC236}">
-                <a16:creationId xmlns:a16="http://schemas.microsoft.com/office/drawing/2014/main" id="{118D299A-E09A-4242-8CCC-10EBE4063979}"/>
-              </a:ext>
-            </a:extLst>
-          </p:cNvPr>
-          <p:cNvSpPr txBox="1"/>
-          <p:nvPr/>
-        </p:nvSpPr>
-        <p:spPr>
-          <a:xfrm>
-            <a:off x="10056440" y="31960"/>
-            <a:ext cx="2039888" cy="1754326"/>
-          </a:xfrm>
-          <a:prstGeom prst="rect">
-            <a:avLst/>
-          </a:prstGeom>
-          <a:noFill/>
-        </p:spPr>
-        <p:txBody>
-          <a:bodyPr wrap="square">
-            <a:spAutoFit/>
-          </a:bodyPr>
-          <a:lstStyle/>
-          <a:p>
-            <a:pPr algn="l"/>
-            <a:r>
-              <a:rPr lang="en-CA" sz="1800" b="1" dirty="0">
-                <a:latin typeface="+mn-lt"/>
-              </a:rPr>
-              <a:t>Overall</a:t>
-            </a:r>
-          </a:p>
-          <a:p>
-            <a:pPr algn="l"/>
-            <a:r>
-              <a:rPr lang="en-CA" sz="1800" dirty="0">
-                <a:latin typeface="+mn-lt"/>
-              </a:rPr>
-              <a:t>Colocalization more likely with DNA methylation than gene expression</a:t>
-            </a:r>
-            <a:endParaRPr lang="en-US" sz="1800" dirty="0"/>
+            <a:endParaRPr lang="en-US"/>
           </a:p>
         </p:txBody>
       </p:sp>
     </p:spTree>
     <p:extLst>
       <p:ext uri="{BB962C8B-B14F-4D97-AF65-F5344CB8AC3E}">
-        <p14:creationId xmlns:p14="http://schemas.microsoft.com/office/powerpoint/2010/main" val="2862832578"/>
+        <p14:creationId xmlns:p14="http://schemas.microsoft.com/office/powerpoint/2010/main" val="2454155836"/>
       </p:ext>
     </p:extLst>
   </p:cSld>
@@ -13583,306 +11638,6 @@
     <a:masterClrMapping/>
   </p:clrMapOvr>
   <p:transition spd="med"/>
-  <p:timing>
-    <p:tnLst>
-      <p:par>
-        <p:cTn id="1" dur="indefinite" restart="never" nodeType="tmRoot">
-          <p:childTnLst>
-            <p:seq concurrent="1" nextAc="seek">
-              <p:cTn id="2" dur="indefinite" nodeType="mainSeq">
-                <p:childTnLst>
-                  <p:par>
-                    <p:cTn id="3" fill="hold">
-                      <p:stCondLst>
-                        <p:cond delay="indefinite"/>
-                      </p:stCondLst>
-                      <p:childTnLst>
-                        <p:par>
-                          <p:cTn id="4" fill="hold">
-                            <p:stCondLst>
-                              <p:cond delay="0"/>
-                            </p:stCondLst>
-                            <p:childTnLst>
-                              <p:par>
-                                <p:cTn id="5" presetID="1" presetClass="entr" presetSubtype="0" fill="hold" nodeType="clickEffect">
-                                  <p:stCondLst>
-                                    <p:cond delay="0"/>
-                                  </p:stCondLst>
-                                  <p:childTnLst>
-                                    <p:set>
-                                      <p:cBhvr>
-                                        <p:cTn id="6" dur="1" fill="hold">
-                                          <p:stCondLst>
-                                            <p:cond delay="0"/>
-                                          </p:stCondLst>
-                                        </p:cTn>
-                                        <p:tgtEl>
-                                          <p:spTgt spid="3">
-                                            <p:txEl>
-                                              <p:pRg st="4" end="4"/>
-                                            </p:txEl>
-                                          </p:spTgt>
-                                        </p:tgtEl>
-                                        <p:attrNameLst>
-                                          <p:attrName>style.visibility</p:attrName>
-                                        </p:attrNameLst>
-                                      </p:cBhvr>
-                                      <p:to>
-                                        <p:strVal val="visible"/>
-                                      </p:to>
-                                    </p:set>
-                                  </p:childTnLst>
-                                </p:cTn>
-                              </p:par>
-                              <p:par>
-                                <p:cTn id="7" presetID="1" presetClass="entr" presetSubtype="0" fill="hold" nodeType="withEffect">
-                                  <p:stCondLst>
-                                    <p:cond delay="0"/>
-                                  </p:stCondLst>
-                                  <p:childTnLst>
-                                    <p:set>
-                                      <p:cBhvr>
-                                        <p:cTn id="8" dur="1" fill="hold">
-                                          <p:stCondLst>
-                                            <p:cond delay="0"/>
-                                          </p:stCondLst>
-                                        </p:cTn>
-                                        <p:tgtEl>
-                                          <p:spTgt spid="3">
-                                            <p:txEl>
-                                              <p:pRg st="6" end="6"/>
-                                            </p:txEl>
-                                          </p:spTgt>
-                                        </p:tgtEl>
-                                        <p:attrNameLst>
-                                          <p:attrName>style.visibility</p:attrName>
-                                        </p:attrNameLst>
-                                      </p:cBhvr>
-                                      <p:to>
-                                        <p:strVal val="visible"/>
-                                      </p:to>
-                                    </p:set>
-                                  </p:childTnLst>
-                                </p:cTn>
-                              </p:par>
-                              <p:par>
-                                <p:cTn id="9" presetID="1" presetClass="entr" presetSubtype="0" fill="hold" nodeType="withEffect">
-                                  <p:stCondLst>
-                                    <p:cond delay="0"/>
-                                  </p:stCondLst>
-                                  <p:childTnLst>
-                                    <p:set>
-                                      <p:cBhvr>
-                                        <p:cTn id="10" dur="1" fill="hold">
-                                          <p:stCondLst>
-                                            <p:cond delay="0"/>
-                                          </p:stCondLst>
-                                        </p:cTn>
-                                        <p:tgtEl>
-                                          <p:spTgt spid="3">
-                                            <p:txEl>
-                                              <p:pRg st="7" end="7"/>
-                                            </p:txEl>
-                                          </p:spTgt>
-                                        </p:tgtEl>
-                                        <p:attrNameLst>
-                                          <p:attrName>style.visibility</p:attrName>
-                                        </p:attrNameLst>
-                                      </p:cBhvr>
-                                      <p:to>
-                                        <p:strVal val="visible"/>
-                                      </p:to>
-                                    </p:set>
-                                  </p:childTnLst>
-                                </p:cTn>
-                              </p:par>
-                              <p:par>
-                                <p:cTn id="11" presetID="1" presetClass="entr" presetSubtype="0" fill="hold" nodeType="withEffect">
-                                  <p:stCondLst>
-                                    <p:cond delay="0"/>
-                                  </p:stCondLst>
-                                  <p:childTnLst>
-                                    <p:set>
-                                      <p:cBhvr>
-                                        <p:cTn id="12" dur="1" fill="hold">
-                                          <p:stCondLst>
-                                            <p:cond delay="0"/>
-                                          </p:stCondLst>
-                                        </p:cTn>
-                                        <p:tgtEl>
-                                          <p:spTgt spid="3">
-                                            <p:txEl>
-                                              <p:pRg st="8" end="8"/>
-                                            </p:txEl>
-                                          </p:spTgt>
-                                        </p:tgtEl>
-                                        <p:attrNameLst>
-                                          <p:attrName>style.visibility</p:attrName>
-                                        </p:attrNameLst>
-                                      </p:cBhvr>
-                                      <p:to>
-                                        <p:strVal val="visible"/>
-                                      </p:to>
-                                    </p:set>
-                                  </p:childTnLst>
-                                </p:cTn>
-                              </p:par>
-                              <p:par>
-                                <p:cTn id="13" presetID="1" presetClass="entr" presetSubtype="0" fill="hold" nodeType="withEffect">
-                                  <p:stCondLst>
-                                    <p:cond delay="0"/>
-                                  </p:stCondLst>
-                                  <p:childTnLst>
-                                    <p:set>
-                                      <p:cBhvr>
-                                        <p:cTn id="14" dur="1" fill="hold">
-                                          <p:stCondLst>
-                                            <p:cond delay="0"/>
-                                          </p:stCondLst>
-                                        </p:cTn>
-                                        <p:tgtEl>
-                                          <p:spTgt spid="3">
-                                            <p:txEl>
-                                              <p:pRg st="9" end="9"/>
-                                            </p:txEl>
-                                          </p:spTgt>
-                                        </p:tgtEl>
-                                        <p:attrNameLst>
-                                          <p:attrName>style.visibility</p:attrName>
-                                        </p:attrNameLst>
-                                      </p:cBhvr>
-                                      <p:to>
-                                        <p:strVal val="visible"/>
-                                      </p:to>
-                                    </p:set>
-                                  </p:childTnLst>
-                                </p:cTn>
-                              </p:par>
-                            </p:childTnLst>
-                          </p:cTn>
-                        </p:par>
-                      </p:childTnLst>
-                    </p:cTn>
-                  </p:par>
-                  <p:par>
-                    <p:cTn id="15" fill="hold">
-                      <p:stCondLst>
-                        <p:cond delay="indefinite"/>
-                      </p:stCondLst>
-                      <p:childTnLst>
-                        <p:par>
-                          <p:cTn id="16" fill="hold">
-                            <p:stCondLst>
-                              <p:cond delay="0"/>
-                            </p:stCondLst>
-                            <p:childTnLst>
-                              <p:par>
-                                <p:cTn id="17" presetID="1" presetClass="entr" presetSubtype="0" fill="hold" nodeType="clickEffect">
-                                  <p:stCondLst>
-                                    <p:cond delay="0"/>
-                                  </p:stCondLst>
-                                  <p:childTnLst>
-                                    <p:set>
-                                      <p:cBhvr>
-                                        <p:cTn id="18" dur="1" fill="hold">
-                                          <p:stCondLst>
-                                            <p:cond delay="0"/>
-                                          </p:stCondLst>
-                                        </p:cTn>
-                                        <p:tgtEl>
-                                          <p:spTgt spid="3">
-                                            <p:txEl>
-                                              <p:pRg st="11" end="11"/>
-                                            </p:txEl>
-                                          </p:spTgt>
-                                        </p:tgtEl>
-                                        <p:attrNameLst>
-                                          <p:attrName>style.visibility</p:attrName>
-                                        </p:attrNameLst>
-                                      </p:cBhvr>
-                                      <p:to>
-                                        <p:strVal val="visible"/>
-                                      </p:to>
-                                    </p:set>
-                                  </p:childTnLst>
-                                </p:cTn>
-                              </p:par>
-                            </p:childTnLst>
-                          </p:cTn>
-                        </p:par>
-                      </p:childTnLst>
-                    </p:cTn>
-                  </p:par>
-                  <p:par>
-                    <p:cTn id="19" fill="hold">
-                      <p:stCondLst>
-                        <p:cond delay="indefinite"/>
-                      </p:stCondLst>
-                      <p:childTnLst>
-                        <p:par>
-                          <p:cTn id="20" fill="hold">
-                            <p:stCondLst>
-                              <p:cond delay="0"/>
-                            </p:stCondLst>
-                            <p:childTnLst>
-                              <p:par>
-                                <p:cTn id="21" presetID="1" presetClass="entr" presetSubtype="0" fill="hold" grpId="0" nodeType="clickEffect">
-                                  <p:stCondLst>
-                                    <p:cond delay="0"/>
-                                  </p:stCondLst>
-                                  <p:childTnLst>
-                                    <p:set>
-                                      <p:cBhvr>
-                                        <p:cTn id="22" dur="1" fill="hold">
-                                          <p:stCondLst>
-                                            <p:cond delay="0"/>
-                                          </p:stCondLst>
-                                        </p:cTn>
-                                        <p:tgtEl>
-                                          <p:spTgt spid="5"/>
-                                        </p:tgtEl>
-                                        <p:attrNameLst>
-                                          <p:attrName>style.visibility</p:attrName>
-                                        </p:attrNameLst>
-                                      </p:cBhvr>
-                                      <p:to>
-                                        <p:strVal val="visible"/>
-                                      </p:to>
-                                    </p:set>
-                                  </p:childTnLst>
-                                </p:cTn>
-                              </p:par>
-                            </p:childTnLst>
-                          </p:cTn>
-                        </p:par>
-                      </p:childTnLst>
-                    </p:cTn>
-                  </p:par>
-                </p:childTnLst>
-              </p:cTn>
-              <p:prevCondLst>
-                <p:cond evt="onPrev" delay="0">
-                  <p:tgtEl>
-                    <p:sldTgt/>
-                  </p:tgtEl>
-                </p:cond>
-              </p:prevCondLst>
-              <p:nextCondLst>
-                <p:cond evt="onNext" delay="0">
-                  <p:tgtEl>
-                    <p:sldTgt/>
-                  </p:tgtEl>
-                </p:cond>
-              </p:nextCondLst>
-            </p:seq>
-          </p:childTnLst>
-        </p:cTn>
-      </p:par>
-    </p:tnLst>
-    <p:bldLst>
-      <p:bldP spid="5" grpId="0"/>
-    </p:bldLst>
-  </p:timing>
 </p:sld>
 </file>
 
@@ -13908,7 +11663,7 @@
           <p:cNvPr id="2" name="Title 1">
             <a:extLst>
               <a:ext uri="{FF2B5EF4-FFF2-40B4-BE49-F238E27FC236}">
-                <a16:creationId xmlns:a16="http://schemas.microsoft.com/office/drawing/2014/main" id="{ED49BC41-C074-7AE4-A9DC-F8A91681B729}"/>
+                <a16:creationId xmlns:a16="http://schemas.microsoft.com/office/drawing/2014/main" id="{7707CA8E-644B-FF8C-B973-54551AFD1A3A}"/>
               </a:ext>
             </a:extLst>
           </p:cNvPr>
@@ -13925,16 +11680,8 @@
           <a:lstStyle/>
           <a:p>
             <a:r>
-              <a:rPr lang="en-US" dirty="0"/>
-              <a:t>Genetic regulation of </a:t>
-            </a:r>
-            <a:r>
-              <a:rPr lang="en-US" dirty="0" err="1"/>
-              <a:t>DNAm</a:t>
-            </a:r>
-            <a:r>
-              <a:rPr lang="en-US" dirty="0"/>
-              <a:t> facilitates the fine-mapping of trait-associated variants and characterization of regulatory mechanisms</a:t>
+              <a:rPr lang="en-CA" sz="4800" dirty="0"/>
+              <a:t>ICE accelerates epigenetic aging</a:t>
             </a:r>
           </a:p>
         </p:txBody>
@@ -13944,7 +11691,7 @@
           <p:cNvPr id="3" name="Content Placeholder 2">
             <a:extLst>
               <a:ext uri="{FF2B5EF4-FFF2-40B4-BE49-F238E27FC236}">
-                <a16:creationId xmlns:a16="http://schemas.microsoft.com/office/drawing/2014/main" id="{4D77CDC3-6BEE-AEEB-CE5C-29073201A053}"/>
+                <a16:creationId xmlns:a16="http://schemas.microsoft.com/office/drawing/2014/main" id="{80281EEC-3BE3-A527-6CAC-8F76A70D67C6}"/>
               </a:ext>
             </a:extLst>
           </p:cNvPr>
@@ -13955,90 +11702,19 @@
             <p:ph idx="1"/>
           </p:nvPr>
         </p:nvSpPr>
-        <p:spPr>
-          <a:xfrm>
-            <a:off x="609600" y="1897200"/>
-            <a:ext cx="4118248" cy="4572000"/>
-          </a:xfrm>
-        </p:spPr>
+        <p:spPr/>
         <p:txBody>
           <a:bodyPr/>
           <a:lstStyle/>
           <a:p>
-            <a:pPr marL="0" indent="0">
-              <a:buNone/>
-            </a:pPr>
-            <a:r>
-              <a:rPr lang="en-CA" dirty="0"/>
-              <a:t>Several examples where having</a:t>
-            </a:r>
-            <a:r>
-              <a:rPr lang="en-US" i="1" dirty="0"/>
-              <a:t> </a:t>
-            </a:r>
-            <a:br>
-              <a:rPr lang="en-US" dirty="0"/>
-            </a:br>
-            <a:r>
-              <a:rPr lang="en-US" dirty="0" err="1"/>
-              <a:t>mQTL</a:t>
-            </a:r>
-            <a:r>
-              <a:rPr lang="en-US" dirty="0"/>
-              <a:t> information improves ability</a:t>
-            </a:r>
-            <a:br>
-              <a:rPr lang="en-US" dirty="0"/>
-            </a:br>
-            <a:r>
-              <a:rPr lang="en-US" dirty="0"/>
-              <a:t>to discover regulatory relationships</a:t>
-            </a:r>
-            <a:br>
-              <a:rPr lang="en-US" dirty="0"/>
-            </a:br>
-            <a:r>
-              <a:rPr lang="en-US" dirty="0"/>
-              <a:t>with traits.</a:t>
-            </a:r>
-            <a:endParaRPr lang="en-CA" dirty="0"/>
+            <a:endParaRPr lang="en-US"/>
           </a:p>
         </p:txBody>
       </p:sp>
-      <p:pic>
-        <p:nvPicPr>
-          <p:cNvPr id="4" name="Picture 3">
-            <a:extLst>
-              <a:ext uri="{FF2B5EF4-FFF2-40B4-BE49-F238E27FC236}">
-                <a16:creationId xmlns:a16="http://schemas.microsoft.com/office/drawing/2014/main" id="{A233DD1B-B51C-1494-8269-1E01A236EAD3}"/>
-              </a:ext>
-            </a:extLst>
-          </p:cNvPr>
-          <p:cNvPicPr>
-            <a:picLocks noChangeAspect="1"/>
-          </p:cNvPicPr>
-          <p:nvPr/>
-        </p:nvPicPr>
-        <p:blipFill>
-          <a:blip r:embed="rId2"/>
-          <a:stretch>
-            <a:fillRect/>
-          </a:stretch>
-        </p:blipFill>
-        <p:spPr>
-          <a:xfrm>
-            <a:off x="4956175" y="1412776"/>
-            <a:ext cx="6524625" cy="5172075"/>
-          </a:xfrm>
-          <a:prstGeom prst="rect">
-            <a:avLst/>
-          </a:prstGeom>
-        </p:spPr>
-      </p:pic>
     </p:spTree>
     <p:extLst>
       <p:ext uri="{BB962C8B-B14F-4D97-AF65-F5344CB8AC3E}">
-        <p14:creationId xmlns:p14="http://schemas.microsoft.com/office/powerpoint/2010/main" val="4009602319"/>
+        <p14:creationId xmlns:p14="http://schemas.microsoft.com/office/powerpoint/2010/main" val="2486425964"/>
       </p:ext>
     </p:extLst>
   </p:cSld>
@@ -16070,21 +13746,6 @@
 </file>
 
 <file path=customXml/item1.xml><?xml version="1.0" encoding="utf-8"?>
-<p:properties xmlns:p="http://schemas.microsoft.com/office/2006/metadata/properties" xmlns:xsi="http://www.w3.org/2001/XMLSchema-instance" xmlns:pc="http://schemas.microsoft.com/office/infopath/2007/PartnerControls">
-  <documentManagement/>
-</p:properties>
-</file>
-
-<file path=customXml/item2.xml><?xml version="1.0" encoding="utf-8"?>
-<?mso-contentType ?>
-<FormTemplates xmlns="http://schemas.microsoft.com/sharepoint/v3/contenttype/forms">
-  <Display>DocumentLibraryForm</Display>
-  <Edit>DocumentLibraryForm</Edit>
-  <New>DocumentLibraryForm</New>
-</FormTemplates>
-</file>
-
-<file path=customXml/item3.xml><?xml version="1.0" encoding="utf-8"?>
 <ct:contentTypeSchema xmlns:ct="http://schemas.microsoft.com/office/2006/metadata/contentType" xmlns:ma="http://schemas.microsoft.com/office/2006/metadata/properties/metaAttributes" ct:_="" ma:_="" ma:contentTypeName="Document" ma:contentTypeID="0x010100A793F08E06F4AA448AC00C0C02C94845" ma:contentTypeVersion="4" ma:contentTypeDescription="Create a new document." ma:contentTypeScope="" ma:versionID="8ae8c0bcb362956bfd30c2611ca3a1f1">
   <xsd:schema xmlns:xsd="http://www.w3.org/2001/XMLSchema" xmlns:xs="http://www.w3.org/2001/XMLSchema" xmlns:p="http://schemas.microsoft.com/office/2006/metadata/properties" xmlns:ns2="2335683b-688a-4d49-ab37-bd32983a32ac" targetNamespace="http://schemas.microsoft.com/office/2006/metadata/properties" ma:root="true" ma:fieldsID="3c27dae60892398fbb9ade460898c2bd" ns2:_="">
     <xsd:import namespace="2335683b-688a-4d49-ab37-bd32983a32ac"/>
@@ -16230,24 +13891,22 @@
 </ct:contentTypeSchema>
 </file>
 
-<file path=customXml/itemProps1.xml><?xml version="1.0" encoding="utf-8"?>
-<ds:datastoreItem xmlns:ds="http://schemas.openxmlformats.org/officeDocument/2006/customXml" ds:itemID="{958A2EA8-4641-42F6-A17F-431287DED999}">
-  <ds:schemaRefs>
-    <ds:schemaRef ds:uri="http://schemas.microsoft.com/office/2006/metadata/properties"/>
-    <ds:schemaRef ds:uri="http://schemas.microsoft.com/office/infopath/2007/PartnerControls"/>
-  </ds:schemaRefs>
-</ds:datastoreItem>
+<file path=customXml/item2.xml><?xml version="1.0" encoding="utf-8"?>
+<?mso-contentType ?>
+<FormTemplates xmlns="http://schemas.microsoft.com/sharepoint/v3/contenttype/forms">
+  <Display>DocumentLibraryForm</Display>
+  <Edit>DocumentLibraryForm</Edit>
+  <New>DocumentLibraryForm</New>
+</FormTemplates>
 </file>
 
-<file path=customXml/itemProps2.xml><?xml version="1.0" encoding="utf-8"?>
-<ds:datastoreItem xmlns:ds="http://schemas.openxmlformats.org/officeDocument/2006/customXml" ds:itemID="{3AA12886-63C9-4300-8B68-1ADB4934159B}">
-  <ds:schemaRefs>
-    <ds:schemaRef ds:uri="http://schemas.microsoft.com/sharepoint/v3/contenttype/forms"/>
-  </ds:schemaRefs>
-</ds:datastoreItem>
+<file path=customXml/item3.xml><?xml version="1.0" encoding="utf-8"?>
+<p:properties xmlns:p="http://schemas.microsoft.com/office/2006/metadata/properties" xmlns:xsi="http://www.w3.org/2001/XMLSchema-instance" xmlns:pc="http://schemas.microsoft.com/office/infopath/2007/PartnerControls">
+  <documentManagement/>
+</p:properties>
 </file>
 
-<file path=customXml/itemProps3.xml><?xml version="1.0" encoding="utf-8"?>
+<file path=customXml/itemProps1.xml><?xml version="1.0" encoding="utf-8"?>
 <ds:datastoreItem xmlns:ds="http://schemas.openxmlformats.org/officeDocument/2006/customXml" ds:itemID="{741BB8E0-F7E5-448E-9DB1-27528C7937F6}">
   <ds:schemaRefs>
     <ds:schemaRef ds:uri="http://schemas.microsoft.com/office/2006/metadata/contentType"/>
@@ -16263,4 +13922,21 @@
     <ds:schemaRef ds:uri="http://schemas.microsoft.com/internal/obd"/>
   </ds:schemaRefs>
 </ds:datastoreItem>
+</file>
+
+<file path=customXml/itemProps2.xml><?xml version="1.0" encoding="utf-8"?>
+<ds:datastoreItem xmlns:ds="http://schemas.openxmlformats.org/officeDocument/2006/customXml" ds:itemID="{3AA12886-63C9-4300-8B68-1ADB4934159B}">
+  <ds:schemaRefs>
+    <ds:schemaRef ds:uri="http://schemas.microsoft.com/sharepoint/v3/contenttype/forms"/>
+  </ds:schemaRefs>
+</ds:datastoreItem>
+</file>
+
+<file path=customXml/itemProps3.xml><?xml version="1.0" encoding="utf-8"?>
+<ds:datastoreItem xmlns:ds="http://schemas.openxmlformats.org/officeDocument/2006/customXml" ds:itemID="{958A2EA8-4641-42F6-A17F-431287DED999}">
+  <ds:schemaRefs>
+    <ds:schemaRef ds:uri="http://schemas.microsoft.com/office/2006/metadata/properties"/>
+    <ds:schemaRef ds:uri="http://schemas.microsoft.com/office/infopath/2007/PartnerControls"/>
+  </ds:schemaRefs>
+</ds:datastoreItem>
 </file>